--- a/STUDY_MATERIAL/Pushpendra_Sir/6.Threading.pptx
+++ b/STUDY_MATERIAL/Pushpendra_Sir/6.Threading.pptx
@@ -5,7 +5,7 @@
     <p:sldMasterId id="2147483648" r:id="rId1"/>
   </p:sldMasterIdLst>
   <p:notesMasterIdLst>
-    <p:notesMasterId r:id="rId37"/>
+    <p:notesMasterId r:id="rId39"/>
   </p:notesMasterIdLst>
   <p:sldIdLst>
     <p:sldId id="256" r:id="rId2"/>
@@ -43,6 +43,8 @@
     <p:sldId id="291" r:id="rId34"/>
     <p:sldId id="292" r:id="rId35"/>
     <p:sldId id="288" r:id="rId36"/>
+    <p:sldId id="289" r:id="rId37"/>
+    <p:sldId id="290" r:id="rId38"/>
   </p:sldIdLst>
   <p:sldSz cx="12192000" cy="6858000"/>
   <p:notesSz cx="6858000" cy="9144000"/>
@@ -242,7 +244,7 @@
           <a:p>
             <a:fld id="{6BD5DA74-3838-4F27-AC3B-F5345DF93752}" type="datetimeFigureOut">
               <a:rPr lang="en-US" smtClean="0"/>
-              <a:t>10/18/2019</a:t>
+              <a:t>9/25/2019</a:t>
             </a:fld>
             <a:endParaRPr lang="en-US"/>
           </a:p>
@@ -306,37 +308,38 @@
           <a:p>
             <a:pPr lvl="0"/>
             <a:r>
-              <a:rPr lang="en-US"/>
+              <a:rPr lang="en-US" smtClean="0"/>
               <a:t>Edit Master text styles</a:t>
             </a:r>
           </a:p>
           <a:p>
             <a:pPr lvl="1"/>
             <a:r>
-              <a:rPr lang="en-US"/>
+              <a:rPr lang="en-US" smtClean="0"/>
               <a:t>Second level</a:t>
             </a:r>
           </a:p>
           <a:p>
             <a:pPr lvl="2"/>
             <a:r>
-              <a:rPr lang="en-US"/>
+              <a:rPr lang="en-US" smtClean="0"/>
               <a:t>Third level</a:t>
             </a:r>
           </a:p>
           <a:p>
             <a:pPr lvl="3"/>
             <a:r>
-              <a:rPr lang="en-US"/>
+              <a:rPr lang="en-US" smtClean="0"/>
               <a:t>Fourth level</a:t>
             </a:r>
           </a:p>
           <a:p>
             <a:pPr lvl="4"/>
             <a:r>
-              <a:rPr lang="en-US"/>
+              <a:rPr lang="en-US" smtClean="0"/>
               <a:t>Fifth level</a:t>
             </a:r>
+            <a:endParaRPr lang="en-US"/>
           </a:p>
         </p:txBody>
       </p:sp>
@@ -551,9 +554,10 @@
           </a:lstStyle>
           <a:p>
             <a:r>
-              <a:rPr lang="en-US"/>
+              <a:rPr lang="en-US" smtClean="0"/>
               <a:t>Click to edit Master title style</a:t>
             </a:r>
+            <a:endParaRPr lang="en-US"/>
           </a:p>
         </p:txBody>
       </p:sp>
@@ -615,9 +619,10 @@
           </a:lstStyle>
           <a:p>
             <a:r>
-              <a:rPr lang="en-US"/>
+              <a:rPr lang="en-US" smtClean="0"/>
               <a:t>Click to edit Master subtitle style</a:t>
             </a:r>
+            <a:endParaRPr lang="en-US"/>
           </a:p>
         </p:txBody>
       </p:sp>
@@ -638,7 +643,7 @@
           <a:p>
             <a:fld id="{90F2A78D-D337-4BD1-8453-C5ADA9487AEC}" type="datetimeFigureOut">
               <a:rPr lang="en-US" smtClean="0"/>
-              <a:t>10/18/2019</a:t>
+              <a:t>9/25/2019</a:t>
             </a:fld>
             <a:endParaRPr lang="en-US"/>
           </a:p>
@@ -732,9 +737,10 @@
           <a:lstStyle/>
           <a:p>
             <a:r>
-              <a:rPr lang="en-US"/>
+              <a:rPr lang="en-US" smtClean="0"/>
               <a:t>Click to edit Master title style</a:t>
             </a:r>
+            <a:endParaRPr lang="en-US"/>
           </a:p>
         </p:txBody>
       </p:sp>
@@ -755,37 +761,38 @@
           <a:p>
             <a:pPr lvl="0"/>
             <a:r>
-              <a:rPr lang="en-US"/>
+              <a:rPr lang="en-US" smtClean="0"/>
               <a:t>Edit Master text styles</a:t>
             </a:r>
           </a:p>
           <a:p>
             <a:pPr lvl="1"/>
             <a:r>
-              <a:rPr lang="en-US"/>
+              <a:rPr lang="en-US" smtClean="0"/>
               <a:t>Second level</a:t>
             </a:r>
           </a:p>
           <a:p>
             <a:pPr lvl="2"/>
             <a:r>
-              <a:rPr lang="en-US"/>
+              <a:rPr lang="en-US" smtClean="0"/>
               <a:t>Third level</a:t>
             </a:r>
           </a:p>
           <a:p>
             <a:pPr lvl="3"/>
             <a:r>
-              <a:rPr lang="en-US"/>
+              <a:rPr lang="en-US" smtClean="0"/>
               <a:t>Fourth level</a:t>
             </a:r>
           </a:p>
           <a:p>
             <a:pPr lvl="4"/>
             <a:r>
-              <a:rPr lang="en-US"/>
+              <a:rPr lang="en-US" smtClean="0"/>
               <a:t>Fifth level</a:t>
             </a:r>
+            <a:endParaRPr lang="en-US"/>
           </a:p>
         </p:txBody>
       </p:sp>
@@ -806,7 +813,7 @@
           <a:p>
             <a:fld id="{90F2A78D-D337-4BD1-8453-C5ADA9487AEC}" type="datetimeFigureOut">
               <a:rPr lang="en-US" smtClean="0"/>
-              <a:t>10/18/2019</a:t>
+              <a:t>9/25/2019</a:t>
             </a:fld>
             <a:endParaRPr lang="en-US"/>
           </a:p>
@@ -905,9 +912,10 @@
           <a:lstStyle/>
           <a:p>
             <a:r>
-              <a:rPr lang="en-US"/>
+              <a:rPr lang="en-US" smtClean="0"/>
               <a:t>Click to edit Master title style</a:t>
             </a:r>
+            <a:endParaRPr lang="en-US"/>
           </a:p>
         </p:txBody>
       </p:sp>
@@ -933,37 +941,38 @@
           <a:p>
             <a:pPr lvl="0"/>
             <a:r>
-              <a:rPr lang="en-US"/>
+              <a:rPr lang="en-US" smtClean="0"/>
               <a:t>Edit Master text styles</a:t>
             </a:r>
           </a:p>
           <a:p>
             <a:pPr lvl="1"/>
             <a:r>
-              <a:rPr lang="en-US"/>
+              <a:rPr lang="en-US" smtClean="0"/>
               <a:t>Second level</a:t>
             </a:r>
           </a:p>
           <a:p>
             <a:pPr lvl="2"/>
             <a:r>
-              <a:rPr lang="en-US"/>
+              <a:rPr lang="en-US" smtClean="0"/>
               <a:t>Third level</a:t>
             </a:r>
           </a:p>
           <a:p>
             <a:pPr lvl="3"/>
             <a:r>
-              <a:rPr lang="en-US"/>
+              <a:rPr lang="en-US" smtClean="0"/>
               <a:t>Fourth level</a:t>
             </a:r>
           </a:p>
           <a:p>
             <a:pPr lvl="4"/>
             <a:r>
-              <a:rPr lang="en-US"/>
+              <a:rPr lang="en-US" smtClean="0"/>
               <a:t>Fifth level</a:t>
             </a:r>
+            <a:endParaRPr lang="en-US"/>
           </a:p>
         </p:txBody>
       </p:sp>
@@ -984,7 +993,7 @@
           <a:p>
             <a:fld id="{90F2A78D-D337-4BD1-8453-C5ADA9487AEC}" type="datetimeFigureOut">
               <a:rPr lang="en-US" smtClean="0"/>
-              <a:t>10/18/2019</a:t>
+              <a:t>9/25/2019</a:t>
             </a:fld>
             <a:endParaRPr lang="en-US"/>
           </a:p>
@@ -1078,9 +1087,10 @@
           <a:lstStyle/>
           <a:p>
             <a:r>
-              <a:rPr lang="en-US"/>
+              <a:rPr lang="en-US" smtClean="0"/>
               <a:t>Click to edit Master title style</a:t>
             </a:r>
+            <a:endParaRPr lang="en-US"/>
           </a:p>
         </p:txBody>
       </p:sp>
@@ -1101,37 +1111,38 @@
           <a:p>
             <a:pPr lvl="0"/>
             <a:r>
-              <a:rPr lang="en-US"/>
+              <a:rPr lang="en-US" smtClean="0"/>
               <a:t>Edit Master text styles</a:t>
             </a:r>
           </a:p>
           <a:p>
             <a:pPr lvl="1"/>
             <a:r>
-              <a:rPr lang="en-US"/>
+              <a:rPr lang="en-US" smtClean="0"/>
               <a:t>Second level</a:t>
             </a:r>
           </a:p>
           <a:p>
             <a:pPr lvl="2"/>
             <a:r>
-              <a:rPr lang="en-US"/>
+              <a:rPr lang="en-US" smtClean="0"/>
               <a:t>Third level</a:t>
             </a:r>
           </a:p>
           <a:p>
             <a:pPr lvl="3"/>
             <a:r>
-              <a:rPr lang="en-US"/>
+              <a:rPr lang="en-US" smtClean="0"/>
               <a:t>Fourth level</a:t>
             </a:r>
           </a:p>
           <a:p>
             <a:pPr lvl="4"/>
             <a:r>
-              <a:rPr lang="en-US"/>
+              <a:rPr lang="en-US" smtClean="0"/>
               <a:t>Fifth level</a:t>
             </a:r>
+            <a:endParaRPr lang="en-US"/>
           </a:p>
         </p:txBody>
       </p:sp>
@@ -1152,7 +1163,7 @@
           <a:p>
             <a:fld id="{90F2A78D-D337-4BD1-8453-C5ADA9487AEC}" type="datetimeFigureOut">
               <a:rPr lang="en-US" smtClean="0"/>
-              <a:t>10/18/2019</a:t>
+              <a:t>9/25/2019</a:t>
             </a:fld>
             <a:endParaRPr lang="en-US"/>
           </a:p>
@@ -1255,9 +1266,10 @@
           </a:lstStyle>
           <a:p>
             <a:r>
-              <a:rPr lang="en-US"/>
+              <a:rPr lang="en-US" smtClean="0"/>
               <a:t>Click to edit Master title style</a:t>
             </a:r>
+            <a:endParaRPr lang="en-US"/>
           </a:p>
         </p:txBody>
       </p:sp>
@@ -1374,7 +1386,7 @@
           <a:p>
             <a:pPr lvl="0"/>
             <a:r>
-              <a:rPr lang="en-US"/>
+              <a:rPr lang="en-US" smtClean="0"/>
               <a:t>Edit Master text styles</a:t>
             </a:r>
           </a:p>
@@ -1397,7 +1409,7 @@
           <a:p>
             <a:fld id="{90F2A78D-D337-4BD1-8453-C5ADA9487AEC}" type="datetimeFigureOut">
               <a:rPr lang="en-US" smtClean="0"/>
-              <a:t>10/18/2019</a:t>
+              <a:t>9/25/2019</a:t>
             </a:fld>
             <a:endParaRPr lang="en-US"/>
           </a:p>
@@ -1491,9 +1503,10 @@
           <a:lstStyle/>
           <a:p>
             <a:r>
-              <a:rPr lang="en-US"/>
+              <a:rPr lang="en-US" smtClean="0"/>
               <a:t>Click to edit Master title style</a:t>
             </a:r>
+            <a:endParaRPr lang="en-US"/>
           </a:p>
         </p:txBody>
       </p:sp>
@@ -1519,37 +1532,38 @@
           <a:p>
             <a:pPr lvl="0"/>
             <a:r>
-              <a:rPr lang="en-US"/>
+              <a:rPr lang="en-US" smtClean="0"/>
               <a:t>Edit Master text styles</a:t>
             </a:r>
           </a:p>
           <a:p>
             <a:pPr lvl="1"/>
             <a:r>
-              <a:rPr lang="en-US"/>
+              <a:rPr lang="en-US" smtClean="0"/>
               <a:t>Second level</a:t>
             </a:r>
           </a:p>
           <a:p>
             <a:pPr lvl="2"/>
             <a:r>
-              <a:rPr lang="en-US"/>
+              <a:rPr lang="en-US" smtClean="0"/>
               <a:t>Third level</a:t>
             </a:r>
           </a:p>
           <a:p>
             <a:pPr lvl="3"/>
             <a:r>
-              <a:rPr lang="en-US"/>
+              <a:rPr lang="en-US" smtClean="0"/>
               <a:t>Fourth level</a:t>
             </a:r>
           </a:p>
           <a:p>
             <a:pPr lvl="4"/>
             <a:r>
-              <a:rPr lang="en-US"/>
+              <a:rPr lang="en-US" smtClean="0"/>
               <a:t>Fifth level</a:t>
             </a:r>
+            <a:endParaRPr lang="en-US"/>
           </a:p>
         </p:txBody>
       </p:sp>
@@ -1575,37 +1589,38 @@
           <a:p>
             <a:pPr lvl="0"/>
             <a:r>
-              <a:rPr lang="en-US"/>
+              <a:rPr lang="en-US" smtClean="0"/>
               <a:t>Edit Master text styles</a:t>
             </a:r>
           </a:p>
           <a:p>
             <a:pPr lvl="1"/>
             <a:r>
-              <a:rPr lang="en-US"/>
+              <a:rPr lang="en-US" smtClean="0"/>
               <a:t>Second level</a:t>
             </a:r>
           </a:p>
           <a:p>
             <a:pPr lvl="2"/>
             <a:r>
-              <a:rPr lang="en-US"/>
+              <a:rPr lang="en-US" smtClean="0"/>
               <a:t>Third level</a:t>
             </a:r>
           </a:p>
           <a:p>
             <a:pPr lvl="3"/>
             <a:r>
-              <a:rPr lang="en-US"/>
+              <a:rPr lang="en-US" smtClean="0"/>
               <a:t>Fourth level</a:t>
             </a:r>
           </a:p>
           <a:p>
             <a:pPr lvl="4"/>
             <a:r>
-              <a:rPr lang="en-US"/>
+              <a:rPr lang="en-US" smtClean="0"/>
               <a:t>Fifth level</a:t>
             </a:r>
+            <a:endParaRPr lang="en-US"/>
           </a:p>
         </p:txBody>
       </p:sp>
@@ -1626,7 +1641,7 @@
           <a:p>
             <a:fld id="{90F2A78D-D337-4BD1-8453-C5ADA9487AEC}" type="datetimeFigureOut">
               <a:rPr lang="en-US" smtClean="0"/>
-              <a:t>10/18/2019</a:t>
+              <a:t>9/25/2019</a:t>
             </a:fld>
             <a:endParaRPr lang="en-US"/>
           </a:p>
@@ -1725,9 +1740,10 @@
           <a:lstStyle/>
           <a:p>
             <a:r>
-              <a:rPr lang="en-US"/>
+              <a:rPr lang="en-US" smtClean="0"/>
               <a:t>Click to edit Master title style</a:t>
             </a:r>
+            <a:endParaRPr lang="en-US"/>
           </a:p>
         </p:txBody>
       </p:sp>
@@ -1790,7 +1806,7 @@
           <a:p>
             <a:pPr lvl="0"/>
             <a:r>
-              <a:rPr lang="en-US"/>
+              <a:rPr lang="en-US" smtClean="0"/>
               <a:t>Edit Master text styles</a:t>
             </a:r>
           </a:p>
@@ -1818,37 +1834,38 @@
           <a:p>
             <a:pPr lvl="0"/>
             <a:r>
-              <a:rPr lang="en-US"/>
+              <a:rPr lang="en-US" smtClean="0"/>
               <a:t>Edit Master text styles</a:t>
             </a:r>
           </a:p>
           <a:p>
             <a:pPr lvl="1"/>
             <a:r>
-              <a:rPr lang="en-US"/>
+              <a:rPr lang="en-US" smtClean="0"/>
               <a:t>Second level</a:t>
             </a:r>
           </a:p>
           <a:p>
             <a:pPr lvl="2"/>
             <a:r>
-              <a:rPr lang="en-US"/>
+              <a:rPr lang="en-US" smtClean="0"/>
               <a:t>Third level</a:t>
             </a:r>
           </a:p>
           <a:p>
             <a:pPr lvl="3"/>
             <a:r>
-              <a:rPr lang="en-US"/>
+              <a:rPr lang="en-US" smtClean="0"/>
               <a:t>Fourth level</a:t>
             </a:r>
           </a:p>
           <a:p>
             <a:pPr lvl="4"/>
             <a:r>
-              <a:rPr lang="en-US"/>
+              <a:rPr lang="en-US" smtClean="0"/>
               <a:t>Fifth level</a:t>
             </a:r>
+            <a:endParaRPr lang="en-US"/>
           </a:p>
         </p:txBody>
       </p:sp>
@@ -1911,7 +1928,7 @@
           <a:p>
             <a:pPr lvl="0"/>
             <a:r>
-              <a:rPr lang="en-US"/>
+              <a:rPr lang="en-US" smtClean="0"/>
               <a:t>Edit Master text styles</a:t>
             </a:r>
           </a:p>
@@ -1939,37 +1956,38 @@
           <a:p>
             <a:pPr lvl="0"/>
             <a:r>
-              <a:rPr lang="en-US"/>
+              <a:rPr lang="en-US" smtClean="0"/>
               <a:t>Edit Master text styles</a:t>
             </a:r>
           </a:p>
           <a:p>
             <a:pPr lvl="1"/>
             <a:r>
-              <a:rPr lang="en-US"/>
+              <a:rPr lang="en-US" smtClean="0"/>
               <a:t>Second level</a:t>
             </a:r>
           </a:p>
           <a:p>
             <a:pPr lvl="2"/>
             <a:r>
-              <a:rPr lang="en-US"/>
+              <a:rPr lang="en-US" smtClean="0"/>
               <a:t>Third level</a:t>
             </a:r>
           </a:p>
           <a:p>
             <a:pPr lvl="3"/>
             <a:r>
-              <a:rPr lang="en-US"/>
+              <a:rPr lang="en-US" smtClean="0"/>
               <a:t>Fourth level</a:t>
             </a:r>
           </a:p>
           <a:p>
             <a:pPr lvl="4"/>
             <a:r>
-              <a:rPr lang="en-US"/>
+              <a:rPr lang="en-US" smtClean="0"/>
               <a:t>Fifth level</a:t>
             </a:r>
+            <a:endParaRPr lang="en-US"/>
           </a:p>
         </p:txBody>
       </p:sp>
@@ -1990,7 +2008,7 @@
           <a:p>
             <a:fld id="{90F2A78D-D337-4BD1-8453-C5ADA9487AEC}" type="datetimeFigureOut">
               <a:rPr lang="en-US" smtClean="0"/>
-              <a:t>10/18/2019</a:t>
+              <a:t>9/25/2019</a:t>
             </a:fld>
             <a:endParaRPr lang="en-US"/>
           </a:p>
@@ -2084,9 +2102,10 @@
           <a:lstStyle/>
           <a:p>
             <a:r>
-              <a:rPr lang="en-US"/>
+              <a:rPr lang="en-US" smtClean="0"/>
               <a:t>Click to edit Master title style</a:t>
             </a:r>
+            <a:endParaRPr lang="en-US"/>
           </a:p>
         </p:txBody>
       </p:sp>
@@ -2107,7 +2126,7 @@
           <a:p>
             <a:fld id="{90F2A78D-D337-4BD1-8453-C5ADA9487AEC}" type="datetimeFigureOut">
               <a:rPr lang="en-US" smtClean="0"/>
-              <a:t>10/18/2019</a:t>
+              <a:t>9/25/2019</a:t>
             </a:fld>
             <a:endParaRPr lang="en-US"/>
           </a:p>
@@ -2202,7 +2221,7 @@
           <a:p>
             <a:fld id="{90F2A78D-D337-4BD1-8453-C5ADA9487AEC}" type="datetimeFigureOut">
               <a:rPr lang="en-US" smtClean="0"/>
-              <a:t>10/18/2019</a:t>
+              <a:t>9/25/2019</a:t>
             </a:fld>
             <a:endParaRPr lang="en-US"/>
           </a:p>
@@ -2305,9 +2324,10 @@
           </a:lstStyle>
           <a:p>
             <a:r>
-              <a:rPr lang="en-US"/>
+              <a:rPr lang="en-US" smtClean="0"/>
               <a:t>Click to edit Master title style</a:t>
             </a:r>
+            <a:endParaRPr lang="en-US"/>
           </a:p>
         </p:txBody>
       </p:sp>
@@ -2361,37 +2381,38 @@
           <a:p>
             <a:pPr lvl="0"/>
             <a:r>
-              <a:rPr lang="en-US"/>
+              <a:rPr lang="en-US" smtClean="0"/>
               <a:t>Edit Master text styles</a:t>
             </a:r>
           </a:p>
           <a:p>
             <a:pPr lvl="1"/>
             <a:r>
-              <a:rPr lang="en-US"/>
+              <a:rPr lang="en-US" smtClean="0"/>
               <a:t>Second level</a:t>
             </a:r>
           </a:p>
           <a:p>
             <a:pPr lvl="2"/>
             <a:r>
-              <a:rPr lang="en-US"/>
+              <a:rPr lang="en-US" smtClean="0"/>
               <a:t>Third level</a:t>
             </a:r>
           </a:p>
           <a:p>
             <a:pPr lvl="3"/>
             <a:r>
-              <a:rPr lang="en-US"/>
+              <a:rPr lang="en-US" smtClean="0"/>
               <a:t>Fourth level</a:t>
             </a:r>
           </a:p>
           <a:p>
             <a:pPr lvl="4"/>
             <a:r>
-              <a:rPr lang="en-US"/>
+              <a:rPr lang="en-US" smtClean="0"/>
               <a:t>Fifth level</a:t>
             </a:r>
+            <a:endParaRPr lang="en-US"/>
           </a:p>
         </p:txBody>
       </p:sp>
@@ -2454,7 +2475,7 @@
           <a:p>
             <a:pPr lvl="0"/>
             <a:r>
-              <a:rPr lang="en-US"/>
+              <a:rPr lang="en-US" smtClean="0"/>
               <a:t>Edit Master text styles</a:t>
             </a:r>
           </a:p>
@@ -2477,7 +2498,7 @@
           <a:p>
             <a:fld id="{90F2A78D-D337-4BD1-8453-C5ADA9487AEC}" type="datetimeFigureOut">
               <a:rPr lang="en-US" smtClean="0"/>
-              <a:t>10/18/2019</a:t>
+              <a:t>9/25/2019</a:t>
             </a:fld>
             <a:endParaRPr lang="en-US"/>
           </a:p>
@@ -2580,9 +2601,10 @@
           </a:lstStyle>
           <a:p>
             <a:r>
-              <a:rPr lang="en-US"/>
+              <a:rPr lang="en-US" smtClean="0"/>
               <a:t>Click to edit Master title style</a:t>
             </a:r>
+            <a:endParaRPr lang="en-US"/>
           </a:p>
         </p:txBody>
       </p:sp>
@@ -2706,7 +2728,7 @@
           <a:p>
             <a:pPr lvl="0"/>
             <a:r>
-              <a:rPr lang="en-US"/>
+              <a:rPr lang="en-US" smtClean="0"/>
               <a:t>Edit Master text styles</a:t>
             </a:r>
           </a:p>
@@ -2729,7 +2751,7 @@
           <a:p>
             <a:fld id="{90F2A78D-D337-4BD1-8453-C5ADA9487AEC}" type="datetimeFigureOut">
               <a:rPr lang="en-US" smtClean="0"/>
-              <a:t>10/18/2019</a:t>
+              <a:t>9/25/2019</a:t>
             </a:fld>
             <a:endParaRPr lang="en-US"/>
           </a:p>
@@ -2838,9 +2860,10 @@
           <a:lstStyle/>
           <a:p>
             <a:r>
-              <a:rPr lang="en-US"/>
+              <a:rPr lang="en-US" smtClean="0"/>
               <a:t>Click to edit Master title style</a:t>
             </a:r>
+            <a:endParaRPr lang="en-US"/>
           </a:p>
         </p:txBody>
       </p:sp>
@@ -2871,37 +2894,38 @@
           <a:p>
             <a:pPr lvl="0"/>
             <a:r>
-              <a:rPr lang="en-US"/>
+              <a:rPr lang="en-US" smtClean="0"/>
               <a:t>Edit Master text styles</a:t>
             </a:r>
           </a:p>
           <a:p>
             <a:pPr lvl="1"/>
             <a:r>
-              <a:rPr lang="en-US"/>
+              <a:rPr lang="en-US" smtClean="0"/>
               <a:t>Second level</a:t>
             </a:r>
           </a:p>
           <a:p>
             <a:pPr lvl="2"/>
             <a:r>
-              <a:rPr lang="en-US"/>
+              <a:rPr lang="en-US" smtClean="0"/>
               <a:t>Third level</a:t>
             </a:r>
           </a:p>
           <a:p>
             <a:pPr lvl="3"/>
             <a:r>
-              <a:rPr lang="en-US"/>
+              <a:rPr lang="en-US" smtClean="0"/>
               <a:t>Fourth level</a:t>
             </a:r>
           </a:p>
           <a:p>
             <a:pPr lvl="4"/>
             <a:r>
-              <a:rPr lang="en-US"/>
+              <a:rPr lang="en-US" smtClean="0"/>
               <a:t>Fifth level</a:t>
             </a:r>
+            <a:endParaRPr lang="en-US"/>
           </a:p>
         </p:txBody>
       </p:sp>
@@ -2940,7 +2964,7 @@
           <a:p>
             <a:fld id="{90F2A78D-D337-4BD1-8453-C5ADA9487AEC}" type="datetimeFigureOut">
               <a:rPr lang="en-US" smtClean="0"/>
-              <a:t>10/18/2019</a:t>
+              <a:t>9/25/2019</a:t>
             </a:fld>
             <a:endParaRPr lang="en-US"/>
           </a:p>
@@ -3368,9 +3392,10 @@
           <a:lstStyle/>
           <a:p>
             <a:r>
-              <a:rPr lang="en-US" sz="3200" b="1" dirty="0"/>
+              <a:rPr lang="en-US" sz="3200" b="1" dirty="0" smtClean="0"/>
               <a:t>Unit-4</a:t>
             </a:r>
+            <a:endParaRPr lang="en-US" sz="3200" b="1" dirty="0"/>
           </a:p>
         </p:txBody>
       </p:sp>
@@ -3396,20 +3421,32 @@
           </a:bodyPr>
           <a:lstStyle/>
           <a:p>
+            <a:r>
+              <a:rPr lang="en-US" sz="4000" b="1" dirty="0" smtClean="0"/>
+              <a:t/>
+            </a:r>
+            <a:br>
+              <a:rPr lang="en-US" sz="4000" b="1" dirty="0" smtClean="0"/>
+            </a:br>
+            <a:r>
+              <a:rPr lang="en-US" sz="4000" b="1" dirty="0"/>
+              <a:t/>
+            </a:r>
             <a:br>
               <a:rPr lang="en-US" sz="4000" b="1" dirty="0"/>
             </a:br>
+            <a:r>
+              <a:rPr lang="en-US" sz="4000" b="1" dirty="0" smtClean="0"/>
+              <a:t>Introduction to Multi-threading</a:t>
+            </a:r>
+            <a:r>
+              <a:rPr lang="en-US" sz="2000" b="1" dirty="0" smtClean="0"/>
+              <a:t/>
+            </a:r>
             <a:br>
-              <a:rPr lang="en-US" sz="4000" b="1" dirty="0"/>
+              <a:rPr lang="en-US" sz="2000" b="1" dirty="0" smtClean="0"/>
             </a:br>
-            <a:r>
-              <a:rPr lang="en-US" sz="4000" b="1" dirty="0"/>
-              <a:t>Introduction to Multi-threading</a:t>
-            </a:r>
-            <a:br>
-              <a:rPr lang="en-US" sz="2000" b="1" dirty="0"/>
-            </a:br>
-            <a:endParaRPr lang="en-US" altLang="zh-TW" sz="2000" dirty="0">
+            <a:endParaRPr lang="en-US" altLang="zh-TW" sz="2000" dirty="0" smtClean="0">
               <a:latin typeface="Times New Roman" panose="02020603050405020304" pitchFamily="18" charset="0"/>
               <a:ea typeface="PMingLiU" pitchFamily="18" charset="-120"/>
               <a:cs typeface="Times New Roman" panose="02020603050405020304" pitchFamily="18" charset="0"/>
@@ -3427,6 +3464,13 @@
   <p:clrMapOvr>
     <a:masterClrMapping/>
   </p:clrMapOvr>
+  <p:timing>
+    <p:tnLst>
+      <p:par>
+        <p:cTn id="1" dur="indefinite" restart="never" nodeType="tmRoot"/>
+      </p:par>
+    </p:tnLst>
+  </p:timing>
 </p:sld>
 </file>
 
@@ -3629,11 +3673,18 @@
           </a:lstStyle>
           <a:p>
             <a:r>
+              <a:rPr lang="en-US" sz="2000" b="1" dirty="0" smtClean="0">
+                <a:latin typeface="Times New Roman" panose="02020603050405020304" pitchFamily="18" charset="0"/>
+                <a:cs typeface="Times New Roman" panose="02020603050405020304" pitchFamily="18" charset="0"/>
+              </a:rPr>
+              <a:t>1</a:t>
+            </a:r>
+            <a:r>
               <a:rPr lang="en-US" sz="2000" b="1" dirty="0">
                 <a:latin typeface="Times New Roman" panose="02020603050405020304" pitchFamily="18" charset="0"/>
                 <a:cs typeface="Times New Roman" panose="02020603050405020304" pitchFamily="18" charset="0"/>
               </a:rPr>
-              <a:t>1) New</a:t>
+              <a:t>) New</a:t>
             </a:r>
           </a:p>
           <a:p>
@@ -3642,7 +3693,14 @@
                 <a:latin typeface="Times New Roman" panose="02020603050405020304" pitchFamily="18" charset="0"/>
                 <a:cs typeface="Times New Roman" panose="02020603050405020304" pitchFamily="18" charset="0"/>
               </a:rPr>
-              <a:t>The thread is in new state if you create an instance of Thread class but before the invocation of start() method.</a:t>
+              <a:t>The thread is in new state if you create an instance of Thread class but before the invocation of start() method</a:t>
+            </a:r>
+            <a:r>
+              <a:rPr lang="en-US" sz="2000" dirty="0" smtClean="0">
+                <a:latin typeface="Times New Roman" panose="02020603050405020304" pitchFamily="18" charset="0"/>
+                <a:cs typeface="Times New Roman" panose="02020603050405020304" pitchFamily="18" charset="0"/>
+              </a:rPr>
+              <a:t>.</a:t>
             </a:r>
           </a:p>
           <a:p>
@@ -3669,7 +3727,7 @@
               <a:tabLst/>
             </a:pPr>
             <a:r>
-              <a:rPr kumimoji="0" lang="en-US" altLang="en-US" sz="2000" b="0" i="0" u="none" strike="noStrike" cap="none" normalizeH="0" baseline="0" dirty="0">
+              <a:rPr kumimoji="0" lang="en-US" altLang="en-US" sz="2000" b="0" i="0" u="none" strike="noStrike" cap="none" normalizeH="0" baseline="0" dirty="0" smtClean="0">
                 <a:ln>
                   <a:noFill/>
                 </a:ln>
@@ -3701,7 +3759,7 @@
               <a:tabLst/>
             </a:pPr>
             <a:r>
-              <a:rPr kumimoji="0" lang="en-US" altLang="en-US" sz="2000" b="0" i="0" u="none" strike="noStrike" cap="none" normalizeH="0" baseline="0" dirty="0">
+              <a:rPr kumimoji="0" lang="en-US" altLang="en-US" sz="2000" b="0" i="0" u="none" strike="noStrike" cap="none" normalizeH="0" baseline="0" dirty="0" smtClean="0">
                 <a:ln>
                   <a:noFill/>
                 </a:ln>
@@ -3732,7 +3790,7 @@
               <a:buNone/>
               <a:tabLst/>
             </a:pPr>
-            <a:endParaRPr kumimoji="0" lang="en-US" altLang="en-US" sz="2000" b="0" i="0" u="none" strike="noStrike" cap="none" normalizeH="0" baseline="0" dirty="0">
+            <a:endParaRPr kumimoji="0" lang="en-US" altLang="en-US" sz="2000" b="0" i="0" u="none" strike="noStrike" cap="none" normalizeH="0" baseline="0" dirty="0" smtClean="0">
               <a:ln>
                 <a:noFill/>
               </a:ln>
@@ -3762,7 +3820,7 @@
               <a:tabLst/>
             </a:pPr>
             <a:r>
-              <a:rPr kumimoji="0" lang="en-US" altLang="en-US" sz="2000" b="0" i="0" u="none" strike="noStrike" cap="none" normalizeH="0" baseline="0" dirty="0">
+              <a:rPr kumimoji="0" lang="en-US" altLang="en-US" sz="2000" b="0" i="0" u="none" strike="noStrike" cap="none" normalizeH="0" baseline="0" dirty="0" smtClean="0">
                 <a:ln>
                   <a:noFill/>
                 </a:ln>
@@ -3794,7 +3852,7 @@
               <a:tabLst/>
             </a:pPr>
             <a:r>
-              <a:rPr kumimoji="0" lang="en-US" altLang="en-US" sz="2000" b="0" i="0" u="none" strike="noStrike" cap="none" normalizeH="0" baseline="0" dirty="0">
+              <a:rPr kumimoji="0" lang="en-US" altLang="en-US" sz="2000" b="0" i="0" u="none" strike="noStrike" cap="none" normalizeH="0" baseline="0" dirty="0" smtClean="0">
                 <a:ln>
                   <a:noFill/>
                 </a:ln>
@@ -3825,7 +3883,7 @@
               <a:buNone/>
               <a:tabLst/>
             </a:pPr>
-            <a:endParaRPr kumimoji="0" lang="en-US" altLang="en-US" sz="2000" b="0" i="0" u="none" strike="noStrike" cap="none" normalizeH="0" baseline="0" dirty="0">
+            <a:endParaRPr kumimoji="0" lang="en-US" altLang="en-US" sz="2000" b="0" i="0" u="none" strike="noStrike" cap="none" normalizeH="0" baseline="0" dirty="0" smtClean="0">
               <a:ln>
                 <a:noFill/>
               </a:ln>
@@ -3855,7 +3913,7 @@
               <a:tabLst/>
             </a:pPr>
             <a:r>
-              <a:rPr kumimoji="0" lang="en-US" altLang="en-US" sz="2000" b="0" i="0" u="none" strike="noStrike" cap="none" normalizeH="0" baseline="0" dirty="0">
+              <a:rPr kumimoji="0" lang="en-US" altLang="en-US" sz="2000" b="0" i="0" u="none" strike="noStrike" cap="none" normalizeH="0" baseline="0" dirty="0" smtClean="0">
                 <a:ln>
                   <a:noFill/>
                 </a:ln>
@@ -3887,7 +3945,7 @@
               <a:tabLst/>
             </a:pPr>
             <a:r>
-              <a:rPr kumimoji="0" lang="en-US" altLang="en-US" sz="2000" b="0" i="0" u="none" strike="noStrike" cap="none" normalizeH="0" baseline="0" dirty="0">
+              <a:rPr kumimoji="0" lang="en-US" altLang="en-US" sz="2000" b="0" i="0" u="none" strike="noStrike" cap="none" normalizeH="0" baseline="0" dirty="0" smtClean="0">
                 <a:ln>
                   <a:noFill/>
                 </a:ln>
@@ -3918,7 +3976,7 @@
               <a:buNone/>
               <a:tabLst/>
             </a:pPr>
-            <a:endParaRPr kumimoji="0" lang="en-US" altLang="en-US" sz="2000" b="0" i="0" u="none" strike="noStrike" cap="none" normalizeH="0" baseline="0" dirty="0">
+            <a:endParaRPr kumimoji="0" lang="en-US" altLang="en-US" sz="2000" b="0" i="0" u="none" strike="noStrike" cap="none" normalizeH="0" baseline="0" dirty="0" smtClean="0">
               <a:ln>
                 <a:noFill/>
               </a:ln>
@@ -3948,7 +4006,7 @@
               <a:tabLst/>
             </a:pPr>
             <a:r>
-              <a:rPr kumimoji="0" lang="en-US" altLang="en-US" sz="2000" b="0" i="0" u="none" strike="noStrike" cap="none" normalizeH="0" baseline="0" dirty="0">
+              <a:rPr kumimoji="0" lang="en-US" altLang="en-US" sz="2000" b="0" i="0" u="none" strike="noStrike" cap="none" normalizeH="0" baseline="0" dirty="0" smtClean="0">
                 <a:ln>
                   <a:noFill/>
                 </a:ln>
@@ -3980,7 +4038,7 @@
               <a:tabLst/>
             </a:pPr>
             <a:r>
-              <a:rPr kumimoji="0" lang="en-US" altLang="en-US" sz="2000" b="0" i="0" u="none" strike="noStrike" cap="none" normalizeH="0" baseline="0" dirty="0">
+              <a:rPr kumimoji="0" lang="en-US" altLang="en-US" sz="2000" b="0" i="0" u="none" strike="noStrike" cap="none" normalizeH="0" baseline="0" dirty="0" smtClean="0">
                 <a:ln>
                   <a:noFill/>
                 </a:ln>
@@ -3993,7 +4051,7 @@
               </a:rPr>
               <a:t>A thread is in terminated or dead state when its run() method exits.</a:t>
             </a:r>
-            <a:endParaRPr kumimoji="0" lang="en-US" altLang="en-US" sz="2000" b="0" i="0" u="none" strike="noStrike" cap="none" normalizeH="0" baseline="0" dirty="0">
+            <a:endParaRPr kumimoji="0" lang="en-US" altLang="en-US" sz="2000" b="0" i="0" u="none" strike="noStrike" cap="none" normalizeH="0" baseline="0" dirty="0" smtClean="0">
               <a:ln>
                 <a:noFill/>
               </a:ln>
@@ -4017,6 +4075,13 @@
   <p:clrMapOvr>
     <a:masterClrMapping/>
   </p:clrMapOvr>
+  <p:timing>
+    <p:tnLst>
+      <p:par>
+        <p:cTn id="1" dur="indefinite" restart="never" nodeType="tmRoot"/>
+      </p:par>
+    </p:tnLst>
+  </p:timing>
 </p:sld>
 </file>
 
@@ -4075,6 +4140,16 @@
                     <a:lstStyle/>
                     <a:p>
                       <a:r>
+                        <a:rPr lang="en-US" sz="2400" b="1" u="sng" dirty="0" smtClean="0">
+                          <a:solidFill>
+                            <a:srgbClr val="610B38"/>
+                          </a:solidFill>
+                          <a:effectLst/>
+                          <a:latin typeface="erdana"/>
+                        </a:rPr>
+                        <a:t>How </a:t>
+                      </a:r>
+                      <a:r>
                         <a:rPr lang="en-US" sz="2400" b="1" u="sng" dirty="0">
                           <a:solidFill>
                             <a:srgbClr val="610B38"/>
@@ -4082,7 +4157,7 @@
                           <a:effectLst/>
                           <a:latin typeface="erdana"/>
                         </a:rPr>
-                        <a:t>How to create thread</a:t>
+                        <a:t>to create thread</a:t>
                       </a:r>
                     </a:p>
                     <a:p>
@@ -4126,7 +4201,17 @@
                           <a:effectLst/>
                           <a:latin typeface="verdana" panose="020B0604030504040204" pitchFamily="34" charset="0"/>
                         </a:rPr>
-                        <a:t>By implementing Runnable interface</a:t>
+                        <a:t>By implementing Runnable </a:t>
+                      </a:r>
+                      <a:r>
+                        <a:rPr lang="en-US" sz="2400" dirty="0" smtClean="0">
+                          <a:solidFill>
+                            <a:srgbClr val="000000"/>
+                          </a:solidFill>
+                          <a:effectLst/>
+                          <a:latin typeface="verdana" panose="020B0604030504040204" pitchFamily="34" charset="0"/>
+                        </a:rPr>
+                        <a:t>interface</a:t>
                       </a:r>
                     </a:p>
                     <a:p>
@@ -4134,7 +4219,7 @@
                         <a:buFont typeface="+mj-lt"/>
                         <a:buAutoNum type="arabicPeriod"/>
                       </a:pPr>
-                      <a:endParaRPr lang="en-US" dirty="0">
+                      <a:endParaRPr lang="en-US" dirty="0" smtClean="0">
                         <a:solidFill>
                           <a:srgbClr val="000000"/>
                         </a:solidFill>
@@ -4147,7 +4232,7 @@
                         <a:buFont typeface="+mj-lt"/>
                         <a:buAutoNum type="arabicPeriod"/>
                       </a:pPr>
-                      <a:endParaRPr lang="en-US" dirty="0">
+                      <a:endParaRPr lang="en-US" dirty="0" smtClean="0">
                         <a:solidFill>
                           <a:srgbClr val="000000"/>
                         </a:solidFill>
@@ -4342,7 +4427,7 @@
               <a:tabLst/>
             </a:pPr>
             <a:r>
-              <a:rPr kumimoji="0" lang="en-US" altLang="en-US" sz="2400" b="1" i="0" u="sng" strike="noStrike" cap="none" normalizeH="0" baseline="0" dirty="0">
+              <a:rPr kumimoji="0" lang="en-US" altLang="en-US" sz="2400" b="1" i="0" u="sng" strike="noStrike" cap="none" normalizeH="0" baseline="0" dirty="0" smtClean="0">
                 <a:ln>
                   <a:noFill/>
                 </a:ln>
@@ -4409,7 +4494,7 @@
               <a:buNone/>
               <a:tabLst/>
             </a:pPr>
-            <a:endParaRPr kumimoji="0" lang="en-US" altLang="en-US" b="0" i="0" u="none" strike="noStrike" cap="none" normalizeH="0" baseline="0" dirty="0">
+            <a:endParaRPr kumimoji="0" lang="en-US" altLang="en-US" b="0" i="0" u="none" strike="noStrike" cap="none" normalizeH="0" baseline="0" dirty="0" smtClean="0">
               <a:ln>
                 <a:noFill/>
               </a:ln>
@@ -4437,7 +4522,7 @@
               <a:buNone/>
               <a:tabLst/>
             </a:pPr>
-            <a:endParaRPr kumimoji="0" lang="en-US" altLang="en-US" b="0" i="0" u="none" strike="noStrike" cap="none" normalizeH="0" baseline="0" dirty="0">
+            <a:endParaRPr kumimoji="0" lang="en-US" altLang="en-US" b="0" i="0" u="none" strike="noStrike" cap="none" normalizeH="0" baseline="0" dirty="0" smtClean="0">
               <a:ln>
                 <a:noFill/>
               </a:ln>
@@ -4466,7 +4551,7 @@
               <a:tabLst/>
             </a:pPr>
             <a:r>
-              <a:rPr kumimoji="0" lang="en-US" altLang="en-US" b="1" i="0" u="sng" strike="noStrike" cap="none" normalizeH="0" baseline="0" dirty="0">
+              <a:rPr kumimoji="0" lang="en-US" altLang="en-US" b="1" i="0" u="sng" strike="noStrike" cap="none" normalizeH="0" baseline="0" dirty="0" smtClean="0">
                 <a:ln>
                   <a:noFill/>
                 </a:ln>
@@ -4574,7 +4659,7 @@
               <a:buNone/>
               <a:tabLst/>
             </a:pPr>
-            <a:endParaRPr kumimoji="0" lang="en-US" altLang="en-US" b="0" i="0" u="none" strike="noStrike" cap="none" normalizeH="0" baseline="0" dirty="0">
+            <a:endParaRPr kumimoji="0" lang="en-US" altLang="en-US" b="0" i="0" u="none" strike="noStrike" cap="none" normalizeH="0" baseline="0" dirty="0" smtClean="0">
               <a:ln>
                 <a:noFill/>
               </a:ln>
@@ -4602,7 +4687,7 @@
               <a:buNone/>
               <a:tabLst/>
             </a:pPr>
-            <a:endParaRPr kumimoji="0" lang="en-US" altLang="en-US" sz="1800" b="0" i="0" u="none" strike="noStrike" cap="none" normalizeH="0" baseline="0" dirty="0">
+            <a:endParaRPr kumimoji="0" lang="en-US" altLang="en-US" sz="1800" b="0" i="0" u="none" strike="noStrike" cap="none" normalizeH="0" baseline="0" dirty="0" smtClean="0">
               <a:ln>
                 <a:noFill/>
               </a:ln>
@@ -4625,6 +4710,13 @@
   <p:clrMapOvr>
     <a:masterClrMapping/>
   </p:clrMapOvr>
+  <p:timing>
+    <p:tnLst>
+      <p:par>
+        <p:cTn id="1" dur="indefinite" restart="never" nodeType="tmRoot"/>
+      </p:par>
+    </p:tnLst>
+  </p:timing>
 </p:sld>
 </file>
 
@@ -5439,8 +5531,27 @@
                           <a:latin typeface="Times New Roman" panose="02020603050405020304" pitchFamily="18" charset="0"/>
                           <a:cs typeface="Times New Roman" panose="02020603050405020304" pitchFamily="18" charset="0"/>
                         </a:rPr>
-                        <a:t>tests if the thread is alive.</a:t>
+                        <a:t>tests if the thread is alive</a:t>
                       </a:r>
+                      <a:r>
+                        <a:rPr lang="en-US" sz="2000" dirty="0" smtClean="0">
+                          <a:solidFill>
+                            <a:srgbClr val="000000"/>
+                          </a:solidFill>
+                          <a:effectLst/>
+                          <a:latin typeface="Times New Roman" panose="02020603050405020304" pitchFamily="18" charset="0"/>
+                          <a:cs typeface="Times New Roman" panose="02020603050405020304" pitchFamily="18" charset="0"/>
+                        </a:rPr>
+                        <a:t>.</a:t>
+                      </a:r>
+                      <a:endParaRPr lang="en-US" sz="2000" dirty="0">
+                        <a:solidFill>
+                          <a:srgbClr val="000000"/>
+                        </a:solidFill>
+                        <a:effectLst/>
+                        <a:latin typeface="Times New Roman" panose="02020603050405020304" pitchFamily="18" charset="0"/>
+                        <a:cs typeface="Times New Roman" panose="02020603050405020304" pitchFamily="18" charset="0"/>
+                      </a:endParaRPr>
                     </a:p>
                   </a:txBody>
                   <a:tcPr marL="38851" marR="38851" marT="19426" marB="19426" anchor="ctr">
@@ -5542,7 +5653,7 @@
               <a:tabLst/>
             </a:pPr>
             <a:r>
-              <a:rPr kumimoji="0" lang="en-US" altLang="en-US" sz="1500" b="0" i="0" u="none" strike="noStrike" cap="none" normalizeH="0" baseline="0">
+              <a:rPr kumimoji="0" lang="en-US" altLang="en-US" sz="1500" b="0" i="0" u="none" strike="noStrike" cap="none" normalizeH="0" baseline="0" smtClean="0">
                 <a:ln>
                   <a:noFill/>
                 </a:ln>
@@ -5572,7 +5683,7 @@
               <a:buNone/>
               <a:tabLst/>
             </a:pPr>
-            <a:endParaRPr kumimoji="0" lang="en-US" altLang="en-US" sz="1800" b="0" i="0" u="none" strike="noStrike" cap="none" normalizeH="0" baseline="0">
+            <a:endParaRPr kumimoji="0" lang="en-US" altLang="en-US" sz="1800" b="0" i="0" u="none" strike="noStrike" cap="none" normalizeH="0" baseline="0" smtClean="0">
               <a:ln>
                 <a:noFill/>
               </a:ln>
@@ -5595,6 +5706,13 @@
   <p:clrMapOvr>
     <a:masterClrMapping/>
   </p:clrMapOvr>
+  <p:timing>
+    <p:tnLst>
+      <p:par>
+        <p:cTn id="1" dur="indefinite" restart="never" nodeType="tmRoot"/>
+      </p:par>
+    </p:tnLst>
+  </p:timing>
 </p:sld>
 </file>
 
@@ -6108,6 +6226,13 @@
   <p:clrMapOvr>
     <a:masterClrMapping/>
   </p:clrMapOvr>
+  <p:timing>
+    <p:tnLst>
+      <p:par>
+        <p:cTn id="1" dur="indefinite" restart="never" nodeType="tmRoot"/>
+      </p:par>
+    </p:tnLst>
+  </p:timing>
 </p:sld>
 </file>
 
@@ -6146,9 +6271,10 @@
           <a:lstStyle/>
           <a:p>
             <a:r>
-              <a:rPr lang="en-US" sz="2800" b="1" u="sng" dirty="0"/>
+              <a:rPr lang="en-US" sz="2800" b="1" u="sng" dirty="0" smtClean="0"/>
               <a:t>Java Thread Example by extending Thread class</a:t>
             </a:r>
+            <a:endParaRPr lang="en-US" sz="2800" b="1" u="sng" dirty="0"/>
           </a:p>
         </p:txBody>
       </p:sp>
@@ -6471,6 +6597,13 @@
   <p:clrMapOvr>
     <a:masterClrMapping/>
   </p:clrMapOvr>
+  <p:timing>
+    <p:tnLst>
+      <p:par>
+        <p:cTn id="1" dur="indefinite" restart="never" nodeType="tmRoot"/>
+      </p:par>
+    </p:tnLst>
+  </p:timing>
 </p:sld>
 </file>
 
@@ -6880,6 +7013,13 @@
   <p:clrMapOvr>
     <a:masterClrMapping/>
   </p:clrMapOvr>
+  <p:timing>
+    <p:tnLst>
+      <p:par>
+        <p:cTn id="1" dur="indefinite" restart="never" nodeType="tmRoot"/>
+      </p:par>
+    </p:tnLst>
+  </p:timing>
 </p:sld>
 </file>
 
@@ -7000,6 +7140,13 @@
   <p:clrMapOvr>
     <a:masterClrMapping/>
   </p:clrMapOvr>
+  <p:timing>
+    <p:tnLst>
+      <p:par>
+        <p:cTn id="1" dur="indefinite" restart="never" nodeType="tmRoot"/>
+      </p:par>
+    </p:tnLst>
+  </p:timing>
 </p:sld>
 </file>
 
@@ -7178,6 +7325,13 @@
   <p:clrMapOvr>
     <a:masterClrMapping/>
   </p:clrMapOvr>
+  <p:timing>
+    <p:tnLst>
+      <p:par>
+        <p:cTn id="1" dur="indefinite" restart="never" nodeType="tmRoot"/>
+      </p:par>
+    </p:tnLst>
+  </p:timing>
 </p:sld>
 </file>
 
@@ -7849,6 +8003,13 @@
   <p:clrMapOvr>
     <a:masterClrMapping/>
   </p:clrMapOvr>
+  <p:timing>
+    <p:tnLst>
+      <p:par>
+        <p:cTn id="1" dur="indefinite" restart="never" nodeType="tmRoot"/>
+      </p:par>
+    </p:tnLst>
+  </p:timing>
 </p:sld>
 </file>
 
@@ -7890,6 +8051,10 @@
               <a:rPr lang="en-US" sz="3600" b="1" u="sng" dirty="0"/>
               <a:t>What if we call run() method directly instead start() method?</a:t>
             </a:r>
+            <a:r>
+              <a:rPr lang="en-US" dirty="0"/>
+              <a:t/>
+            </a:r>
             <a:br>
               <a:rPr lang="en-US" dirty="0"/>
             </a:br>
@@ -7937,7 +8102,16 @@
                 </a:solidFill>
                 <a:latin typeface="verdana" panose="020B0604030504040204" pitchFamily="34" charset="0"/>
               </a:rPr>
-              <a:t>Invoking the run() method from main thread, the run() method goes onto the current call stack rather than at the beginning of a new call stack.</a:t>
+              <a:t>Invoking the run() method from main thread, the run() method goes onto the current call stack rather than at the beginning of a new call stack</a:t>
+            </a:r>
+            <a:r>
+              <a:rPr lang="en-US" dirty="0" smtClean="0">
+                <a:solidFill>
+                  <a:srgbClr val="000000"/>
+                </a:solidFill>
+                <a:latin typeface="verdana" panose="020B0604030504040204" pitchFamily="34" charset="0"/>
+              </a:rPr>
+              <a:t>.</a:t>
             </a:r>
           </a:p>
           <a:p>
@@ -8296,6 +8470,13 @@
   <p:clrMapOvr>
     <a:masterClrMapping/>
   </p:clrMapOvr>
+  <p:timing>
+    <p:tnLst>
+      <p:par>
+        <p:cTn id="1" dur="indefinite" restart="never" nodeType="tmRoot"/>
+      </p:par>
+    </p:tnLst>
+  </p:timing>
 </p:sld>
 </file>
 
@@ -8349,7 +8530,7 @@
               </a:rPr>
               <a:t>Multithreading in java</a:t>
             </a:r>
-            <a:endParaRPr lang="en-US" altLang="en-US" dirty="0"/>
+            <a:endParaRPr lang="en-US" altLang="en-US" dirty="0" smtClean="0"/>
           </a:p>
         </p:txBody>
       </p:sp>
@@ -8551,7 +8732,7 @@
               <a:tabLst/>
             </a:pPr>
             <a:r>
-              <a:rPr kumimoji="0" lang="en-US" altLang="en-US" sz="2000" b="1" i="0" u="none" strike="noStrike" cap="none" normalizeH="0" baseline="0" dirty="0">
+              <a:rPr kumimoji="0" lang="en-US" altLang="en-US" sz="2000" b="1" i="0" u="none" strike="noStrike" cap="none" normalizeH="0" baseline="0" dirty="0" smtClean="0">
                 <a:ln>
                   <a:noFill/>
                 </a:ln>
@@ -8565,7 +8746,7 @@
               <a:t>Multithreading in java</a:t>
             </a:r>
             <a:r>
-              <a:rPr kumimoji="0" lang="en-US" altLang="en-US" sz="2000" b="0" i="0" u="none" strike="noStrike" cap="none" normalizeH="0" baseline="0" dirty="0">
+              <a:rPr kumimoji="0" lang="en-US" altLang="en-US" sz="2000" b="0" i="0" u="none" strike="noStrike" cap="none" normalizeH="0" baseline="0" dirty="0" smtClean="0">
                 <a:ln>
                   <a:noFill/>
                 </a:ln>
@@ -8578,7 +8759,7 @@
               </a:rPr>
               <a:t> is a process of executing multiple threads simultaneously.</a:t>
             </a:r>
-            <a:endParaRPr kumimoji="0" lang="en-US" altLang="en-US" sz="2000" b="0" i="0" u="none" strike="noStrike" cap="none" normalizeH="0" baseline="0" dirty="0">
+            <a:endParaRPr kumimoji="0" lang="en-US" altLang="en-US" sz="2000" b="0" i="0" u="none" strike="noStrike" cap="none" normalizeH="0" baseline="0" dirty="0" smtClean="0">
               <a:ln>
                 <a:noFill/>
               </a:ln>
@@ -8608,7 +8789,7 @@
               <a:tabLst/>
             </a:pPr>
             <a:r>
-              <a:rPr kumimoji="0" lang="en-US" altLang="en-US" sz="2000" b="0" i="0" u="none" strike="noStrike" cap="none" normalizeH="0" baseline="0" dirty="0">
+              <a:rPr kumimoji="0" lang="en-US" altLang="en-US" sz="2000" b="0" i="0" u="none" strike="noStrike" cap="none" normalizeH="0" baseline="0" dirty="0" smtClean="0">
                 <a:ln>
                   <a:noFill/>
                 </a:ln>
@@ -8640,7 +8821,7 @@
               <a:tabLst/>
             </a:pPr>
             <a:r>
-              <a:rPr kumimoji="0" lang="en-US" altLang="en-US" sz="2000" b="0" i="0" u="none" strike="noStrike" cap="none" normalizeH="0" baseline="0" dirty="0">
+              <a:rPr kumimoji="0" lang="en-US" altLang="en-US" sz="2000" b="0" i="0" u="none" strike="noStrike" cap="none" normalizeH="0" baseline="0" dirty="0" smtClean="0">
                 <a:ln>
                   <a:noFill/>
                 </a:ln>
@@ -8653,7 +8834,7 @@
               </a:rPr>
               <a:t>Multiprocessing and multithreading, both are used to achieve multitasking.</a:t>
             </a:r>
-            <a:endParaRPr kumimoji="0" lang="en-US" altLang="en-US" sz="2000" b="0" i="0" u="none" strike="noStrike" cap="none" normalizeH="0" baseline="0" dirty="0">
+            <a:endParaRPr kumimoji="0" lang="en-US" altLang="en-US" sz="2000" b="0" i="0" u="none" strike="noStrike" cap="none" normalizeH="0" baseline="0" dirty="0" smtClean="0">
               <a:ln>
                 <a:noFill/>
               </a:ln>
@@ -8683,7 +8864,7 @@
               <a:tabLst/>
             </a:pPr>
             <a:r>
-              <a:rPr kumimoji="0" lang="en-US" altLang="en-US" sz="2000" b="0" i="0" u="none" strike="noStrike" cap="none" normalizeH="0" baseline="0" dirty="0">
+              <a:rPr kumimoji="0" lang="en-US" altLang="en-US" sz="2000" b="0" i="0" u="none" strike="noStrike" cap="none" normalizeH="0" baseline="0" dirty="0" smtClean="0">
                 <a:ln>
                   <a:noFill/>
                 </a:ln>
@@ -8696,7 +8877,7 @@
               </a:rPr>
               <a:t>However, we use multithreading than multiprocessing because threads use a shared memory area. They don't allocate separate memory area so saves memory, and context-switching between the threads takes less time than process.</a:t>
             </a:r>
-            <a:endParaRPr kumimoji="0" lang="en-US" altLang="en-US" sz="2000" b="0" i="0" u="none" strike="noStrike" cap="none" normalizeH="0" baseline="0" dirty="0">
+            <a:endParaRPr kumimoji="0" lang="en-US" altLang="en-US" sz="2000" b="0" i="0" u="none" strike="noStrike" cap="none" normalizeH="0" baseline="0" dirty="0" smtClean="0">
               <a:ln>
                 <a:noFill/>
               </a:ln>
@@ -8726,7 +8907,7 @@
               <a:tabLst/>
             </a:pPr>
             <a:r>
-              <a:rPr kumimoji="0" lang="en-US" altLang="en-US" sz="2000" b="0" i="0" u="none" strike="noStrike" cap="none" normalizeH="0" baseline="0" dirty="0">
+              <a:rPr kumimoji="0" lang="en-US" altLang="en-US" sz="2000" b="0" i="0" u="none" strike="noStrike" cap="none" normalizeH="0" baseline="0" dirty="0" smtClean="0">
                 <a:ln>
                   <a:noFill/>
                 </a:ln>
@@ -8739,7 +8920,7 @@
               </a:rPr>
               <a:t>Java Multithreading is mostly used in games, animation, etc.</a:t>
             </a:r>
-            <a:endParaRPr kumimoji="0" lang="en-US" altLang="en-US" sz="2000" b="0" i="0" u="none" strike="noStrike" cap="none" normalizeH="0" baseline="0" dirty="0">
+            <a:endParaRPr kumimoji="0" lang="en-US" altLang="en-US" sz="2000" b="0" i="0" u="none" strike="noStrike" cap="none" normalizeH="0" baseline="0" dirty="0" smtClean="0">
               <a:ln>
                 <a:noFill/>
               </a:ln>
@@ -8950,7 +9131,7 @@
               <a:buNone/>
               <a:tabLst/>
             </a:pPr>
-            <a:endParaRPr kumimoji="0" lang="en-US" altLang="en-US" sz="2000" b="0" i="0" u="none" strike="noStrike" cap="none" normalizeH="0" baseline="0" dirty="0">
+            <a:endParaRPr kumimoji="0" lang="en-US" altLang="en-US" sz="2000" b="0" i="0" u="none" strike="noStrike" cap="none" normalizeH="0" baseline="0" dirty="0" smtClean="0">
               <a:ln>
                 <a:noFill/>
               </a:ln>
@@ -8980,7 +9161,7 @@
               <a:tabLst/>
             </a:pPr>
             <a:r>
-              <a:rPr kumimoji="0" lang="en-US" altLang="en-US" sz="2000" b="0" i="0" u="none" strike="noStrike" cap="none" normalizeH="0" baseline="0" dirty="0">
+              <a:rPr kumimoji="0" lang="en-US" altLang="en-US" sz="2000" b="0" i="0" u="none" strike="noStrike" cap="none" normalizeH="0" baseline="0" dirty="0" smtClean="0">
                 <a:ln>
                   <a:noFill/>
                 </a:ln>
@@ -9011,7 +9192,7 @@
               <a:buNone/>
               <a:tabLst/>
             </a:pPr>
-            <a:endParaRPr kumimoji="0" lang="en-US" altLang="en-US" sz="2000" b="0" i="0" u="none" strike="noStrike" cap="none" normalizeH="0" baseline="0" dirty="0">
+            <a:endParaRPr kumimoji="0" lang="en-US" altLang="en-US" sz="2000" b="0" i="0" u="none" strike="noStrike" cap="none" normalizeH="0" baseline="0" dirty="0" smtClean="0">
               <a:ln>
                 <a:noFill/>
               </a:ln>
@@ -9041,7 +9222,7 @@
               <a:tabLst/>
             </a:pPr>
             <a:r>
-              <a:rPr kumimoji="0" lang="en-US" altLang="en-US" sz="2000" b="0" i="0" u="none" strike="noStrike" cap="none" normalizeH="0" baseline="0" dirty="0">
+              <a:rPr kumimoji="0" lang="en-US" altLang="en-US" sz="2000" b="0" i="0" u="none" strike="noStrike" cap="none" normalizeH="0" baseline="0" dirty="0" smtClean="0">
                 <a:ln>
                   <a:noFill/>
                 </a:ln>
@@ -9055,7 +9236,7 @@
               <a:t>1) It </a:t>
             </a:r>
             <a:r>
-              <a:rPr kumimoji="0" lang="en-US" altLang="en-US" sz="2000" b="1" i="0" u="none" strike="noStrike" cap="none" normalizeH="0" baseline="0" dirty="0">
+              <a:rPr kumimoji="0" lang="en-US" altLang="en-US" sz="2000" b="1" i="0" u="none" strike="noStrike" cap="none" normalizeH="0" baseline="0" dirty="0" smtClean="0">
                 <a:ln>
                   <a:noFill/>
                 </a:ln>
@@ -9069,7 +9250,7 @@
               <a:t>doesn't block the user</a:t>
             </a:r>
             <a:r>
-              <a:rPr kumimoji="0" lang="en-US" altLang="en-US" sz="2000" b="0" i="0" u="none" strike="noStrike" cap="none" normalizeH="0" baseline="0" dirty="0">
+              <a:rPr kumimoji="0" lang="en-US" altLang="en-US" sz="2000" b="0" i="0" u="none" strike="noStrike" cap="none" normalizeH="0" baseline="0" dirty="0" smtClean="0">
                 <a:ln>
                   <a:noFill/>
                 </a:ln>
@@ -9082,7 +9263,7 @@
               </a:rPr>
               <a:t> because threads are independent and you can perform multiple operations at the same time.</a:t>
             </a:r>
-            <a:endParaRPr kumimoji="0" lang="en-US" altLang="en-US" sz="2000" b="0" i="0" u="none" strike="noStrike" cap="none" normalizeH="0" baseline="0" dirty="0">
+            <a:endParaRPr kumimoji="0" lang="en-US" altLang="en-US" sz="2000" b="0" i="0" u="none" strike="noStrike" cap="none" normalizeH="0" baseline="0" dirty="0" smtClean="0">
               <a:ln>
                 <a:noFill/>
               </a:ln>
@@ -9112,7 +9293,7 @@
               <a:tabLst/>
             </a:pPr>
             <a:r>
-              <a:rPr kumimoji="0" lang="en-US" altLang="en-US" sz="2000" b="0" i="0" u="none" strike="noStrike" cap="none" normalizeH="0" baseline="0" dirty="0">
+              <a:rPr kumimoji="0" lang="en-US" altLang="en-US" sz="2000" b="0" i="0" u="none" strike="noStrike" cap="none" normalizeH="0" baseline="0" dirty="0" smtClean="0">
                 <a:ln>
                   <a:noFill/>
                 </a:ln>
@@ -9126,7 +9307,7 @@
               <a:t>2) You </a:t>
             </a:r>
             <a:r>
-              <a:rPr kumimoji="0" lang="en-US" altLang="en-US" sz="2000" b="1" i="0" u="none" strike="noStrike" cap="none" normalizeH="0" baseline="0" dirty="0">
+              <a:rPr kumimoji="0" lang="en-US" altLang="en-US" sz="2000" b="1" i="0" u="none" strike="noStrike" cap="none" normalizeH="0" baseline="0" dirty="0" smtClean="0">
                 <a:ln>
                   <a:noFill/>
                 </a:ln>
@@ -9140,7 +9321,7 @@
               <a:t>can perform many operations together, so it saves time</a:t>
             </a:r>
             <a:r>
-              <a:rPr kumimoji="0" lang="en-US" altLang="en-US" sz="2000" b="0" i="0" u="none" strike="noStrike" cap="none" normalizeH="0" baseline="0" dirty="0">
+              <a:rPr kumimoji="0" lang="en-US" altLang="en-US" sz="2000" b="0" i="0" u="none" strike="noStrike" cap="none" normalizeH="0" baseline="0" dirty="0" smtClean="0">
                 <a:ln>
                   <a:noFill/>
                 </a:ln>
@@ -9153,7 +9334,7 @@
               </a:rPr>
               <a:t>.</a:t>
             </a:r>
-            <a:endParaRPr kumimoji="0" lang="en-US" altLang="en-US" sz="2000" b="0" i="0" u="none" strike="noStrike" cap="none" normalizeH="0" baseline="0" dirty="0">
+            <a:endParaRPr kumimoji="0" lang="en-US" altLang="en-US" sz="2000" b="0" i="0" u="none" strike="noStrike" cap="none" normalizeH="0" baseline="0" dirty="0" smtClean="0">
               <a:ln>
                 <a:noFill/>
               </a:ln>
@@ -9183,7 +9364,7 @@
               <a:tabLst/>
             </a:pPr>
             <a:r>
-              <a:rPr kumimoji="0" lang="en-US" altLang="en-US" sz="2000" b="0" i="0" u="none" strike="noStrike" cap="none" normalizeH="0" baseline="0" dirty="0">
+              <a:rPr kumimoji="0" lang="en-US" altLang="en-US" sz="2000" b="0" i="0" u="none" strike="noStrike" cap="none" normalizeH="0" baseline="0" dirty="0" smtClean="0">
                 <a:ln>
                   <a:noFill/>
                 </a:ln>
@@ -9197,7 +9378,7 @@
               <a:t>3) Threads are </a:t>
             </a:r>
             <a:r>
-              <a:rPr kumimoji="0" lang="en-US" altLang="en-US" sz="2000" b="1" i="0" u="none" strike="noStrike" cap="none" normalizeH="0" baseline="0" dirty="0">
+              <a:rPr kumimoji="0" lang="en-US" altLang="en-US" sz="2000" b="1" i="0" u="none" strike="noStrike" cap="none" normalizeH="0" baseline="0" dirty="0" smtClean="0">
                 <a:ln>
                   <a:noFill/>
                 </a:ln>
@@ -9211,7 +9392,7 @@
               <a:t>independent</a:t>
             </a:r>
             <a:r>
-              <a:rPr kumimoji="0" lang="en-US" altLang="en-US" sz="2000" b="0" i="0" u="none" strike="noStrike" cap="none" normalizeH="0" baseline="0" dirty="0">
+              <a:rPr kumimoji="0" lang="en-US" altLang="en-US" sz="2000" b="0" i="0" u="none" strike="noStrike" cap="none" normalizeH="0" baseline="0" dirty="0" smtClean="0">
                 <a:ln>
                   <a:noFill/>
                 </a:ln>
@@ -9224,7 +9405,7 @@
               </a:rPr>
               <a:t>, so it doesn't affect other threads if an exception occurs in a single thread.</a:t>
             </a:r>
-            <a:endParaRPr kumimoji="0" lang="en-US" altLang="en-US" sz="2000" b="0" i="0" u="none" strike="noStrike" cap="none" normalizeH="0" baseline="0" dirty="0">
+            <a:endParaRPr kumimoji="0" lang="en-US" altLang="en-US" sz="2000" b="0" i="0" u="none" strike="noStrike" cap="none" normalizeH="0" baseline="0" dirty="0" smtClean="0">
               <a:ln>
                 <a:noFill/>
               </a:ln>
@@ -9248,6 +9429,21 @@
   <p:clrMapOvr>
     <a:masterClrMapping/>
   </p:clrMapOvr>
+  <mc:AlternateContent xmlns:mc="http://schemas.openxmlformats.org/markup-compatibility/2006" xmlns:p14="http://schemas.microsoft.com/office/powerpoint/2010/main">
+    <mc:Choice Requires="p14">
+      <p:transition spd="slow" p14:dur="2000"/>
+    </mc:Choice>
+    <mc:Fallback xmlns="">
+      <p:transition spd="slow"/>
+    </mc:Fallback>
+  </mc:AlternateContent>
+  <p:timing>
+    <p:tnLst>
+      <p:par>
+        <p:cTn id="1" dur="indefinite" restart="never" nodeType="tmRoot"/>
+      </p:par>
+    </p:tnLst>
+  </p:timing>
 </p:sld>
 </file>
 
@@ -9291,9 +9487,10 @@
           <a:lstStyle/>
           <a:p>
             <a:r>
-              <a:rPr lang="en-US" sz="3600" b="1" u="sng" dirty="0"/>
+              <a:rPr lang="en-US" sz="3600" b="1" u="sng" dirty="0" smtClean="0"/>
               <a:t>Normal objects not Threads</a:t>
             </a:r>
+            <a:endParaRPr lang="en-US" sz="3600" b="1" u="sng" dirty="0"/>
           </a:p>
         </p:txBody>
       </p:sp>
@@ -9948,6 +10145,13 @@
   <p:clrMapOvr>
     <a:masterClrMapping/>
   </p:clrMapOvr>
+  <p:timing>
+    <p:tnLst>
+      <p:par>
+        <p:cTn id="1" dur="indefinite" restart="never" nodeType="tmRoot"/>
+      </p:par>
+    </p:tnLst>
+  </p:timing>
 </p:sld>
 </file>
 
@@ -10009,7 +10213,11 @@
           <a:p>
             <a:r>
               <a:rPr lang="en-US" dirty="0"/>
-              <a:t>The join() method waits for a thread to die. In other words, it causes the currently running threads to stop executing until the thread it joins with completes its task.</a:t>
+              <a:t>The join() method waits for a thread to die. In other words, it causes the currently running threads to stop executing until the thread it joins with completes its </a:t>
+            </a:r>
+            <a:r>
+              <a:rPr lang="en-US" dirty="0" smtClean="0"/>
+              <a:t>task.</a:t>
             </a:r>
           </a:p>
           <a:p>
@@ -10163,6 +10371,13 @@
   <p:clrMapOvr>
     <a:masterClrMapping/>
   </p:clrMapOvr>
+  <p:timing>
+    <p:tnLst>
+      <p:par>
+        <p:cTn id="1" dur="indefinite" restart="never" nodeType="tmRoot"/>
+      </p:par>
+    </p:tnLst>
+  </p:timing>
 </p:sld>
 </file>
 
@@ -10634,6 +10849,12 @@
               </a:rPr>
               <a:t> }  </a:t>
             </a:r>
+            <a:endParaRPr lang="en-US" sz="2000" dirty="0" smtClean="0">
+              <a:solidFill>
+                <a:srgbClr val="000000"/>
+              </a:solidFill>
+              <a:latin typeface="verdana" panose="020B0604030504040204" pitchFamily="34" charset="0"/>
+            </a:endParaRPr>
           </a:p>
           <a:p>
             <a:pPr marL="0" indent="0">
@@ -10650,6 +10871,17 @@
             <a:pPr marL="0" indent="0">
               <a:buNone/>
             </a:pPr>
+            <a:endParaRPr lang="en-US" sz="2000" dirty="0" smtClean="0">
+              <a:solidFill>
+                <a:srgbClr val="000000"/>
+              </a:solidFill>
+              <a:latin typeface="verdana" panose="020B0604030504040204" pitchFamily="34" charset="0"/>
+            </a:endParaRPr>
+          </a:p>
+          <a:p>
+            <a:pPr marL="0" indent="0">
+              <a:buNone/>
+            </a:pPr>
             <a:endParaRPr lang="en-US" sz="2000" dirty="0">
               <a:solidFill>
                 <a:srgbClr val="000000"/>
@@ -10661,6 +10893,17 @@
             <a:pPr marL="0" indent="0">
               <a:buNone/>
             </a:pPr>
+            <a:endParaRPr lang="en-US" sz="2000" dirty="0" smtClean="0">
+              <a:solidFill>
+                <a:srgbClr val="000000"/>
+              </a:solidFill>
+              <a:latin typeface="verdana" panose="020B0604030504040204" pitchFamily="34" charset="0"/>
+            </a:endParaRPr>
+          </a:p>
+          <a:p>
+            <a:pPr marL="0" indent="0">
+              <a:buNone/>
+            </a:pPr>
             <a:endParaRPr lang="en-US" sz="2000" dirty="0">
               <a:solidFill>
                 <a:srgbClr val="000000"/>
@@ -10672,7 +10915,7 @@
             <a:pPr marL="0" indent="0">
               <a:buNone/>
             </a:pPr>
-            <a:endParaRPr lang="en-US" sz="2000" dirty="0">
+            <a:endParaRPr lang="en-US" sz="2000" dirty="0" smtClean="0">
               <a:solidFill>
                 <a:srgbClr val="000000"/>
               </a:solidFill>
@@ -10683,30 +10926,8 @@
             <a:pPr marL="0" indent="0">
               <a:buNone/>
             </a:pPr>
-            <a:endParaRPr lang="en-US" sz="2000" dirty="0">
-              <a:solidFill>
-                <a:srgbClr val="000000"/>
-              </a:solidFill>
-              <a:latin typeface="verdana" panose="020B0604030504040204" pitchFamily="34" charset="0"/>
-            </a:endParaRPr>
-          </a:p>
-          <a:p>
-            <a:pPr marL="0" indent="0">
-              <a:buNone/>
-            </a:pPr>
-            <a:endParaRPr lang="en-US" sz="2000" dirty="0">
-              <a:solidFill>
-                <a:srgbClr val="000000"/>
-              </a:solidFill>
-              <a:latin typeface="verdana" panose="020B0604030504040204" pitchFamily="34" charset="0"/>
-            </a:endParaRPr>
-          </a:p>
-          <a:p>
-            <a:pPr marL="0" indent="0">
-              <a:buNone/>
-            </a:pPr>
-            <a:r>
-              <a:rPr lang="en-US" sz="2000" b="1" dirty="0">
+            <a:r>
+              <a:rPr lang="en-US" sz="2000" b="1" dirty="0" smtClean="0">
                 <a:solidFill>
                   <a:srgbClr val="006699"/>
                 </a:solidFill>
@@ -11069,6 +11290,13 @@
   <p:clrMapOvr>
     <a:masterClrMapping/>
   </p:clrMapOvr>
+  <p:timing>
+    <p:tnLst>
+      <p:par>
+        <p:cTn id="1" dur="indefinite" restart="never" nodeType="tmRoot"/>
+      </p:par>
+    </p:tnLst>
+  </p:timing>
 </p:sld>
 </file>
 
@@ -11133,8 +11361,13 @@
             </a:r>
             <a:r>
               <a:rPr lang="en-US" sz="3200" b="1" u="sng" dirty="0"/>
-              <a:t>() method:</a:t>
-            </a:r>
+              <a:t>() method</a:t>
+            </a:r>
+            <a:r>
+              <a:rPr lang="en-US" sz="3200" b="1" u="sng" dirty="0" smtClean="0"/>
+              <a:t>:</a:t>
+            </a:r>
+            <a:endParaRPr lang="en-US" sz="3200" b="1" u="sng" dirty="0"/>
           </a:p>
         </p:txBody>
       </p:sp>
@@ -11752,7 +11985,7 @@
               <a:t> </a:t>
             </a:r>
             <a:r>
-              <a:rPr lang="en-US" sz="1400" dirty="0" err="1">
+              <a:rPr lang="en-US" sz="1400" dirty="0" err="1" smtClean="0">
                 <a:solidFill>
                   <a:srgbClr val="000000"/>
                 </a:solidFill>
@@ -11815,6 +12048,12 @@
               </a:rPr>
               <a:t>} </a:t>
             </a:r>
+            <a:endParaRPr lang="en-US" sz="1600" dirty="0" smtClean="0">
+              <a:solidFill>
+                <a:srgbClr val="000000"/>
+              </a:solidFill>
+              <a:latin typeface="verdana" panose="020B0604030504040204" pitchFamily="34" charset="0"/>
+            </a:endParaRPr>
           </a:p>
           <a:p>
             <a:pPr marL="0" indent="0">
@@ -11831,6 +12070,136 @@
             <a:pPr marL="0" indent="0">
               <a:buNone/>
             </a:pPr>
+            <a:endParaRPr lang="en-US" sz="1600" dirty="0" smtClean="0">
+              <a:solidFill>
+                <a:srgbClr val="000000"/>
+              </a:solidFill>
+              <a:latin typeface="verdana" panose="020B0604030504040204" pitchFamily="34" charset="0"/>
+            </a:endParaRPr>
+          </a:p>
+          <a:p>
+            <a:pPr marL="0" indent="0">
+              <a:buNone/>
+            </a:pPr>
+            <a:r>
+              <a:rPr lang="en-US" sz="1600" dirty="0">
+                <a:solidFill>
+                  <a:srgbClr val="000000"/>
+                </a:solidFill>
+                <a:latin typeface="verdana" panose="020B0604030504040204" pitchFamily="34" charset="0"/>
+              </a:rPr>
+              <a:t> </a:t>
+            </a:r>
+            <a:r>
+              <a:rPr lang="en-US" sz="1600" b="1" dirty="0" err="1">
+                <a:solidFill>
+                  <a:srgbClr val="000000"/>
+                </a:solidFill>
+                <a:latin typeface="verdana" panose="020B0604030504040204" pitchFamily="34" charset="0"/>
+              </a:rPr>
+              <a:t>Output:</a:t>
+            </a:r>
+            <a:r>
+              <a:rPr lang="en-US" sz="1600" dirty="0" err="1">
+                <a:solidFill>
+                  <a:srgbClr val="000000"/>
+                </a:solidFill>
+                <a:latin typeface="verdana" panose="020B0604030504040204" pitchFamily="34" charset="0"/>
+              </a:rPr>
+              <a:t>Name</a:t>
+            </a:r>
+            <a:r>
+              <a:rPr lang="en-US" sz="1600" dirty="0">
+                <a:solidFill>
+                  <a:srgbClr val="000000"/>
+                </a:solidFill>
+                <a:latin typeface="verdana" panose="020B0604030504040204" pitchFamily="34" charset="0"/>
+              </a:rPr>
+              <a:t> of t1:Thread-0</a:t>
+            </a:r>
+          </a:p>
+          <a:p>
+            <a:pPr marL="0" indent="0">
+              <a:buNone/>
+            </a:pPr>
+            <a:r>
+              <a:rPr lang="en-US" sz="1600" dirty="0">
+                <a:solidFill>
+                  <a:srgbClr val="000000"/>
+                </a:solidFill>
+                <a:latin typeface="verdana" panose="020B0604030504040204" pitchFamily="34" charset="0"/>
+              </a:rPr>
+              <a:t>       Name of t2:Thread-1</a:t>
+            </a:r>
+          </a:p>
+          <a:p>
+            <a:pPr marL="0" indent="0">
+              <a:buNone/>
+            </a:pPr>
+            <a:r>
+              <a:rPr lang="en-US" sz="1600" dirty="0">
+                <a:solidFill>
+                  <a:srgbClr val="000000"/>
+                </a:solidFill>
+                <a:latin typeface="verdana" panose="020B0604030504040204" pitchFamily="34" charset="0"/>
+              </a:rPr>
+              <a:t>       id of t1:8</a:t>
+            </a:r>
+          </a:p>
+          <a:p>
+            <a:pPr marL="0" indent="0">
+              <a:buNone/>
+            </a:pPr>
+            <a:r>
+              <a:rPr lang="en-US" sz="1600" dirty="0">
+                <a:solidFill>
+                  <a:srgbClr val="000000"/>
+                </a:solidFill>
+                <a:latin typeface="verdana" panose="020B0604030504040204" pitchFamily="34" charset="0"/>
+              </a:rPr>
+              <a:t>       running...</a:t>
+            </a:r>
+          </a:p>
+          <a:p>
+            <a:pPr marL="0" indent="0">
+              <a:buNone/>
+            </a:pPr>
+            <a:r>
+              <a:rPr lang="en-US" sz="1600" dirty="0">
+                <a:solidFill>
+                  <a:srgbClr val="000000"/>
+                </a:solidFill>
+                <a:latin typeface="verdana" panose="020B0604030504040204" pitchFamily="34" charset="0"/>
+              </a:rPr>
+              <a:t>       After </a:t>
+            </a:r>
+            <a:r>
+              <a:rPr lang="en-US" sz="1600" dirty="0" err="1">
+                <a:solidFill>
+                  <a:srgbClr val="000000"/>
+                </a:solidFill>
+                <a:latin typeface="verdana" panose="020B0604030504040204" pitchFamily="34" charset="0"/>
+              </a:rPr>
+              <a:t>changling</a:t>
+            </a:r>
+            <a:r>
+              <a:rPr lang="en-US" sz="1600" dirty="0">
+                <a:solidFill>
+                  <a:srgbClr val="000000"/>
+                </a:solidFill>
+                <a:latin typeface="verdana" panose="020B0604030504040204" pitchFamily="34" charset="0"/>
+              </a:rPr>
+              <a:t> name of t1:Sonoo </a:t>
+            </a:r>
+            <a:r>
+              <a:rPr lang="en-US" sz="1600" dirty="0" err="1">
+                <a:solidFill>
+                  <a:srgbClr val="000000"/>
+                </a:solidFill>
+                <a:latin typeface="verdana" panose="020B0604030504040204" pitchFamily="34" charset="0"/>
+              </a:rPr>
+              <a:t>Jaiswal</a:t>
+            </a:r>
             <a:endParaRPr lang="en-US" sz="1600" dirty="0">
               <a:solidFill>
                 <a:srgbClr val="000000"/>
@@ -11849,138 +12218,14 @@
                 </a:solidFill>
                 <a:latin typeface="verdana" panose="020B0604030504040204" pitchFamily="34" charset="0"/>
               </a:rPr>
-              <a:t> </a:t>
-            </a:r>
-            <a:r>
-              <a:rPr lang="en-US" sz="1600" b="1" dirty="0" err="1">
-                <a:solidFill>
-                  <a:srgbClr val="000000"/>
-                </a:solidFill>
-                <a:latin typeface="verdana" panose="020B0604030504040204" pitchFamily="34" charset="0"/>
-              </a:rPr>
-              <a:t>Output:</a:t>
-            </a:r>
-            <a:r>
-              <a:rPr lang="en-US" sz="1600" dirty="0" err="1">
-                <a:solidFill>
-                  <a:srgbClr val="000000"/>
-                </a:solidFill>
-                <a:latin typeface="verdana" panose="020B0604030504040204" pitchFamily="34" charset="0"/>
-              </a:rPr>
-              <a:t>Name</a:t>
-            </a:r>
-            <a:r>
-              <a:rPr lang="en-US" sz="1600" dirty="0">
-                <a:solidFill>
-                  <a:srgbClr val="000000"/>
-                </a:solidFill>
-                <a:latin typeface="verdana" panose="020B0604030504040204" pitchFamily="34" charset="0"/>
-              </a:rPr>
-              <a:t> of t1:Thread-0</a:t>
-            </a:r>
-          </a:p>
-          <a:p>
-            <a:pPr marL="0" indent="0">
-              <a:buNone/>
-            </a:pPr>
-            <a:r>
-              <a:rPr lang="en-US" sz="1600" dirty="0">
-                <a:solidFill>
-                  <a:srgbClr val="000000"/>
-                </a:solidFill>
-                <a:latin typeface="verdana" panose="020B0604030504040204" pitchFamily="34" charset="0"/>
-              </a:rPr>
-              <a:t>       Name of t2:Thread-1</a:t>
-            </a:r>
-          </a:p>
-          <a:p>
-            <a:pPr marL="0" indent="0">
-              <a:buNone/>
-            </a:pPr>
-            <a:r>
-              <a:rPr lang="en-US" sz="1600" dirty="0">
-                <a:solidFill>
-                  <a:srgbClr val="000000"/>
-                </a:solidFill>
-                <a:latin typeface="verdana" panose="020B0604030504040204" pitchFamily="34" charset="0"/>
-              </a:rPr>
-              <a:t>       id of t1:8</a:t>
-            </a:r>
-          </a:p>
-          <a:p>
-            <a:pPr marL="0" indent="0">
-              <a:buNone/>
-            </a:pPr>
-            <a:r>
-              <a:rPr lang="en-US" sz="1600" dirty="0">
-                <a:solidFill>
-                  <a:srgbClr val="000000"/>
-                </a:solidFill>
-                <a:latin typeface="verdana" panose="020B0604030504040204" pitchFamily="34" charset="0"/>
-              </a:rPr>
               <a:t>       running...</a:t>
             </a:r>
-          </a:p>
-          <a:p>
-            <a:pPr marL="0" indent="0">
-              <a:buNone/>
-            </a:pPr>
-            <a:r>
-              <a:rPr lang="en-US" sz="1600" dirty="0">
-                <a:solidFill>
-                  <a:srgbClr val="000000"/>
-                </a:solidFill>
-                <a:latin typeface="verdana" panose="020B0604030504040204" pitchFamily="34" charset="0"/>
-              </a:rPr>
-              <a:t>       After </a:t>
-            </a:r>
-            <a:r>
-              <a:rPr lang="en-US" sz="1600" dirty="0" err="1">
-                <a:solidFill>
-                  <a:srgbClr val="000000"/>
-                </a:solidFill>
-                <a:latin typeface="verdana" panose="020B0604030504040204" pitchFamily="34" charset="0"/>
-              </a:rPr>
-              <a:t>changling</a:t>
-            </a:r>
-            <a:r>
-              <a:rPr lang="en-US" sz="1600" dirty="0">
-                <a:solidFill>
-                  <a:srgbClr val="000000"/>
-                </a:solidFill>
-                <a:latin typeface="verdana" panose="020B0604030504040204" pitchFamily="34" charset="0"/>
-              </a:rPr>
-              <a:t> name of t1:Sonoo </a:t>
-            </a:r>
-            <a:r>
-              <a:rPr lang="en-US" sz="1600" dirty="0" err="1">
-                <a:solidFill>
-                  <a:srgbClr val="000000"/>
-                </a:solidFill>
-                <a:latin typeface="verdana" panose="020B0604030504040204" pitchFamily="34" charset="0"/>
-              </a:rPr>
-              <a:t>Jaiswal</a:t>
-            </a:r>
-            <a:endParaRPr lang="en-US" sz="1600" dirty="0">
+            <a:endParaRPr lang="en-US" sz="1600" dirty="0" smtClean="0">
               <a:solidFill>
                 <a:srgbClr val="000000"/>
               </a:solidFill>
               <a:latin typeface="verdana" panose="020B0604030504040204" pitchFamily="34" charset="0"/>
             </a:endParaRPr>
-          </a:p>
-          <a:p>
-            <a:pPr marL="0" indent="0">
-              <a:buNone/>
-            </a:pPr>
-            <a:r>
-              <a:rPr lang="en-US" sz="1600" dirty="0">
-                <a:solidFill>
-                  <a:srgbClr val="000000"/>
-                </a:solidFill>
-                <a:latin typeface="verdana" panose="020B0604030504040204" pitchFamily="34" charset="0"/>
-              </a:rPr>
-              <a:t>       running...</a:t>
-            </a:r>
           </a:p>
           <a:p>
             <a:pPr marL="0" indent="0">
@@ -12008,6 +12253,13 @@
   <p:clrMapOvr>
     <a:masterClrMapping/>
   </p:clrMapOvr>
+  <p:timing>
+    <p:tnLst>
+      <p:par>
+        <p:cTn id="1" dur="indefinite" restart="never" nodeType="tmRoot"/>
+      </p:par>
+    </p:tnLst>
+  </p:timing>
 </p:sld>
 </file>
 
@@ -12070,16 +12322,43 @@
           <a:lstStyle/>
           <a:p>
             <a:r>
+              <a:rPr lang="en-US" dirty="0" smtClean="0">
+                <a:solidFill>
+                  <a:srgbClr val="000000"/>
+                </a:solidFill>
+                <a:latin typeface="verdana" panose="020B0604030504040204" pitchFamily="34" charset="0"/>
+              </a:rPr>
+              <a:t>The </a:t>
+            </a:r>
+            <a:r>
               <a:rPr lang="en-US" dirty="0">
                 <a:solidFill>
                   <a:srgbClr val="000000"/>
                 </a:solidFill>
                 <a:latin typeface="verdana" panose="020B0604030504040204" pitchFamily="34" charset="0"/>
               </a:rPr>
-              <a:t>The Thread class provides methods to change and get the name of a thread. By default, each thread has a name i.e. thread-0, thread-1 and so on.</a:t>
-            </a:r>
-          </a:p>
-          <a:p>
+              <a:t>Thread class provides methods to change and get the name of a thread. By default, each thread has a name i.e. thread-0, thread-1 and so on</a:t>
+            </a:r>
+            <a:r>
+              <a:rPr lang="en-US" dirty="0" smtClean="0">
+                <a:solidFill>
+                  <a:srgbClr val="000000"/>
+                </a:solidFill>
+                <a:latin typeface="verdana" panose="020B0604030504040204" pitchFamily="34" charset="0"/>
+              </a:rPr>
+              <a:t>.</a:t>
+            </a:r>
+          </a:p>
+          <a:p>
+            <a:r>
+              <a:rPr lang="en-US" dirty="0" smtClean="0">
+                <a:solidFill>
+                  <a:srgbClr val="000000"/>
+                </a:solidFill>
+                <a:latin typeface="verdana" panose="020B0604030504040204" pitchFamily="34" charset="0"/>
+              </a:rPr>
+              <a:t> </a:t>
+            </a:r>
             <a:r>
               <a:rPr lang="en-US" dirty="0">
                 <a:solidFill>
@@ -12087,7 +12366,7 @@
                 </a:solidFill>
                 <a:latin typeface="verdana" panose="020B0604030504040204" pitchFamily="34" charset="0"/>
               </a:rPr>
-              <a:t> we can change the name of the thread by using </a:t>
+              <a:t>we can change the name of the thread by using </a:t>
             </a:r>
             <a:r>
               <a:rPr lang="en-US" dirty="0" err="1">
@@ -12107,6 +12386,12 @@
               </a:rPr>
               <a:t>() method. </a:t>
             </a:r>
+            <a:endParaRPr lang="en-US" dirty="0" smtClean="0">
+              <a:solidFill>
+                <a:srgbClr val="000000"/>
+              </a:solidFill>
+              <a:latin typeface="verdana" panose="020B0604030504040204" pitchFamily="34" charset="0"/>
+            </a:endParaRPr>
           </a:p>
           <a:p>
             <a:endParaRPr lang="en-US" dirty="0">
@@ -12118,13 +12403,22 @@
           </a:p>
           <a:p>
             <a:r>
+              <a:rPr lang="en-US" dirty="0" smtClean="0">
+                <a:solidFill>
+                  <a:srgbClr val="000000"/>
+                </a:solidFill>
+                <a:latin typeface="verdana" panose="020B0604030504040204" pitchFamily="34" charset="0"/>
+              </a:rPr>
+              <a:t>The </a:t>
+            </a:r>
+            <a:r>
               <a:rPr lang="en-US" dirty="0">
                 <a:solidFill>
                   <a:srgbClr val="000000"/>
                 </a:solidFill>
                 <a:latin typeface="verdana" panose="020B0604030504040204" pitchFamily="34" charset="0"/>
               </a:rPr>
-              <a:t>The syntax of </a:t>
+              <a:t>syntax of </a:t>
             </a:r>
             <a:r>
               <a:rPr lang="en-US" dirty="0" err="1">
@@ -12262,6 +12556,13 @@
   <p:clrMapOvr>
     <a:masterClrMapping/>
   </p:clrMapOvr>
+  <p:timing>
+    <p:tnLst>
+      <p:par>
+        <p:cTn id="1" dur="indefinite" restart="never" nodeType="tmRoot"/>
+      </p:par>
+    </p:tnLst>
+  </p:timing>
 </p:sld>
 </file>
 
@@ -12506,7 +12807,7 @@
               <a:tabLst/>
             </a:pPr>
             <a:r>
-              <a:rPr kumimoji="0" lang="en-US" altLang="en-US" sz="1800" b="1" i="0" u="none" strike="noStrike" cap="none" normalizeH="0" baseline="0" dirty="0">
+              <a:rPr kumimoji="0" lang="en-US" altLang="en-US" sz="1800" b="1" i="0" u="none" strike="noStrike" cap="none" normalizeH="0" baseline="0" dirty="0" smtClean="0">
                 <a:ln>
                   <a:noFill/>
                 </a:ln>
@@ -12519,7 +12820,7 @@
               <a:t>class</a:t>
             </a:r>
             <a:r>
-              <a:rPr kumimoji="0" lang="en-US" altLang="en-US" sz="1800" b="0" i="0" u="none" strike="noStrike" cap="none" normalizeH="0" baseline="0" dirty="0">
+              <a:rPr kumimoji="0" lang="en-US" altLang="en-US" sz="1800" b="0" i="0" u="none" strike="noStrike" cap="none" normalizeH="0" baseline="0" dirty="0" smtClean="0">
                 <a:ln>
                   <a:noFill/>
                 </a:ln>
@@ -12532,7 +12833,7 @@
               <a:t> TestMultiNaming1 </a:t>
             </a:r>
             <a:r>
-              <a:rPr kumimoji="0" lang="en-US" altLang="en-US" sz="1800" b="1" i="0" u="none" strike="noStrike" cap="none" normalizeH="0" baseline="0" dirty="0">
+              <a:rPr kumimoji="0" lang="en-US" altLang="en-US" sz="1800" b="1" i="0" u="none" strike="noStrike" cap="none" normalizeH="0" baseline="0" dirty="0" smtClean="0">
                 <a:ln>
                   <a:noFill/>
                 </a:ln>
@@ -12545,7 +12846,7 @@
               <a:t>extends</a:t>
             </a:r>
             <a:r>
-              <a:rPr kumimoji="0" lang="en-US" altLang="en-US" sz="1800" b="0" i="0" u="none" strike="noStrike" cap="none" normalizeH="0" baseline="0" dirty="0">
+              <a:rPr kumimoji="0" lang="en-US" altLang="en-US" sz="1800" b="0" i="0" u="none" strike="noStrike" cap="none" normalizeH="0" baseline="0" dirty="0" smtClean="0">
                 <a:ln>
                   <a:noFill/>
                 </a:ln>
@@ -12575,7 +12876,7 @@
               <a:tabLst/>
             </a:pPr>
             <a:r>
-              <a:rPr kumimoji="0" lang="en-US" altLang="en-US" sz="1800" b="0" i="0" u="none" strike="noStrike" cap="none" normalizeH="0" baseline="0" dirty="0">
+              <a:rPr kumimoji="0" lang="en-US" altLang="en-US" sz="1800" b="0" i="0" u="none" strike="noStrike" cap="none" normalizeH="0" baseline="0" dirty="0" smtClean="0">
                 <a:ln>
                   <a:noFill/>
                 </a:ln>
@@ -12588,7 +12889,7 @@
               <a:t>  </a:t>
             </a:r>
             <a:r>
-              <a:rPr kumimoji="0" lang="en-US" altLang="en-US" sz="1800" b="1" i="0" u="none" strike="noStrike" cap="none" normalizeH="0" baseline="0" dirty="0">
+              <a:rPr kumimoji="0" lang="en-US" altLang="en-US" sz="1800" b="1" i="0" u="none" strike="noStrike" cap="none" normalizeH="0" baseline="0" dirty="0" smtClean="0">
                 <a:ln>
                   <a:noFill/>
                 </a:ln>
@@ -12601,7 +12902,7 @@
               <a:t>public</a:t>
             </a:r>
             <a:r>
-              <a:rPr kumimoji="0" lang="en-US" altLang="en-US" sz="1800" b="0" i="0" u="none" strike="noStrike" cap="none" normalizeH="0" baseline="0" dirty="0">
+              <a:rPr kumimoji="0" lang="en-US" altLang="en-US" sz="1800" b="0" i="0" u="none" strike="noStrike" cap="none" normalizeH="0" baseline="0" dirty="0" smtClean="0">
                 <a:ln>
                   <a:noFill/>
                 </a:ln>
@@ -12614,7 +12915,7 @@
               <a:t> </a:t>
             </a:r>
             <a:r>
-              <a:rPr kumimoji="0" lang="en-US" altLang="en-US" sz="1800" b="1" i="0" u="none" strike="noStrike" cap="none" normalizeH="0" baseline="0" dirty="0">
+              <a:rPr kumimoji="0" lang="en-US" altLang="en-US" sz="1800" b="1" i="0" u="none" strike="noStrike" cap="none" normalizeH="0" baseline="0" dirty="0" smtClean="0">
                 <a:ln>
                   <a:noFill/>
                 </a:ln>
@@ -12627,7 +12928,7 @@
               <a:t>void</a:t>
             </a:r>
             <a:r>
-              <a:rPr kumimoji="0" lang="en-US" altLang="en-US" sz="1800" b="0" i="0" u="none" strike="noStrike" cap="none" normalizeH="0" baseline="0" dirty="0">
+              <a:rPr kumimoji="0" lang="en-US" altLang="en-US" sz="1800" b="0" i="0" u="none" strike="noStrike" cap="none" normalizeH="0" baseline="0" dirty="0" smtClean="0">
                 <a:ln>
                   <a:noFill/>
                 </a:ln>
@@ -12657,7 +12958,7 @@
               <a:tabLst/>
             </a:pPr>
             <a:r>
-              <a:rPr kumimoji="0" lang="en-US" altLang="en-US" sz="1800" b="0" i="0" u="none" strike="noStrike" cap="none" normalizeH="0" baseline="0" dirty="0">
+              <a:rPr kumimoji="0" lang="en-US" altLang="en-US" sz="1800" b="0" i="0" u="none" strike="noStrike" cap="none" normalizeH="0" baseline="0" dirty="0" smtClean="0">
                 <a:ln>
                   <a:noFill/>
                 </a:ln>
@@ -12670,7 +12971,7 @@
               <a:t>   </a:t>
             </a:r>
             <a:r>
-              <a:rPr kumimoji="0" lang="en-US" altLang="en-US" sz="1800" b="0" i="0" u="none" strike="noStrike" cap="none" normalizeH="0" baseline="0" dirty="0" err="1">
+              <a:rPr kumimoji="0" lang="en-US" altLang="en-US" sz="1800" b="0" i="0" u="none" strike="noStrike" cap="none" normalizeH="0" baseline="0" dirty="0" err="1" smtClean="0">
                 <a:ln>
                   <a:noFill/>
                 </a:ln>
@@ -12683,7 +12984,7 @@
               <a:t>System.out.println</a:t>
             </a:r>
             <a:r>
-              <a:rPr kumimoji="0" lang="en-US" altLang="en-US" sz="1800" b="0" i="0" u="none" strike="noStrike" cap="none" normalizeH="0" baseline="0" dirty="0">
+              <a:rPr kumimoji="0" lang="en-US" altLang="en-US" sz="1800" b="0" i="0" u="none" strike="noStrike" cap="none" normalizeH="0" baseline="0" dirty="0" smtClean="0">
                 <a:ln>
                   <a:noFill/>
                 </a:ln>
@@ -12696,7 +12997,7 @@
               <a:t>(</a:t>
             </a:r>
             <a:r>
-              <a:rPr kumimoji="0" lang="en-US" altLang="en-US" sz="1800" b="0" i="0" u="none" strike="noStrike" cap="none" normalizeH="0" baseline="0" dirty="0">
+              <a:rPr kumimoji="0" lang="en-US" altLang="en-US" sz="1800" b="0" i="0" u="none" strike="noStrike" cap="none" normalizeH="0" baseline="0" dirty="0" smtClean="0">
                 <a:ln>
                   <a:noFill/>
                 </a:ln>
@@ -12709,7 +13010,7 @@
               <a:t>"running..."</a:t>
             </a:r>
             <a:r>
-              <a:rPr kumimoji="0" lang="en-US" altLang="en-US" sz="1800" b="0" i="0" u="none" strike="noStrike" cap="none" normalizeH="0" baseline="0" dirty="0">
+              <a:rPr kumimoji="0" lang="en-US" altLang="en-US" sz="1800" b="0" i="0" u="none" strike="noStrike" cap="none" normalizeH="0" baseline="0" dirty="0" smtClean="0">
                 <a:ln>
                   <a:noFill/>
                 </a:ln>
@@ -12739,7 +13040,7 @@
               <a:tabLst/>
             </a:pPr>
             <a:r>
-              <a:rPr kumimoji="0" lang="en-US" altLang="en-US" sz="1800" b="0" i="0" u="none" strike="noStrike" cap="none" normalizeH="0" baseline="0" dirty="0">
+              <a:rPr kumimoji="0" lang="en-US" altLang="en-US" sz="1800" b="0" i="0" u="none" strike="noStrike" cap="none" normalizeH="0" baseline="0" dirty="0" smtClean="0">
                 <a:ln>
                   <a:noFill/>
                 </a:ln>
@@ -12769,7 +13070,7 @@
               <a:tabLst/>
             </a:pPr>
             <a:r>
-              <a:rPr kumimoji="0" lang="en-US" altLang="en-US" sz="1800" b="0" i="0" u="none" strike="noStrike" cap="none" normalizeH="0" baseline="0" dirty="0">
+              <a:rPr kumimoji="0" lang="en-US" altLang="en-US" sz="1800" b="0" i="0" u="none" strike="noStrike" cap="none" normalizeH="0" baseline="0" dirty="0" smtClean="0">
                 <a:ln>
                   <a:noFill/>
                 </a:ln>
@@ -12782,7 +13083,7 @@
               <a:t> </a:t>
             </a:r>
             <a:r>
-              <a:rPr kumimoji="0" lang="en-US" altLang="en-US" sz="1800" b="1" i="0" u="none" strike="noStrike" cap="none" normalizeH="0" baseline="0" dirty="0">
+              <a:rPr kumimoji="0" lang="en-US" altLang="en-US" sz="1800" b="1" i="0" u="none" strike="noStrike" cap="none" normalizeH="0" baseline="0" dirty="0" smtClean="0">
                 <a:ln>
                   <a:noFill/>
                 </a:ln>
@@ -12795,7 +13096,7 @@
               <a:t>public</a:t>
             </a:r>
             <a:r>
-              <a:rPr kumimoji="0" lang="en-US" altLang="en-US" sz="1800" b="0" i="0" u="none" strike="noStrike" cap="none" normalizeH="0" baseline="0" dirty="0">
+              <a:rPr kumimoji="0" lang="en-US" altLang="en-US" sz="1800" b="0" i="0" u="none" strike="noStrike" cap="none" normalizeH="0" baseline="0" dirty="0" smtClean="0">
                 <a:ln>
                   <a:noFill/>
                 </a:ln>
@@ -12808,7 +13109,7 @@
               <a:t> </a:t>
             </a:r>
             <a:r>
-              <a:rPr kumimoji="0" lang="en-US" altLang="en-US" sz="1800" b="1" i="0" u="none" strike="noStrike" cap="none" normalizeH="0" baseline="0" dirty="0">
+              <a:rPr kumimoji="0" lang="en-US" altLang="en-US" sz="1800" b="1" i="0" u="none" strike="noStrike" cap="none" normalizeH="0" baseline="0" dirty="0" smtClean="0">
                 <a:ln>
                   <a:noFill/>
                 </a:ln>
@@ -12821,7 +13122,7 @@
               <a:t>static</a:t>
             </a:r>
             <a:r>
-              <a:rPr kumimoji="0" lang="en-US" altLang="en-US" sz="1800" b="0" i="0" u="none" strike="noStrike" cap="none" normalizeH="0" baseline="0" dirty="0">
+              <a:rPr kumimoji="0" lang="en-US" altLang="en-US" sz="1800" b="0" i="0" u="none" strike="noStrike" cap="none" normalizeH="0" baseline="0" dirty="0" smtClean="0">
                 <a:ln>
                   <a:noFill/>
                 </a:ln>
@@ -12834,7 +13135,7 @@
               <a:t> </a:t>
             </a:r>
             <a:r>
-              <a:rPr kumimoji="0" lang="en-US" altLang="en-US" sz="1800" b="1" i="0" u="none" strike="noStrike" cap="none" normalizeH="0" baseline="0" dirty="0">
+              <a:rPr kumimoji="0" lang="en-US" altLang="en-US" sz="1800" b="1" i="0" u="none" strike="noStrike" cap="none" normalizeH="0" baseline="0" dirty="0" smtClean="0">
                 <a:ln>
                   <a:noFill/>
                 </a:ln>
@@ -12847,7 +13148,7 @@
               <a:t>void</a:t>
             </a:r>
             <a:r>
-              <a:rPr kumimoji="0" lang="en-US" altLang="en-US" sz="1800" b="0" i="0" u="none" strike="noStrike" cap="none" normalizeH="0" baseline="0" dirty="0">
+              <a:rPr kumimoji="0" lang="en-US" altLang="en-US" sz="1800" b="0" i="0" u="none" strike="noStrike" cap="none" normalizeH="0" baseline="0" dirty="0" smtClean="0">
                 <a:ln>
                   <a:noFill/>
                 </a:ln>
@@ -12860,7 +13161,7 @@
               <a:t> main(String </a:t>
             </a:r>
             <a:r>
-              <a:rPr kumimoji="0" lang="en-US" altLang="en-US" sz="1800" b="0" i="0" u="none" strike="noStrike" cap="none" normalizeH="0" baseline="0" dirty="0" err="1">
+              <a:rPr kumimoji="0" lang="en-US" altLang="en-US" sz="1800" b="0" i="0" u="none" strike="noStrike" cap="none" normalizeH="0" baseline="0" dirty="0" err="1" smtClean="0">
                 <a:ln>
                   <a:noFill/>
                 </a:ln>
@@ -12873,7 +13174,7 @@
               <a:t>args</a:t>
             </a:r>
             <a:r>
-              <a:rPr kumimoji="0" lang="en-US" altLang="en-US" sz="1800" b="0" i="0" u="none" strike="noStrike" cap="none" normalizeH="0" baseline="0" dirty="0">
+              <a:rPr kumimoji="0" lang="en-US" altLang="en-US" sz="1800" b="0" i="0" u="none" strike="noStrike" cap="none" normalizeH="0" baseline="0" dirty="0" smtClean="0">
                 <a:ln>
                   <a:noFill/>
                 </a:ln>
@@ -12903,7 +13204,7 @@
               <a:tabLst/>
             </a:pPr>
             <a:r>
-              <a:rPr kumimoji="0" lang="en-US" altLang="en-US" sz="1800" b="0" i="0" u="none" strike="noStrike" cap="none" normalizeH="0" baseline="0" dirty="0">
+              <a:rPr kumimoji="0" lang="en-US" altLang="en-US" sz="1800" b="0" i="0" u="none" strike="noStrike" cap="none" normalizeH="0" baseline="0" dirty="0" smtClean="0">
                 <a:ln>
                   <a:noFill/>
                 </a:ln>
@@ -12916,7 +13217,7 @@
               <a:t>  TestMultiNaming1 t1=</a:t>
             </a:r>
             <a:r>
-              <a:rPr kumimoji="0" lang="en-US" altLang="en-US" sz="1800" b="1" i="0" u="none" strike="noStrike" cap="none" normalizeH="0" baseline="0" dirty="0">
+              <a:rPr kumimoji="0" lang="en-US" altLang="en-US" sz="1800" b="1" i="0" u="none" strike="noStrike" cap="none" normalizeH="0" baseline="0" dirty="0" smtClean="0">
                 <a:ln>
                   <a:noFill/>
                 </a:ln>
@@ -12929,7 +13230,7 @@
               <a:t>new</a:t>
             </a:r>
             <a:r>
-              <a:rPr kumimoji="0" lang="en-US" altLang="en-US" sz="1800" b="0" i="0" u="none" strike="noStrike" cap="none" normalizeH="0" baseline="0" dirty="0">
+              <a:rPr kumimoji="0" lang="en-US" altLang="en-US" sz="1800" b="0" i="0" u="none" strike="noStrike" cap="none" normalizeH="0" baseline="0" dirty="0" smtClean="0">
                 <a:ln>
                   <a:noFill/>
                 </a:ln>
@@ -12959,7 +13260,7 @@
               <a:tabLst/>
             </a:pPr>
             <a:r>
-              <a:rPr kumimoji="0" lang="en-US" altLang="en-US" sz="1800" b="0" i="0" u="none" strike="noStrike" cap="none" normalizeH="0" baseline="0" dirty="0">
+              <a:rPr kumimoji="0" lang="en-US" altLang="en-US" sz="1800" b="0" i="0" u="none" strike="noStrike" cap="none" normalizeH="0" baseline="0" dirty="0" smtClean="0">
                 <a:ln>
                   <a:noFill/>
                 </a:ln>
@@ -12972,7 +13273,7 @@
               <a:t>  TestMultiNaming1 t2=</a:t>
             </a:r>
             <a:r>
-              <a:rPr kumimoji="0" lang="en-US" altLang="en-US" sz="1800" b="1" i="0" u="none" strike="noStrike" cap="none" normalizeH="0" baseline="0" dirty="0">
+              <a:rPr kumimoji="0" lang="en-US" altLang="en-US" sz="1800" b="1" i="0" u="none" strike="noStrike" cap="none" normalizeH="0" baseline="0" dirty="0" smtClean="0">
                 <a:ln>
                   <a:noFill/>
                 </a:ln>
@@ -12985,7 +13286,7 @@
               <a:t>new</a:t>
             </a:r>
             <a:r>
-              <a:rPr kumimoji="0" lang="en-US" altLang="en-US" sz="1800" b="0" i="0" u="none" strike="noStrike" cap="none" normalizeH="0" baseline="0" dirty="0">
+              <a:rPr kumimoji="0" lang="en-US" altLang="en-US" sz="1800" b="0" i="0" u="none" strike="noStrike" cap="none" normalizeH="0" baseline="0" dirty="0" smtClean="0">
                 <a:ln>
                   <a:noFill/>
                 </a:ln>
@@ -13015,7 +13316,7 @@
               <a:tabLst/>
             </a:pPr>
             <a:r>
-              <a:rPr kumimoji="0" lang="en-US" altLang="en-US" sz="1800" b="0" i="0" u="none" strike="noStrike" cap="none" normalizeH="0" baseline="0" dirty="0">
+              <a:rPr kumimoji="0" lang="en-US" altLang="en-US" sz="1800" b="0" i="0" u="none" strike="noStrike" cap="none" normalizeH="0" baseline="0" dirty="0" smtClean="0">
                 <a:ln>
                   <a:noFill/>
                 </a:ln>
@@ -13028,7 +13329,7 @@
               <a:t>  </a:t>
             </a:r>
             <a:r>
-              <a:rPr kumimoji="0" lang="en-US" altLang="en-US" sz="1800" b="0" i="0" u="none" strike="noStrike" cap="none" normalizeH="0" baseline="0" dirty="0" err="1">
+              <a:rPr kumimoji="0" lang="en-US" altLang="en-US" sz="1800" b="0" i="0" u="none" strike="noStrike" cap="none" normalizeH="0" baseline="0" dirty="0" err="1" smtClean="0">
                 <a:ln>
                   <a:noFill/>
                 </a:ln>
@@ -13041,7 +13342,7 @@
               <a:t>System.out.println</a:t>
             </a:r>
             <a:r>
-              <a:rPr kumimoji="0" lang="en-US" altLang="en-US" sz="1800" b="0" i="0" u="none" strike="noStrike" cap="none" normalizeH="0" baseline="0" dirty="0">
+              <a:rPr kumimoji="0" lang="en-US" altLang="en-US" sz="1800" b="0" i="0" u="none" strike="noStrike" cap="none" normalizeH="0" baseline="0" dirty="0" smtClean="0">
                 <a:ln>
                   <a:noFill/>
                 </a:ln>
@@ -13054,7 +13355,7 @@
               <a:t>(</a:t>
             </a:r>
             <a:r>
-              <a:rPr kumimoji="0" lang="en-US" altLang="en-US" sz="1800" b="0" i="0" u="none" strike="noStrike" cap="none" normalizeH="0" baseline="0" dirty="0">
+              <a:rPr kumimoji="0" lang="en-US" altLang="en-US" sz="1800" b="0" i="0" u="none" strike="noStrike" cap="none" normalizeH="0" baseline="0" dirty="0" smtClean="0">
                 <a:ln>
                   <a:noFill/>
                 </a:ln>
@@ -13067,7 +13368,7 @@
               <a:t>"Name of t1:"</a:t>
             </a:r>
             <a:r>
-              <a:rPr kumimoji="0" lang="en-US" altLang="en-US" sz="1800" b="0" i="0" u="none" strike="noStrike" cap="none" normalizeH="0" baseline="0" dirty="0">
+              <a:rPr kumimoji="0" lang="en-US" altLang="en-US" sz="1800" b="0" i="0" u="none" strike="noStrike" cap="none" normalizeH="0" baseline="0" dirty="0" smtClean="0">
                 <a:ln>
                   <a:noFill/>
                 </a:ln>
@@ -13097,7 +13398,7 @@
               <a:tabLst/>
             </a:pPr>
             <a:r>
-              <a:rPr kumimoji="0" lang="en-US" altLang="en-US" sz="1800" b="0" i="0" u="none" strike="noStrike" cap="none" normalizeH="0" baseline="0" dirty="0">
+              <a:rPr kumimoji="0" lang="en-US" altLang="en-US" sz="1800" b="0" i="0" u="none" strike="noStrike" cap="none" normalizeH="0" baseline="0" dirty="0" smtClean="0">
                 <a:ln>
                   <a:noFill/>
                 </a:ln>
@@ -13110,7 +13411,7 @@
               <a:t>  </a:t>
             </a:r>
             <a:r>
-              <a:rPr kumimoji="0" lang="en-US" altLang="en-US" sz="1800" b="0" i="0" u="none" strike="noStrike" cap="none" normalizeH="0" baseline="0" dirty="0" err="1">
+              <a:rPr kumimoji="0" lang="en-US" altLang="en-US" sz="1800" b="0" i="0" u="none" strike="noStrike" cap="none" normalizeH="0" baseline="0" dirty="0" err="1" smtClean="0">
                 <a:ln>
                   <a:noFill/>
                 </a:ln>
@@ -13123,7 +13424,7 @@
               <a:t>System.out.println</a:t>
             </a:r>
             <a:r>
-              <a:rPr kumimoji="0" lang="en-US" altLang="en-US" sz="1800" b="0" i="0" u="none" strike="noStrike" cap="none" normalizeH="0" baseline="0" dirty="0">
+              <a:rPr kumimoji="0" lang="en-US" altLang="en-US" sz="1800" b="0" i="0" u="none" strike="noStrike" cap="none" normalizeH="0" baseline="0" dirty="0" smtClean="0">
                 <a:ln>
                   <a:noFill/>
                 </a:ln>
@@ -13136,7 +13437,7 @@
               <a:t>(</a:t>
             </a:r>
             <a:r>
-              <a:rPr kumimoji="0" lang="en-US" altLang="en-US" sz="1800" b="0" i="0" u="none" strike="noStrike" cap="none" normalizeH="0" baseline="0" dirty="0">
+              <a:rPr kumimoji="0" lang="en-US" altLang="en-US" sz="1800" b="0" i="0" u="none" strike="noStrike" cap="none" normalizeH="0" baseline="0" dirty="0" smtClean="0">
                 <a:ln>
                   <a:noFill/>
                 </a:ln>
@@ -13149,7 +13450,7 @@
               <a:t>"Name of t2:"</a:t>
             </a:r>
             <a:r>
-              <a:rPr kumimoji="0" lang="en-US" altLang="en-US" sz="1800" b="0" i="0" u="none" strike="noStrike" cap="none" normalizeH="0" baseline="0" dirty="0">
+              <a:rPr kumimoji="0" lang="en-US" altLang="en-US" sz="1800" b="0" i="0" u="none" strike="noStrike" cap="none" normalizeH="0" baseline="0" dirty="0" smtClean="0">
                 <a:ln>
                   <a:noFill/>
                 </a:ln>
@@ -13179,7 +13480,7 @@
               <a:tabLst/>
             </a:pPr>
             <a:r>
-              <a:rPr kumimoji="0" lang="en-US" altLang="en-US" sz="1800" b="0" i="0" u="none" strike="noStrike" cap="none" normalizeH="0" baseline="0" dirty="0">
+              <a:rPr kumimoji="0" lang="en-US" altLang="en-US" sz="1800" b="0" i="0" u="none" strike="noStrike" cap="none" normalizeH="0" baseline="0" dirty="0" smtClean="0">
                 <a:ln>
                   <a:noFill/>
                 </a:ln>
@@ -13209,7 +13510,7 @@
               <a:tabLst/>
             </a:pPr>
             <a:r>
-              <a:rPr kumimoji="0" lang="en-US" altLang="en-US" sz="1800" b="0" i="0" u="none" strike="noStrike" cap="none" normalizeH="0" baseline="0" dirty="0">
+              <a:rPr kumimoji="0" lang="en-US" altLang="en-US" sz="1800" b="0" i="0" u="none" strike="noStrike" cap="none" normalizeH="0" baseline="0" dirty="0" smtClean="0">
                 <a:ln>
                   <a:noFill/>
                 </a:ln>
@@ -13239,7 +13540,7 @@
               <a:tabLst/>
             </a:pPr>
             <a:r>
-              <a:rPr kumimoji="0" lang="en-US" altLang="en-US" sz="1800" b="0" i="0" u="none" strike="noStrike" cap="none" normalizeH="0" baseline="0" dirty="0">
+              <a:rPr kumimoji="0" lang="en-US" altLang="en-US" sz="1800" b="0" i="0" u="none" strike="noStrike" cap="none" normalizeH="0" baseline="0" dirty="0" smtClean="0">
                 <a:ln>
                   <a:noFill/>
                 </a:ln>
@@ -13269,7 +13570,7 @@
               <a:tabLst/>
             </a:pPr>
             <a:r>
-              <a:rPr kumimoji="0" lang="en-US" altLang="en-US" sz="1800" b="0" i="0" u="none" strike="noStrike" cap="none" normalizeH="0" baseline="0" dirty="0">
+              <a:rPr kumimoji="0" lang="en-US" altLang="en-US" sz="1800" b="0" i="0" u="none" strike="noStrike" cap="none" normalizeH="0" baseline="0" dirty="0" smtClean="0">
                 <a:ln>
                   <a:noFill/>
                 </a:ln>
@@ -13298,7 +13599,7 @@
               <a:buNone/>
               <a:tabLst/>
             </a:pPr>
-            <a:endParaRPr kumimoji="0" lang="en-US" altLang="en-US" sz="1800" b="0" i="0" u="none" strike="noStrike" cap="none" normalizeH="0" baseline="0" dirty="0">
+            <a:endParaRPr kumimoji="0" lang="en-US" altLang="en-US" sz="1800" b="0" i="0" u="none" strike="noStrike" cap="none" normalizeH="0" baseline="0" dirty="0" smtClean="0">
               <a:ln>
                 <a:noFill/>
               </a:ln>
@@ -13326,7 +13627,7 @@
               <a:tabLst/>
             </a:pPr>
             <a:r>
-              <a:rPr kumimoji="0" lang="en-US" altLang="en-US" sz="1800" b="0" i="0" u="none" strike="noStrike" cap="none" normalizeH="0" baseline="0" dirty="0">
+              <a:rPr kumimoji="0" lang="en-US" altLang="en-US" sz="1800" b="0" i="0" u="none" strike="noStrike" cap="none" normalizeH="0" baseline="0" dirty="0" smtClean="0">
                 <a:ln>
                   <a:noFill/>
                 </a:ln>
@@ -13339,7 +13640,7 @@
               <a:t>  t1.setName(</a:t>
             </a:r>
             <a:r>
-              <a:rPr kumimoji="0" lang="en-US" altLang="en-US" sz="1800" b="0" i="0" u="none" strike="noStrike" cap="none" normalizeH="0" baseline="0" dirty="0">
+              <a:rPr kumimoji="0" lang="en-US" altLang="en-US" sz="1800" b="0" i="0" u="none" strike="noStrike" cap="none" normalizeH="0" baseline="0" dirty="0" smtClean="0">
                 <a:ln>
                   <a:noFill/>
                 </a:ln>
@@ -13352,7 +13653,7 @@
               <a:t>"</a:t>
             </a:r>
             <a:r>
-              <a:rPr kumimoji="0" lang="en-US" altLang="en-US" sz="1800" b="0" i="0" u="none" strike="noStrike" cap="none" normalizeH="0" baseline="0" dirty="0" err="1">
+              <a:rPr kumimoji="0" lang="en-US" altLang="en-US" sz="1800" b="0" i="0" u="none" strike="noStrike" cap="none" normalizeH="0" baseline="0" dirty="0" err="1" smtClean="0">
                 <a:ln>
                   <a:noFill/>
                 </a:ln>
@@ -13365,7 +13666,7 @@
               <a:t>Sonoo</a:t>
             </a:r>
             <a:r>
-              <a:rPr kumimoji="0" lang="en-US" altLang="en-US" sz="1800" b="0" i="0" u="none" strike="noStrike" cap="none" normalizeH="0" baseline="0" dirty="0">
+              <a:rPr kumimoji="0" lang="en-US" altLang="en-US" sz="1800" b="0" i="0" u="none" strike="noStrike" cap="none" normalizeH="0" baseline="0" dirty="0" smtClean="0">
                 <a:ln>
                   <a:noFill/>
                 </a:ln>
@@ -13378,7 +13679,7 @@
               <a:t> </a:t>
             </a:r>
             <a:r>
-              <a:rPr kumimoji="0" lang="en-US" altLang="en-US" sz="1800" b="0" i="0" u="none" strike="noStrike" cap="none" normalizeH="0" baseline="0" dirty="0" err="1">
+              <a:rPr kumimoji="0" lang="en-US" altLang="en-US" sz="1800" b="0" i="0" u="none" strike="noStrike" cap="none" normalizeH="0" baseline="0" dirty="0" err="1" smtClean="0">
                 <a:ln>
                   <a:noFill/>
                 </a:ln>
@@ -13391,7 +13692,7 @@
               <a:t>Jaiswal</a:t>
             </a:r>
             <a:r>
-              <a:rPr kumimoji="0" lang="en-US" altLang="en-US" sz="1800" b="0" i="0" u="none" strike="noStrike" cap="none" normalizeH="0" baseline="0" dirty="0">
+              <a:rPr kumimoji="0" lang="en-US" altLang="en-US" sz="1800" b="0" i="0" u="none" strike="noStrike" cap="none" normalizeH="0" baseline="0" dirty="0" smtClean="0">
                 <a:ln>
                   <a:noFill/>
                 </a:ln>
@@ -13404,7 +13705,7 @@
               <a:t>"</a:t>
             </a:r>
             <a:r>
-              <a:rPr kumimoji="0" lang="en-US" altLang="en-US" sz="1800" b="0" i="0" u="none" strike="noStrike" cap="none" normalizeH="0" baseline="0" dirty="0">
+              <a:rPr kumimoji="0" lang="en-US" altLang="en-US" sz="1800" b="0" i="0" u="none" strike="noStrike" cap="none" normalizeH="0" baseline="0" dirty="0" smtClean="0">
                 <a:ln>
                   <a:noFill/>
                 </a:ln>
@@ -13434,7 +13735,7 @@
               <a:tabLst/>
             </a:pPr>
             <a:r>
-              <a:rPr kumimoji="0" lang="en-US" altLang="en-US" sz="1800" b="0" i="0" u="none" strike="noStrike" cap="none" normalizeH="0" baseline="0" dirty="0">
+              <a:rPr kumimoji="0" lang="en-US" altLang="en-US" sz="1800" b="0" i="0" u="none" strike="noStrike" cap="none" normalizeH="0" baseline="0" dirty="0" smtClean="0">
                 <a:ln>
                   <a:noFill/>
                 </a:ln>
@@ -13464,7 +13765,7 @@
               <a:tabLst/>
             </a:pPr>
             <a:r>
-              <a:rPr kumimoji="0" lang="en-US" altLang="en-US" sz="1800" b="0" i="0" u="none" strike="noStrike" cap="none" normalizeH="0" baseline="0" dirty="0" err="1">
+              <a:rPr kumimoji="0" lang="en-US" altLang="en-US" sz="1800" b="0" i="0" u="none" strike="noStrike" cap="none" normalizeH="0" baseline="0" dirty="0" err="1" smtClean="0">
                 <a:ln>
                   <a:noFill/>
                 </a:ln>
@@ -13477,7 +13778,7 @@
               <a:t>System.out.println</a:t>
             </a:r>
             <a:r>
-              <a:rPr kumimoji="0" lang="en-US" altLang="en-US" sz="1800" b="0" i="0" u="none" strike="noStrike" cap="none" normalizeH="0" baseline="0" dirty="0">
+              <a:rPr kumimoji="0" lang="en-US" altLang="en-US" sz="1800" b="0" i="0" u="none" strike="noStrike" cap="none" normalizeH="0" baseline="0" dirty="0" smtClean="0">
                 <a:ln>
                   <a:noFill/>
                 </a:ln>
@@ -13490,7 +13791,7 @@
               <a:t>(</a:t>
             </a:r>
             <a:r>
-              <a:rPr kumimoji="0" lang="en-US" altLang="en-US" sz="1800" b="0" i="0" u="none" strike="noStrike" cap="none" normalizeH="0" baseline="0" dirty="0">
+              <a:rPr kumimoji="0" lang="en-US" altLang="en-US" sz="1800" b="0" i="0" u="none" strike="noStrike" cap="none" normalizeH="0" baseline="0" dirty="0" smtClean="0">
                 <a:ln>
                   <a:noFill/>
                 </a:ln>
@@ -13503,7 +13804,7 @@
               <a:t>"After changing name of t1:"</a:t>
             </a:r>
             <a:r>
-              <a:rPr kumimoji="0" lang="en-US" altLang="en-US" sz="1800" b="0" i="0" u="none" strike="noStrike" cap="none" normalizeH="0" baseline="0" dirty="0">
+              <a:rPr kumimoji="0" lang="en-US" altLang="en-US" sz="1800" b="0" i="0" u="none" strike="noStrike" cap="none" normalizeH="0" baseline="0" dirty="0" smtClean="0">
                 <a:ln>
                   <a:noFill/>
                 </a:ln>
@@ -13533,7 +13834,7 @@
               <a:tabLst/>
             </a:pPr>
             <a:r>
-              <a:rPr kumimoji="0" lang="en-US" altLang="en-US" sz="1800" b="0" i="0" u="none" strike="noStrike" cap="none" normalizeH="0" baseline="0" dirty="0">
+              <a:rPr kumimoji="0" lang="en-US" altLang="en-US" sz="1800" b="0" i="0" u="none" strike="noStrike" cap="none" normalizeH="0" baseline="0" dirty="0" smtClean="0">
                 <a:ln>
                   <a:noFill/>
                 </a:ln>
@@ -13563,7 +13864,7 @@
               <a:tabLst/>
             </a:pPr>
             <a:r>
-              <a:rPr kumimoji="0" lang="en-US" altLang="en-US" sz="1800" b="0" i="0" u="none" strike="noStrike" cap="none" normalizeH="0" baseline="0" dirty="0">
+              <a:rPr kumimoji="0" lang="en-US" altLang="en-US" sz="1800" b="0" i="0" u="none" strike="noStrike" cap="none" normalizeH="0" baseline="0" dirty="0" smtClean="0">
                 <a:ln>
                   <a:noFill/>
                 </a:ln>
@@ -13615,7 +13916,7 @@
               <a:buNone/>
               <a:tabLst/>
             </a:pPr>
-            <a:endParaRPr kumimoji="0" lang="en-US" altLang="en-US" sz="1800" b="0" i="0" u="none" strike="noStrike" cap="none" normalizeH="0" baseline="0" dirty="0">
+            <a:endParaRPr kumimoji="0" lang="en-US" altLang="en-US" sz="1800" b="0" i="0" u="none" strike="noStrike" cap="none" normalizeH="0" baseline="0" dirty="0" smtClean="0">
               <a:ln>
                 <a:noFill/>
               </a:ln>
@@ -13665,7 +13966,7 @@
               <a:buNone/>
               <a:tabLst/>
             </a:pPr>
-            <a:endParaRPr kumimoji="0" lang="en-US" altLang="en-US" sz="1800" b="0" i="0" u="none" strike="noStrike" cap="none" normalizeH="0" baseline="0" dirty="0">
+            <a:endParaRPr kumimoji="0" lang="en-US" altLang="en-US" sz="1800" b="0" i="0" u="none" strike="noStrike" cap="none" normalizeH="0" baseline="0" dirty="0" smtClean="0">
               <a:ln>
                 <a:noFill/>
               </a:ln>
@@ -13715,7 +14016,7 @@
               <a:buNone/>
               <a:tabLst/>
             </a:pPr>
-            <a:endParaRPr kumimoji="0" lang="en-US" altLang="en-US" sz="1800" b="0" i="0" u="none" strike="noStrike" cap="none" normalizeH="0" baseline="0" dirty="0">
+            <a:endParaRPr kumimoji="0" lang="en-US" altLang="en-US" sz="1800" b="0" i="0" u="none" strike="noStrike" cap="none" normalizeH="0" baseline="0" dirty="0" smtClean="0">
               <a:ln>
                 <a:noFill/>
               </a:ln>
@@ -13743,7 +14044,7 @@
               <a:tabLst/>
             </a:pPr>
             <a:r>
-              <a:rPr kumimoji="0" lang="en-US" altLang="en-US" sz="1800" b="1" i="0" u="none" strike="noStrike" cap="none" normalizeH="0" baseline="0" dirty="0">
+              <a:rPr kumimoji="0" lang="en-US" altLang="en-US" sz="1800" b="1" i="0" u="none" strike="noStrike" cap="none" normalizeH="0" baseline="0" dirty="0" smtClean="0">
                 <a:ln>
                   <a:noFill/>
                 </a:ln>
@@ -13756,7 +14057,7 @@
               </a:rPr>
               <a:t>Test it Now</a:t>
             </a:r>
-            <a:endParaRPr kumimoji="0" lang="en-US" altLang="en-US" b="0" i="0" u="none" strike="noStrike" cap="none" normalizeH="0" baseline="0" dirty="0">
+            <a:endParaRPr kumimoji="0" lang="en-US" altLang="en-US" b="0" i="0" u="none" strike="noStrike" cap="none" normalizeH="0" baseline="0" dirty="0" smtClean="0">
               <a:ln>
                 <a:noFill/>
               </a:ln>
@@ -13783,7 +14084,7 @@
               <a:tabLst/>
             </a:pPr>
             <a:r>
-              <a:rPr kumimoji="0" lang="en-US" altLang="en-US" sz="2000" b="0" i="0" u="none" strike="noStrike" cap="none" normalizeH="0" baseline="0" dirty="0" err="1">
+              <a:rPr kumimoji="0" lang="en-US" altLang="en-US" sz="2000" b="0" i="0" u="none" strike="noStrike" cap="none" normalizeH="0" baseline="0" dirty="0" err="1" smtClean="0">
                 <a:ln>
                   <a:noFill/>
                 </a:ln>
@@ -13796,7 +14097,7 @@
               <a:t>Output:Name</a:t>
             </a:r>
             <a:r>
-              <a:rPr kumimoji="0" lang="en-US" altLang="en-US" sz="2000" b="0" i="0" u="none" strike="noStrike" cap="none" normalizeH="0" baseline="0" dirty="0">
+              <a:rPr kumimoji="0" lang="en-US" altLang="en-US" sz="2000" b="0" i="0" u="none" strike="noStrike" cap="none" normalizeH="0" baseline="0" dirty="0" smtClean="0">
                 <a:ln>
                   <a:noFill/>
                 </a:ln>
@@ -13826,7 +14127,7 @@
               <a:tabLst/>
             </a:pPr>
             <a:r>
-              <a:rPr kumimoji="0" lang="en-US" altLang="en-US" sz="2000" b="0" i="0" u="none" strike="noStrike" cap="none" normalizeH="0" baseline="0" dirty="0">
+              <a:rPr kumimoji="0" lang="en-US" altLang="en-US" sz="2000" b="0" i="0" u="none" strike="noStrike" cap="none" normalizeH="0" baseline="0" dirty="0" smtClean="0">
                 <a:ln>
                   <a:noFill/>
                 </a:ln>
@@ -13856,7 +14157,7 @@
               <a:tabLst/>
             </a:pPr>
             <a:r>
-              <a:rPr kumimoji="0" lang="en-US" altLang="en-US" sz="2000" b="0" i="0" u="none" strike="noStrike" cap="none" normalizeH="0" baseline="0" dirty="0">
+              <a:rPr kumimoji="0" lang="en-US" altLang="en-US" sz="2000" b="0" i="0" u="none" strike="noStrike" cap="none" normalizeH="0" baseline="0" dirty="0" smtClean="0">
                 <a:ln>
                   <a:noFill/>
                 </a:ln>
@@ -13886,7 +14187,7 @@
               <a:tabLst/>
             </a:pPr>
             <a:r>
-              <a:rPr kumimoji="0" lang="en-US" altLang="en-US" sz="2000" b="0" i="0" u="none" strike="noStrike" cap="none" normalizeH="0" baseline="0" dirty="0">
+              <a:rPr kumimoji="0" lang="en-US" altLang="en-US" sz="2000" b="0" i="0" u="none" strike="noStrike" cap="none" normalizeH="0" baseline="0" dirty="0" smtClean="0">
                 <a:ln>
                   <a:noFill/>
                 </a:ln>
@@ -13899,7 +14200,7 @@
               <a:t> running... After changeling name of t1:Sonoo </a:t>
             </a:r>
             <a:r>
-              <a:rPr kumimoji="0" lang="en-US" altLang="en-US" sz="2000" b="0" i="0" u="none" strike="noStrike" cap="none" normalizeH="0" baseline="0" dirty="0" err="1">
+              <a:rPr kumimoji="0" lang="en-US" altLang="en-US" sz="2000" b="0" i="0" u="none" strike="noStrike" cap="none" normalizeH="0" baseline="0" dirty="0" err="1" smtClean="0">
                 <a:ln>
                   <a:noFill/>
                 </a:ln>
@@ -13912,7 +14213,7 @@
               <a:t>Jaiswal</a:t>
             </a:r>
             <a:r>
-              <a:rPr kumimoji="0" lang="en-US" altLang="en-US" sz="2000" b="0" i="0" u="none" strike="noStrike" cap="none" normalizeH="0" baseline="0" dirty="0">
+              <a:rPr kumimoji="0" lang="en-US" altLang="en-US" sz="2000" b="0" i="0" u="none" strike="noStrike" cap="none" normalizeH="0" baseline="0" dirty="0" smtClean="0">
                 <a:ln>
                   <a:noFill/>
                 </a:ln>
@@ -13924,7 +14225,7 @@
               </a:rPr>
               <a:t> running...</a:t>
             </a:r>
-            <a:endParaRPr kumimoji="0" lang="en-US" altLang="en-US" sz="4400" b="0" i="0" u="none" strike="noStrike" cap="none" normalizeH="0" baseline="0" dirty="0">
+            <a:endParaRPr kumimoji="0" lang="en-US" altLang="en-US" sz="4400" b="0" i="0" u="none" strike="noStrike" cap="none" normalizeH="0" baseline="0" dirty="0" smtClean="0">
               <a:ln>
                 <a:noFill/>
               </a:ln>
@@ -13947,6 +14248,13 @@
   <p:clrMapOvr>
     <a:masterClrMapping/>
   </p:clrMapOvr>
+  <p:timing>
+    <p:tnLst>
+      <p:par>
+        <p:cTn id="1" dur="indefinite" restart="never" nodeType="tmRoot"/>
+      </p:par>
+    </p:tnLst>
+  </p:timing>
 </p:sld>
 </file>
 
@@ -13955,35 +14263,7 @@
   <p:cSld>
     <p:bg>
       <p:bgPr>
-        <a:gradFill>
-          <a:gsLst>
-            <a:gs pos="0">
-              <a:schemeClr val="accent1">
-                <a:lumMod val="5000"/>
-                <a:lumOff val="95000"/>
-              </a:schemeClr>
-            </a:gs>
-            <a:gs pos="74000">
-              <a:schemeClr val="accent1">
-                <a:lumMod val="45000"/>
-                <a:lumOff val="55000"/>
-              </a:schemeClr>
-            </a:gs>
-            <a:gs pos="83000">
-              <a:schemeClr val="accent1">
-                <a:lumMod val="45000"/>
-                <a:lumOff val="55000"/>
-              </a:schemeClr>
-            </a:gs>
-            <a:gs pos="100000">
-              <a:schemeClr val="accent1">
-                <a:lumMod val="30000"/>
-                <a:lumOff val="70000"/>
-              </a:schemeClr>
-            </a:gs>
-          </a:gsLst>
-          <a:lin ang="5400000" scaled="1"/>
-        </a:gradFill>
+        <a:noFill/>
         <a:effectLst/>
       </p:bgPr>
     </p:bg>
@@ -14206,7 +14486,7 @@
               <a:tabLst/>
             </a:pPr>
             <a:r>
-              <a:rPr kumimoji="0" lang="en-US" altLang="en-US" sz="2000" b="0" i="0" u="none" strike="noStrike" cap="none" normalizeH="0" baseline="0" dirty="0">
+              <a:rPr kumimoji="0" lang="en-US" altLang="en-US" sz="2000" b="0" i="0" u="none" strike="noStrike" cap="none" normalizeH="0" baseline="0" dirty="0" smtClean="0">
                 <a:ln>
                   <a:noFill/>
                 </a:ln>
@@ -14220,7 +14500,7 @@
               <a:t>class </a:t>
             </a:r>
             <a:r>
-              <a:rPr kumimoji="0" lang="en-US" altLang="en-US" sz="2000" b="0" i="0" u="none" strike="noStrike" cap="none" normalizeH="0" baseline="0" dirty="0" err="1">
+              <a:rPr kumimoji="0" lang="en-US" altLang="en-US" sz="2000" b="0" i="0" u="none" strike="noStrike" cap="none" normalizeH="0" baseline="0" dirty="0" err="1" smtClean="0">
                 <a:ln>
                   <a:noFill/>
                 </a:ln>
@@ -14234,7 +14514,7 @@
               <a:t>MyThread</a:t>
             </a:r>
             <a:r>
-              <a:rPr kumimoji="0" lang="en-US" altLang="en-US" sz="2000" b="0" i="0" u="none" strike="noStrike" cap="none" normalizeH="0" baseline="0" dirty="0">
+              <a:rPr kumimoji="0" lang="en-US" altLang="en-US" sz="2000" b="0" i="0" u="none" strike="noStrike" cap="none" normalizeH="0" baseline="0" dirty="0" smtClean="0">
                 <a:ln>
                   <a:noFill/>
                 </a:ln>
@@ -14247,7 +14527,7 @@
               </a:rPr>
               <a:t> implements Runnable {</a:t>
             </a:r>
-            <a:endParaRPr kumimoji="0" lang="en-US" altLang="en-US" sz="2000" b="0" i="0" u="none" strike="noStrike" cap="none" normalizeH="0" baseline="0" dirty="0">
+            <a:endParaRPr kumimoji="0" lang="en-US" altLang="en-US" sz="2000" b="0" i="0" u="none" strike="noStrike" cap="none" normalizeH="0" baseline="0" dirty="0" smtClean="0">
               <a:ln>
                 <a:noFill/>
               </a:ln>
@@ -14277,7 +14557,7 @@
               <a:tabLst/>
             </a:pPr>
             <a:r>
-              <a:rPr kumimoji="0" lang="en-US" altLang="en-US" sz="2000" b="0" i="0" u="none" strike="noStrike" cap="none" normalizeH="0" baseline="0" dirty="0">
+              <a:rPr kumimoji="0" lang="en-US" altLang="en-US" sz="2000" b="0" i="0" u="none" strike="noStrike" cap="none" normalizeH="0" baseline="0" dirty="0" smtClean="0">
                 <a:ln>
                   <a:noFill/>
                 </a:ln>
@@ -14290,7 +14570,7 @@
               </a:rPr>
               <a:t>String name;</a:t>
             </a:r>
-            <a:endParaRPr kumimoji="0" lang="en-US" altLang="en-US" sz="2000" b="0" i="0" u="none" strike="noStrike" cap="none" normalizeH="0" baseline="0" dirty="0">
+            <a:endParaRPr kumimoji="0" lang="en-US" altLang="en-US" sz="2000" b="0" i="0" u="none" strike="noStrike" cap="none" normalizeH="0" baseline="0" dirty="0" smtClean="0">
               <a:ln>
                 <a:noFill/>
               </a:ln>
@@ -14320,7 +14600,7 @@
               <a:tabLst/>
             </a:pPr>
             <a:r>
-              <a:rPr kumimoji="0" lang="en-US" altLang="en-US" sz="2000" b="0" i="0" u="none" strike="noStrike" cap="none" normalizeH="0" baseline="0" dirty="0">
+              <a:rPr kumimoji="0" lang="en-US" altLang="en-US" sz="2000" b="0" i="0" u="none" strike="noStrike" cap="none" normalizeH="0" baseline="0" dirty="0" smtClean="0">
                 <a:ln>
                   <a:noFill/>
                 </a:ln>
@@ -14333,7 +14613,7 @@
               </a:rPr>
               <a:t>Thread t;</a:t>
             </a:r>
-            <a:endParaRPr kumimoji="0" lang="en-US" altLang="en-US" sz="2000" b="0" i="0" u="none" strike="noStrike" cap="none" normalizeH="0" baseline="0" dirty="0">
+            <a:endParaRPr kumimoji="0" lang="en-US" altLang="en-US" sz="2000" b="0" i="0" u="none" strike="noStrike" cap="none" normalizeH="0" baseline="0" dirty="0" smtClean="0">
               <a:ln>
                 <a:noFill/>
               </a:ln>
@@ -14363,7 +14643,7 @@
               <a:tabLst/>
             </a:pPr>
             <a:r>
-              <a:rPr kumimoji="0" lang="en-US" altLang="en-US" sz="2000" b="0" i="0" u="none" strike="noStrike" cap="none" normalizeH="0" baseline="0" dirty="0">
+              <a:rPr kumimoji="0" lang="en-US" altLang="en-US" sz="2000" b="0" i="0" u="none" strike="noStrike" cap="none" normalizeH="0" baseline="0" dirty="0" smtClean="0">
                 <a:ln>
                   <a:noFill/>
                 </a:ln>
@@ -14377,7 +14657,7 @@
               <a:t>    </a:t>
             </a:r>
             <a:r>
-              <a:rPr kumimoji="0" lang="en-US" altLang="en-US" sz="2000" b="0" i="0" u="none" strike="noStrike" cap="none" normalizeH="0" baseline="0" dirty="0" err="1">
+              <a:rPr kumimoji="0" lang="en-US" altLang="en-US" sz="2000" b="0" i="0" u="none" strike="noStrike" cap="none" normalizeH="0" baseline="0" dirty="0" err="1" smtClean="0">
                 <a:ln>
                   <a:noFill/>
                 </a:ln>
@@ -14391,7 +14671,7 @@
               <a:t>MyThread</a:t>
             </a:r>
             <a:r>
-              <a:rPr kumimoji="0" lang="en-US" altLang="en-US" sz="2000" b="0" i="0" u="none" strike="noStrike" cap="none" normalizeH="0" baseline="0" dirty="0">
+              <a:rPr kumimoji="0" lang="en-US" altLang="en-US" sz="2000" b="0" i="0" u="none" strike="noStrike" cap="none" normalizeH="0" baseline="0" dirty="0" smtClean="0">
                 <a:ln>
                   <a:noFill/>
                 </a:ln>
@@ -14404,7 +14684,7 @@
               </a:rPr>
               <a:t> (String thread){</a:t>
             </a:r>
-            <a:endParaRPr kumimoji="0" lang="en-US" altLang="en-US" sz="2000" b="0" i="0" u="none" strike="noStrike" cap="none" normalizeH="0" baseline="0" dirty="0">
+            <a:endParaRPr kumimoji="0" lang="en-US" altLang="en-US" sz="2000" b="0" i="0" u="none" strike="noStrike" cap="none" normalizeH="0" baseline="0" dirty="0" smtClean="0">
               <a:ln>
                 <a:noFill/>
               </a:ln>
@@ -14434,7 +14714,7 @@
               <a:tabLst/>
             </a:pPr>
             <a:r>
-              <a:rPr kumimoji="0" lang="en-US" altLang="en-US" sz="2000" b="0" i="0" u="none" strike="noStrike" cap="none" normalizeH="0" baseline="0" dirty="0">
+              <a:rPr kumimoji="0" lang="en-US" altLang="en-US" sz="2000" b="0" i="0" u="none" strike="noStrike" cap="none" normalizeH="0" baseline="0" dirty="0" smtClean="0">
                 <a:ln>
                   <a:noFill/>
                 </a:ln>
@@ -14445,9 +14725,37 @@
                 <a:latin typeface="Times New Roman" panose="02020603050405020304" pitchFamily="18" charset="0"/>
                 <a:cs typeface="Times New Roman" panose="02020603050405020304" pitchFamily="18" charset="0"/>
               </a:rPr>
-              <a:t>    name = thread; </a:t>
-            </a:r>
-            <a:endParaRPr kumimoji="0" lang="en-US" altLang="en-US" sz="2000" b="0" i="0" u="none" strike="noStrike" cap="none" normalizeH="0" baseline="0" dirty="0">
+              <a:t>    name = </a:t>
+            </a:r>
+            <a:r>
+              <a:rPr kumimoji="0" lang="en-US" altLang="en-US" sz="2000" b="0" i="0" u="none" strike="noStrike" cap="none" normalizeH="0" baseline="0" dirty="0" err="1" smtClean="0">
+                <a:ln>
+                  <a:noFill/>
+                </a:ln>
+                <a:solidFill>
+                  <a:srgbClr val="000000"/>
+                </a:solidFill>
+                <a:effectLst/>
+                <a:latin typeface="Times New Roman" panose="02020603050405020304" pitchFamily="18" charset="0"/>
+                <a:cs typeface="Times New Roman" panose="02020603050405020304" pitchFamily="18" charset="0"/>
+              </a:rPr>
+              <a:t>threadname</a:t>
+            </a:r>
+            <a:r>
+              <a:rPr kumimoji="0" lang="en-US" altLang="en-US" sz="2000" b="0" i="0" u="none" strike="noStrike" cap="none" normalizeH="0" baseline="0" dirty="0" smtClean="0">
+                <a:ln>
+                  <a:noFill/>
+                </a:ln>
+                <a:solidFill>
+                  <a:srgbClr val="000000"/>
+                </a:solidFill>
+                <a:effectLst/>
+                <a:latin typeface="Times New Roman" panose="02020603050405020304" pitchFamily="18" charset="0"/>
+                <a:cs typeface="Times New Roman" panose="02020603050405020304" pitchFamily="18" charset="0"/>
+              </a:rPr>
+              <a:t>; </a:t>
+            </a:r>
+            <a:endParaRPr kumimoji="0" lang="en-US" altLang="en-US" sz="2000" b="0" i="0" u="none" strike="noStrike" cap="none" normalizeH="0" baseline="0" dirty="0" smtClean="0">
               <a:ln>
                 <a:noFill/>
               </a:ln>
@@ -14477,7 +14785,7 @@
               <a:tabLst/>
             </a:pPr>
             <a:r>
-              <a:rPr kumimoji="0" lang="en-US" altLang="en-US" sz="2000" b="0" i="0" u="none" strike="noStrike" cap="none" normalizeH="0" baseline="0" dirty="0">
+              <a:rPr kumimoji="0" lang="en-US" altLang="en-US" sz="2000" b="0" i="0" u="none" strike="noStrike" cap="none" normalizeH="0" baseline="0" dirty="0" smtClean="0">
                 <a:ln>
                   <a:noFill/>
                 </a:ln>
@@ -14490,7 +14798,7 @@
               </a:rPr>
               <a:t>    t = new Thread(this, name);</a:t>
             </a:r>
-            <a:endParaRPr kumimoji="0" lang="en-US" altLang="en-US" sz="2000" b="0" i="0" u="none" strike="noStrike" cap="none" normalizeH="0" baseline="0" dirty="0">
+            <a:endParaRPr kumimoji="0" lang="en-US" altLang="en-US" sz="2000" b="0" i="0" u="none" strike="noStrike" cap="none" normalizeH="0" baseline="0" dirty="0" smtClean="0">
               <a:ln>
                 <a:noFill/>
               </a:ln>
@@ -14520,7 +14828,7 @@
               <a:tabLst/>
             </a:pPr>
             <a:r>
-              <a:rPr kumimoji="0" lang="en-US" altLang="en-US" sz="2000" b="0" i="0" u="none" strike="noStrike" cap="none" normalizeH="0" baseline="0" dirty="0" err="1">
+              <a:rPr kumimoji="0" lang="en-US" altLang="en-US" sz="2000" b="0" i="0" u="none" strike="noStrike" cap="none" normalizeH="0" baseline="0" dirty="0" err="1" smtClean="0">
                 <a:ln>
                   <a:noFill/>
                 </a:ln>
@@ -14534,7 +14842,7 @@
               <a:t>System.out.println</a:t>
             </a:r>
             <a:r>
-              <a:rPr kumimoji="0" lang="en-US" altLang="en-US" sz="2000" b="0" i="0" u="none" strike="noStrike" cap="none" normalizeH="0" baseline="0" dirty="0">
+              <a:rPr kumimoji="0" lang="en-US" altLang="en-US" sz="2000" b="0" i="0" u="none" strike="noStrike" cap="none" normalizeH="0" baseline="0" dirty="0" smtClean="0">
                 <a:ln>
                   <a:noFill/>
                 </a:ln>
@@ -14547,7 +14855,7 @@
               </a:rPr>
               <a:t>("New thread: " + t);</a:t>
             </a:r>
-            <a:endParaRPr kumimoji="0" lang="en-US" altLang="en-US" sz="2000" b="0" i="0" u="none" strike="noStrike" cap="none" normalizeH="0" baseline="0" dirty="0">
+            <a:endParaRPr kumimoji="0" lang="en-US" altLang="en-US" sz="2000" b="0" i="0" u="none" strike="noStrike" cap="none" normalizeH="0" baseline="0" dirty="0" smtClean="0">
               <a:ln>
                 <a:noFill/>
               </a:ln>
@@ -14577,7 +14885,7 @@
               <a:tabLst/>
             </a:pPr>
             <a:r>
-              <a:rPr kumimoji="0" lang="en-US" altLang="en-US" sz="2000" b="0" i="0" u="none" strike="noStrike" cap="none" normalizeH="0" baseline="0" dirty="0" err="1">
+              <a:rPr kumimoji="0" lang="en-US" altLang="en-US" sz="2000" b="0" i="0" u="none" strike="noStrike" cap="none" normalizeH="0" baseline="0" dirty="0" err="1" smtClean="0">
                 <a:ln>
                   <a:noFill/>
                 </a:ln>
@@ -14591,7 +14899,7 @@
               <a:t>t.start</a:t>
             </a:r>
             <a:r>
-              <a:rPr kumimoji="0" lang="en-US" altLang="en-US" sz="2000" b="0" i="0" u="none" strike="noStrike" cap="none" normalizeH="0" baseline="0" dirty="0">
+              <a:rPr kumimoji="0" lang="en-US" altLang="en-US" sz="2000" b="0" i="0" u="none" strike="noStrike" cap="none" normalizeH="0" baseline="0" dirty="0" smtClean="0">
                 <a:ln>
                   <a:noFill/>
                 </a:ln>
@@ -14604,7 +14912,7 @@
               </a:rPr>
               <a:t>();</a:t>
             </a:r>
-            <a:endParaRPr kumimoji="0" lang="en-US" altLang="en-US" sz="2000" b="0" i="0" u="none" strike="noStrike" cap="none" normalizeH="0" baseline="0" dirty="0">
+            <a:endParaRPr kumimoji="0" lang="en-US" altLang="en-US" sz="2000" b="0" i="0" u="none" strike="noStrike" cap="none" normalizeH="0" baseline="0" dirty="0" smtClean="0">
               <a:ln>
                 <a:noFill/>
               </a:ln>
@@ -14634,7 +14942,7 @@
               <a:tabLst/>
             </a:pPr>
             <a:r>
-              <a:rPr kumimoji="0" lang="en-US" altLang="en-US" sz="2000" b="0" i="0" u="none" strike="noStrike" cap="none" normalizeH="0" baseline="0" dirty="0">
+              <a:rPr kumimoji="0" lang="en-US" altLang="en-US" sz="2000" b="0" i="0" u="none" strike="noStrike" cap="none" normalizeH="0" baseline="0" dirty="0" smtClean="0">
                 <a:ln>
                   <a:noFill/>
                 </a:ln>
@@ -14647,7 +14955,7 @@
               </a:rPr>
               <a:t>}</a:t>
             </a:r>
-            <a:endParaRPr kumimoji="0" lang="en-US" altLang="en-US" sz="2000" b="0" i="0" u="none" strike="noStrike" cap="none" normalizeH="0" baseline="0" dirty="0">
+            <a:endParaRPr kumimoji="0" lang="en-US" altLang="en-US" sz="2000" b="0" i="0" u="none" strike="noStrike" cap="none" normalizeH="0" baseline="0" dirty="0" smtClean="0">
               <a:ln>
                 <a:noFill/>
               </a:ln>
@@ -14677,7 +14985,7 @@
               <a:tabLst/>
             </a:pPr>
             <a:r>
-              <a:rPr kumimoji="0" lang="en-US" altLang="en-US" sz="2000" b="0" i="0" u="none" strike="noStrike" cap="none" normalizeH="0" baseline="0" dirty="0">
+              <a:rPr kumimoji="0" lang="en-US" altLang="en-US" sz="2000" b="0" i="0" u="none" strike="noStrike" cap="none" normalizeH="0" baseline="0" dirty="0" smtClean="0">
                 <a:ln>
                   <a:noFill/>
                 </a:ln>
@@ -14691,7 +14999,7 @@
               <a:t> </a:t>
             </a:r>
             <a:r>
-              <a:rPr kumimoji="0" lang="en-US" altLang="en-US" sz="2000" b="0" i="0" u="none" strike="noStrike" cap="none" normalizeH="0" baseline="0" dirty="0">
+              <a:rPr kumimoji="0" lang="en-US" altLang="en-US" sz="2000" b="0" i="0" u="none" strike="noStrike" cap="none" normalizeH="0" baseline="0" dirty="0" smtClean="0">
                 <a:ln>
                   <a:noFill/>
                 </a:ln>
@@ -14704,7 +15012,7 @@
               </a:rPr>
               <a:t>public void run() {</a:t>
             </a:r>
-            <a:endParaRPr kumimoji="0" lang="en-US" altLang="en-US" sz="2000" b="0" i="0" u="none" strike="noStrike" cap="none" normalizeH="0" baseline="0" dirty="0">
+            <a:endParaRPr kumimoji="0" lang="en-US" altLang="en-US" sz="2000" b="0" i="0" u="none" strike="noStrike" cap="none" normalizeH="0" baseline="0" dirty="0" smtClean="0">
               <a:ln>
                 <a:noFill/>
               </a:ln>
@@ -14734,7 +15042,7 @@
               <a:tabLst/>
             </a:pPr>
             <a:r>
-              <a:rPr kumimoji="0" lang="en-US" altLang="en-US" sz="2000" b="0" i="0" u="none" strike="noStrike" cap="none" normalizeH="0" baseline="0" dirty="0">
+              <a:rPr kumimoji="0" lang="en-US" altLang="en-US" sz="2000" b="0" i="0" u="none" strike="noStrike" cap="none" normalizeH="0" baseline="0" dirty="0" smtClean="0">
                 <a:ln>
                   <a:noFill/>
                 </a:ln>
@@ -14747,7 +15055,7 @@
               </a:rPr>
               <a:t> try {</a:t>
             </a:r>
-            <a:endParaRPr kumimoji="0" lang="en-US" altLang="en-US" sz="2000" b="0" i="0" u="none" strike="noStrike" cap="none" normalizeH="0" baseline="0" dirty="0">
+            <a:endParaRPr kumimoji="0" lang="en-US" altLang="en-US" sz="2000" b="0" i="0" u="none" strike="noStrike" cap="none" normalizeH="0" baseline="0" dirty="0" smtClean="0">
               <a:ln>
                 <a:noFill/>
               </a:ln>
@@ -14777,7 +15085,7 @@
               <a:tabLst/>
             </a:pPr>
             <a:r>
-              <a:rPr kumimoji="0" lang="en-US" altLang="en-US" sz="2000" b="0" i="0" u="none" strike="noStrike" cap="none" normalizeH="0" baseline="0" dirty="0">
+              <a:rPr kumimoji="0" lang="en-US" altLang="en-US" sz="2000" b="0" i="0" u="none" strike="noStrike" cap="none" normalizeH="0" baseline="0" dirty="0" smtClean="0">
                 <a:ln>
                   <a:noFill/>
                 </a:ln>
@@ -14791,7 +15099,7 @@
               <a:t>     for(</a:t>
             </a:r>
             <a:r>
-              <a:rPr kumimoji="0" lang="en-US" altLang="en-US" sz="2000" b="0" i="0" u="none" strike="noStrike" cap="none" normalizeH="0" baseline="0" dirty="0" err="1">
+              <a:rPr kumimoji="0" lang="en-US" altLang="en-US" sz="2000" b="0" i="0" u="none" strike="noStrike" cap="none" normalizeH="0" baseline="0" dirty="0" err="1" smtClean="0">
                 <a:ln>
                   <a:noFill/>
                 </a:ln>
@@ -14805,7 +15113,7 @@
               <a:t>int</a:t>
             </a:r>
             <a:r>
-              <a:rPr kumimoji="0" lang="en-US" altLang="en-US" sz="2000" b="0" i="0" u="none" strike="noStrike" cap="none" normalizeH="0" baseline="0" dirty="0">
+              <a:rPr kumimoji="0" lang="en-US" altLang="en-US" sz="2000" b="0" i="0" u="none" strike="noStrike" cap="none" normalizeH="0" baseline="0" dirty="0" smtClean="0">
                 <a:ln>
                   <a:noFill/>
                 </a:ln>
@@ -14819,7 +15127,7 @@
               <a:t> </a:t>
             </a:r>
             <a:r>
-              <a:rPr kumimoji="0" lang="en-US" altLang="en-US" sz="2000" b="0" i="0" u="none" strike="noStrike" cap="none" normalizeH="0" baseline="0" dirty="0" err="1">
+              <a:rPr kumimoji="0" lang="en-US" altLang="en-US" sz="2000" b="0" i="0" u="none" strike="noStrike" cap="none" normalizeH="0" baseline="0" dirty="0" err="1" smtClean="0">
                 <a:ln>
                   <a:noFill/>
                 </a:ln>
@@ -14833,7 +15141,7 @@
               <a:t>i</a:t>
             </a:r>
             <a:r>
-              <a:rPr kumimoji="0" lang="en-US" altLang="en-US" sz="2000" b="0" i="0" u="none" strike="noStrike" cap="none" normalizeH="0" baseline="0" dirty="0">
+              <a:rPr kumimoji="0" lang="en-US" altLang="en-US" sz="2000" b="0" i="0" u="none" strike="noStrike" cap="none" normalizeH="0" baseline="0" dirty="0" smtClean="0">
                 <a:ln>
                   <a:noFill/>
                 </a:ln>
@@ -14847,7 +15155,7 @@
               <a:t> = 5; </a:t>
             </a:r>
             <a:r>
-              <a:rPr kumimoji="0" lang="en-US" altLang="en-US" sz="2000" b="0" i="0" u="none" strike="noStrike" cap="none" normalizeH="0" baseline="0" dirty="0" err="1">
+              <a:rPr kumimoji="0" lang="en-US" altLang="en-US" sz="2000" b="0" i="0" u="none" strike="noStrike" cap="none" normalizeH="0" baseline="0" dirty="0" err="1" smtClean="0">
                 <a:ln>
                   <a:noFill/>
                 </a:ln>
@@ -14861,7 +15169,7 @@
               <a:t>i</a:t>
             </a:r>
             <a:r>
-              <a:rPr kumimoji="0" lang="en-US" altLang="en-US" sz="2000" b="0" i="0" u="none" strike="noStrike" cap="none" normalizeH="0" baseline="0" dirty="0">
+              <a:rPr kumimoji="0" lang="en-US" altLang="en-US" sz="2000" b="0" i="0" u="none" strike="noStrike" cap="none" normalizeH="0" baseline="0" dirty="0" smtClean="0">
                 <a:ln>
                   <a:noFill/>
                 </a:ln>
@@ -14875,7 +15183,7 @@
               <a:t> &gt; 0; </a:t>
             </a:r>
             <a:r>
-              <a:rPr kumimoji="0" lang="en-US" altLang="en-US" sz="2000" b="0" i="0" u="none" strike="noStrike" cap="none" normalizeH="0" baseline="0" dirty="0" err="1">
+              <a:rPr kumimoji="0" lang="en-US" altLang="en-US" sz="2000" b="0" i="0" u="none" strike="noStrike" cap="none" normalizeH="0" baseline="0" dirty="0" err="1" smtClean="0">
                 <a:ln>
                   <a:noFill/>
                 </a:ln>
@@ -14889,7 +15197,7 @@
               <a:t>i</a:t>
             </a:r>
             <a:r>
-              <a:rPr kumimoji="0" lang="en-US" altLang="en-US" sz="2000" b="0" i="0" u="none" strike="noStrike" cap="none" normalizeH="0" baseline="0" dirty="0">
+              <a:rPr kumimoji="0" lang="en-US" altLang="en-US" sz="2000" b="0" i="0" u="none" strike="noStrike" cap="none" normalizeH="0" baseline="0" dirty="0" smtClean="0">
                 <a:ln>
                   <a:noFill/>
                 </a:ln>
@@ -14902,7 +15210,7 @@
               </a:rPr>
               <a:t>--) {</a:t>
             </a:r>
-            <a:endParaRPr kumimoji="0" lang="en-US" altLang="en-US" sz="2000" b="0" i="0" u="none" strike="noStrike" cap="none" normalizeH="0" baseline="0" dirty="0">
+            <a:endParaRPr kumimoji="0" lang="en-US" altLang="en-US" sz="2000" b="0" i="0" u="none" strike="noStrike" cap="none" normalizeH="0" baseline="0" dirty="0" smtClean="0">
               <a:ln>
                 <a:noFill/>
               </a:ln>
@@ -14932,7 +15240,7 @@
               <a:tabLst/>
             </a:pPr>
             <a:r>
-              <a:rPr kumimoji="0" lang="en-US" altLang="en-US" sz="2000" b="0" i="0" u="none" strike="noStrike" cap="none" normalizeH="0" baseline="0" dirty="0">
+              <a:rPr kumimoji="0" lang="en-US" altLang="en-US" sz="2000" b="0" i="0" u="none" strike="noStrike" cap="none" normalizeH="0" baseline="0" dirty="0" smtClean="0">
                 <a:ln>
                   <a:noFill/>
                 </a:ln>
@@ -14946,7 +15254,7 @@
               <a:t>     </a:t>
             </a:r>
             <a:r>
-              <a:rPr kumimoji="0" lang="en-US" altLang="en-US" sz="2000" b="0" i="0" u="none" strike="noStrike" cap="none" normalizeH="0" baseline="0" dirty="0" err="1">
+              <a:rPr kumimoji="0" lang="en-US" altLang="en-US" sz="2000" b="0" i="0" u="none" strike="noStrike" cap="none" normalizeH="0" baseline="0" dirty="0" err="1" smtClean="0">
                 <a:ln>
                   <a:noFill/>
                 </a:ln>
@@ -14960,7 +15268,7 @@
               <a:t>System.out.println</a:t>
             </a:r>
             <a:r>
-              <a:rPr kumimoji="0" lang="en-US" altLang="en-US" sz="2000" b="0" i="0" u="none" strike="noStrike" cap="none" normalizeH="0" baseline="0" dirty="0">
+              <a:rPr kumimoji="0" lang="en-US" altLang="en-US" sz="2000" b="0" i="0" u="none" strike="noStrike" cap="none" normalizeH="0" baseline="0" dirty="0" smtClean="0">
                 <a:ln>
                   <a:noFill/>
                 </a:ln>
@@ -14974,7 +15282,7 @@
               <a:t>(name + ": " + </a:t>
             </a:r>
             <a:r>
-              <a:rPr kumimoji="0" lang="en-US" altLang="en-US" sz="2000" b="0" i="0" u="none" strike="noStrike" cap="none" normalizeH="0" baseline="0" dirty="0" err="1">
+              <a:rPr kumimoji="0" lang="en-US" altLang="en-US" sz="2000" b="0" i="0" u="none" strike="noStrike" cap="none" normalizeH="0" baseline="0" dirty="0" err="1" smtClean="0">
                 <a:ln>
                   <a:noFill/>
                 </a:ln>
@@ -14988,7 +15296,7 @@
               <a:t>i</a:t>
             </a:r>
             <a:r>
-              <a:rPr kumimoji="0" lang="en-US" altLang="en-US" sz="2000" b="0" i="0" u="none" strike="noStrike" cap="none" normalizeH="0" baseline="0" dirty="0">
+              <a:rPr kumimoji="0" lang="en-US" altLang="en-US" sz="2000" b="0" i="0" u="none" strike="noStrike" cap="none" normalizeH="0" baseline="0" dirty="0" smtClean="0">
                 <a:ln>
                   <a:noFill/>
                 </a:ln>
@@ -15001,7 +15309,7 @@
               </a:rPr>
               <a:t>);</a:t>
             </a:r>
-            <a:endParaRPr kumimoji="0" lang="en-US" altLang="en-US" sz="2000" b="0" i="0" u="none" strike="noStrike" cap="none" normalizeH="0" baseline="0" dirty="0">
+            <a:endParaRPr kumimoji="0" lang="en-US" altLang="en-US" sz="2000" b="0" i="0" u="none" strike="noStrike" cap="none" normalizeH="0" baseline="0" dirty="0" smtClean="0">
               <a:ln>
                 <a:noFill/>
               </a:ln>
@@ -15031,7 +15339,7 @@
               <a:tabLst/>
             </a:pPr>
             <a:r>
-              <a:rPr kumimoji="0" lang="en-US" altLang="en-US" sz="2000" b="0" i="0" u="none" strike="noStrike" cap="none" normalizeH="0" baseline="0" dirty="0">
+              <a:rPr kumimoji="0" lang="en-US" altLang="en-US" sz="2000" b="0" i="0" u="none" strike="noStrike" cap="none" normalizeH="0" baseline="0" dirty="0" smtClean="0">
                 <a:ln>
                   <a:noFill/>
                 </a:ln>
@@ -15045,7 +15353,7 @@
               <a:t>      </a:t>
             </a:r>
             <a:r>
-              <a:rPr kumimoji="0" lang="en-US" altLang="en-US" sz="2000" b="0" i="0" u="none" strike="noStrike" cap="none" normalizeH="0" baseline="0" dirty="0" err="1">
+              <a:rPr kumimoji="0" lang="en-US" altLang="en-US" sz="2000" b="0" i="0" u="none" strike="noStrike" cap="none" normalizeH="0" baseline="0" dirty="0" err="1" smtClean="0">
                 <a:ln>
                   <a:noFill/>
                 </a:ln>
@@ -15059,7 +15367,7 @@
               <a:t>Thread.sleep</a:t>
             </a:r>
             <a:r>
-              <a:rPr kumimoji="0" lang="en-US" altLang="en-US" sz="2000" b="0" i="0" u="none" strike="noStrike" cap="none" normalizeH="0" baseline="0" dirty="0">
+              <a:rPr kumimoji="0" lang="en-US" altLang="en-US" sz="2000" b="0" i="0" u="none" strike="noStrike" cap="none" normalizeH="0" baseline="0" dirty="0" smtClean="0">
                 <a:ln>
                   <a:noFill/>
                 </a:ln>
@@ -15072,7 +15380,7 @@
               </a:rPr>
               <a:t>(1000);</a:t>
             </a:r>
-            <a:endParaRPr kumimoji="0" lang="en-US" altLang="en-US" sz="2000" b="0" i="0" u="none" strike="noStrike" cap="none" normalizeH="0" baseline="0" dirty="0">
+            <a:endParaRPr kumimoji="0" lang="en-US" altLang="en-US" sz="2000" b="0" i="0" u="none" strike="noStrike" cap="none" normalizeH="0" baseline="0" dirty="0" smtClean="0">
               <a:ln>
                 <a:noFill/>
               </a:ln>
@@ -15102,7 +15410,7 @@
               <a:tabLst/>
             </a:pPr>
             <a:r>
-              <a:rPr kumimoji="0" lang="en-US" altLang="en-US" sz="2000" b="0" i="0" u="none" strike="noStrike" cap="none" normalizeH="0" baseline="0" dirty="0">
+              <a:rPr kumimoji="0" lang="en-US" altLang="en-US" sz="2000" b="0" i="0" u="none" strike="noStrike" cap="none" normalizeH="0" baseline="0" dirty="0" smtClean="0">
                 <a:ln>
                   <a:noFill/>
                 </a:ln>
@@ -15115,7 +15423,7 @@
               </a:rPr>
               <a:t>}</a:t>
             </a:r>
-            <a:endParaRPr kumimoji="0" lang="en-US" altLang="en-US" sz="2000" b="0" i="0" u="none" strike="noStrike" cap="none" normalizeH="0" baseline="0" dirty="0">
+            <a:endParaRPr kumimoji="0" lang="en-US" altLang="en-US" sz="2000" b="0" i="0" u="none" strike="noStrike" cap="none" normalizeH="0" baseline="0" dirty="0" smtClean="0">
               <a:ln>
                 <a:noFill/>
               </a:ln>
@@ -15145,7 +15453,7 @@
               <a:tabLst/>
             </a:pPr>
             <a:r>
-              <a:rPr kumimoji="0" lang="en-US" altLang="en-US" sz="2000" b="0" i="0" u="none" strike="noStrike" cap="none" normalizeH="0" baseline="0" dirty="0">
+              <a:rPr kumimoji="0" lang="en-US" altLang="en-US" sz="2000" b="0" i="0" u="none" strike="noStrike" cap="none" normalizeH="0" baseline="0" dirty="0" smtClean="0">
                 <a:ln>
                   <a:noFill/>
                 </a:ln>
@@ -15159,7 +15467,7 @@
               <a:t>}catch (</a:t>
             </a:r>
             <a:r>
-              <a:rPr kumimoji="0" lang="en-US" altLang="en-US" sz="2000" b="0" i="0" u="none" strike="noStrike" cap="none" normalizeH="0" baseline="0" dirty="0" err="1">
+              <a:rPr kumimoji="0" lang="en-US" altLang="en-US" sz="2000" b="0" i="0" u="none" strike="noStrike" cap="none" normalizeH="0" baseline="0" dirty="0" err="1" smtClean="0">
                 <a:ln>
                   <a:noFill/>
                 </a:ln>
@@ -15173,7 +15481,7 @@
               <a:t>InterruptedException</a:t>
             </a:r>
             <a:r>
-              <a:rPr kumimoji="0" lang="en-US" altLang="en-US" sz="2000" b="0" i="0" u="none" strike="noStrike" cap="none" normalizeH="0" baseline="0" dirty="0">
+              <a:rPr kumimoji="0" lang="en-US" altLang="en-US" sz="2000" b="0" i="0" u="none" strike="noStrike" cap="none" normalizeH="0" baseline="0" dirty="0" smtClean="0">
                 <a:ln>
                   <a:noFill/>
                 </a:ln>
@@ -15186,7 +15494,7 @@
               </a:rPr>
               <a:t> e) {</a:t>
             </a:r>
-            <a:endParaRPr kumimoji="0" lang="en-US" altLang="en-US" sz="2000" b="0" i="0" u="none" strike="noStrike" cap="none" normalizeH="0" baseline="0" dirty="0">
+            <a:endParaRPr kumimoji="0" lang="en-US" altLang="en-US" sz="2000" b="0" i="0" u="none" strike="noStrike" cap="none" normalizeH="0" baseline="0" dirty="0" smtClean="0">
               <a:ln>
                 <a:noFill/>
               </a:ln>
@@ -15216,7 +15524,7 @@
               <a:tabLst/>
             </a:pPr>
             <a:r>
-              <a:rPr kumimoji="0" lang="en-US" altLang="en-US" sz="2000" b="0" i="0" u="none" strike="noStrike" cap="none" normalizeH="0" baseline="0" dirty="0">
+              <a:rPr kumimoji="0" lang="en-US" altLang="en-US" sz="2000" b="0" i="0" u="none" strike="noStrike" cap="none" normalizeH="0" baseline="0" dirty="0" smtClean="0">
                 <a:ln>
                   <a:noFill/>
                 </a:ln>
@@ -15230,7 +15538,7 @@
               <a:t>     </a:t>
             </a:r>
             <a:r>
-              <a:rPr kumimoji="0" lang="en-US" altLang="en-US" sz="2000" b="0" i="0" u="none" strike="noStrike" cap="none" normalizeH="0" baseline="0" dirty="0" err="1">
+              <a:rPr kumimoji="0" lang="en-US" altLang="en-US" sz="2000" b="0" i="0" u="none" strike="noStrike" cap="none" normalizeH="0" baseline="0" dirty="0" err="1" smtClean="0">
                 <a:ln>
                   <a:noFill/>
                 </a:ln>
@@ -15244,7 +15552,7 @@
               <a:t>System.out.println</a:t>
             </a:r>
             <a:r>
-              <a:rPr kumimoji="0" lang="en-US" altLang="en-US" sz="2000" b="0" i="0" u="none" strike="noStrike" cap="none" normalizeH="0" baseline="0" dirty="0">
+              <a:rPr kumimoji="0" lang="en-US" altLang="en-US" sz="2000" b="0" i="0" u="none" strike="noStrike" cap="none" normalizeH="0" baseline="0" dirty="0" smtClean="0">
                 <a:ln>
                   <a:noFill/>
                 </a:ln>
@@ -15257,7 +15565,7 @@
               </a:rPr>
               <a:t>(name + "Interrupted");</a:t>
             </a:r>
-            <a:endParaRPr kumimoji="0" lang="en-US" altLang="en-US" sz="2000" b="0" i="0" u="none" strike="noStrike" cap="none" normalizeH="0" baseline="0" dirty="0">
+            <a:endParaRPr kumimoji="0" lang="en-US" altLang="en-US" sz="2000" b="0" i="0" u="none" strike="noStrike" cap="none" normalizeH="0" baseline="0" dirty="0" smtClean="0">
               <a:ln>
                 <a:noFill/>
               </a:ln>
@@ -15287,7 +15595,7 @@
               <a:tabLst/>
             </a:pPr>
             <a:r>
-              <a:rPr kumimoji="0" lang="en-US" altLang="en-US" sz="2000" b="0" i="0" u="none" strike="noStrike" cap="none" normalizeH="0" baseline="0" dirty="0">
+              <a:rPr kumimoji="0" lang="en-US" altLang="en-US" sz="2000" b="0" i="0" u="none" strike="noStrike" cap="none" normalizeH="0" baseline="0" dirty="0" smtClean="0">
                 <a:ln>
                   <a:noFill/>
                 </a:ln>
@@ -15300,7 +15608,7 @@
               </a:rPr>
               <a:t>}</a:t>
             </a:r>
-            <a:endParaRPr kumimoji="0" lang="en-US" altLang="en-US" sz="2000" b="0" i="0" u="none" strike="noStrike" cap="none" normalizeH="0" baseline="0" dirty="0">
+            <a:endParaRPr kumimoji="0" lang="en-US" altLang="en-US" sz="2000" b="0" i="0" u="none" strike="noStrike" cap="none" normalizeH="0" baseline="0" dirty="0" smtClean="0">
               <a:ln>
                 <a:noFill/>
               </a:ln>
@@ -15330,7 +15638,7 @@
               <a:tabLst/>
             </a:pPr>
             <a:r>
-              <a:rPr kumimoji="0" lang="en-US" altLang="en-US" sz="2000" b="0" i="0" u="none" strike="noStrike" cap="none" normalizeH="0" baseline="0" dirty="0">
+              <a:rPr kumimoji="0" lang="en-US" altLang="en-US" sz="2000" b="0" i="0" u="none" strike="noStrike" cap="none" normalizeH="0" baseline="0" dirty="0" smtClean="0">
                 <a:ln>
                   <a:noFill/>
                 </a:ln>
@@ -15344,7 +15652,7 @@
               <a:t>     </a:t>
             </a:r>
             <a:r>
-              <a:rPr kumimoji="0" lang="en-US" altLang="en-US" sz="2000" b="0" i="0" u="none" strike="noStrike" cap="none" normalizeH="0" baseline="0" dirty="0" err="1">
+              <a:rPr kumimoji="0" lang="en-US" altLang="en-US" sz="2000" b="0" i="0" u="none" strike="noStrike" cap="none" normalizeH="0" baseline="0" dirty="0" err="1" smtClean="0">
                 <a:ln>
                   <a:noFill/>
                 </a:ln>
@@ -15358,7 +15666,7 @@
               <a:t>System.out.println</a:t>
             </a:r>
             <a:r>
-              <a:rPr kumimoji="0" lang="en-US" altLang="en-US" sz="2000" b="0" i="0" u="none" strike="noStrike" cap="none" normalizeH="0" baseline="0" dirty="0">
+              <a:rPr kumimoji="0" lang="en-US" altLang="en-US" sz="2000" b="0" i="0" u="none" strike="noStrike" cap="none" normalizeH="0" baseline="0" dirty="0" smtClean="0">
                 <a:ln>
                   <a:noFill/>
                 </a:ln>
@@ -15371,7 +15679,7 @@
               </a:rPr>
               <a:t>(name + " exiting.");</a:t>
             </a:r>
-            <a:endParaRPr kumimoji="0" lang="en-US" altLang="en-US" sz="2000" b="0" i="0" u="none" strike="noStrike" cap="none" normalizeH="0" baseline="0" dirty="0">
+            <a:endParaRPr kumimoji="0" lang="en-US" altLang="en-US" sz="2000" b="0" i="0" u="none" strike="noStrike" cap="none" normalizeH="0" baseline="0" dirty="0" smtClean="0">
               <a:ln>
                 <a:noFill/>
               </a:ln>
@@ -15401,7 +15709,7 @@
               <a:tabLst/>
             </a:pPr>
             <a:r>
-              <a:rPr kumimoji="0" lang="en-US" altLang="en-US" sz="2000" b="0" i="0" u="none" strike="noStrike" cap="none" normalizeH="0" baseline="0" dirty="0">
+              <a:rPr kumimoji="0" lang="en-US" altLang="en-US" sz="2000" b="0" i="0" u="none" strike="noStrike" cap="none" normalizeH="0" baseline="0" dirty="0" smtClean="0">
                 <a:ln>
                   <a:noFill/>
                 </a:ln>
@@ -15414,7 +15722,7 @@
               </a:rPr>
               <a:t>}</a:t>
             </a:r>
-            <a:endParaRPr kumimoji="0" lang="en-US" altLang="en-US" sz="2000" b="0" i="0" u="none" strike="noStrike" cap="none" normalizeH="0" baseline="0" dirty="0">
+            <a:endParaRPr kumimoji="0" lang="en-US" altLang="en-US" sz="2000" b="0" i="0" u="none" strike="noStrike" cap="none" normalizeH="0" baseline="0" dirty="0" smtClean="0">
               <a:ln>
                 <a:noFill/>
               </a:ln>
@@ -15444,7 +15752,7 @@
               <a:tabLst/>
             </a:pPr>
             <a:r>
-              <a:rPr kumimoji="0" lang="en-US" altLang="en-US" sz="2000" b="0" i="0" u="none" strike="noStrike" cap="none" normalizeH="0" baseline="0" dirty="0">
+              <a:rPr kumimoji="0" lang="en-US" altLang="en-US" sz="2000" b="0" i="0" u="none" strike="noStrike" cap="none" normalizeH="0" baseline="0" dirty="0" smtClean="0">
                 <a:ln>
                   <a:noFill/>
                 </a:ln>
@@ -15457,7 +15765,7 @@
               </a:rPr>
               <a:t>}</a:t>
             </a:r>
-            <a:endParaRPr kumimoji="0" lang="en-US" altLang="en-US" sz="2000" b="0" i="0" u="none" strike="noStrike" cap="none" normalizeH="0" baseline="0" dirty="0">
+            <a:endParaRPr kumimoji="0" lang="en-US" altLang="en-US" sz="2000" b="0" i="0" u="none" strike="noStrike" cap="none" normalizeH="0" baseline="0" dirty="0" smtClean="0">
               <a:ln>
                 <a:noFill/>
               </a:ln>
@@ -15511,7 +15819,7 @@
               <a:buNone/>
               <a:tabLst/>
             </a:pPr>
-            <a:endParaRPr kumimoji="0" lang="en-US" altLang="en-US" sz="2000" b="0" i="0" u="none" strike="noStrike" cap="none" normalizeH="0" baseline="0" dirty="0">
+            <a:endParaRPr kumimoji="0" lang="en-US" altLang="en-US" sz="2000" b="0" i="0" u="none" strike="noStrike" cap="none" normalizeH="0" baseline="0" dirty="0" smtClean="0">
               <a:ln>
                 <a:noFill/>
               </a:ln>
@@ -15566,7 +15874,7 @@
               <a:tabLst/>
             </a:pPr>
             <a:r>
-              <a:rPr kumimoji="0" lang="en-US" altLang="en-US" sz="2000" b="0" i="0" u="none" strike="noStrike" cap="none" normalizeH="0" baseline="0" dirty="0">
+              <a:rPr kumimoji="0" lang="en-US" altLang="en-US" sz="2000" b="0" i="0" u="none" strike="noStrike" cap="none" normalizeH="0" baseline="0" dirty="0" smtClean="0">
                 <a:ln>
                   <a:noFill/>
                 </a:ln>
@@ -15580,7 +15888,7 @@
               <a:t>class </a:t>
             </a:r>
             <a:r>
-              <a:rPr kumimoji="0" lang="en-US" altLang="en-US" sz="2000" b="0" i="0" u="none" strike="noStrike" cap="none" normalizeH="0" baseline="0" dirty="0" err="1">
+              <a:rPr kumimoji="0" lang="en-US" altLang="en-US" sz="2000" b="0" i="0" u="none" strike="noStrike" cap="none" normalizeH="0" baseline="0" dirty="0" err="1" smtClean="0">
                 <a:ln>
                   <a:noFill/>
                 </a:ln>
@@ -15594,7 +15902,7 @@
               <a:t>MultiThread</a:t>
             </a:r>
             <a:r>
-              <a:rPr kumimoji="0" lang="en-US" altLang="en-US" sz="2000" b="0" i="0" u="none" strike="noStrike" cap="none" normalizeH="0" baseline="0" dirty="0">
+              <a:rPr kumimoji="0" lang="en-US" altLang="en-US" sz="2000" b="0" i="0" u="none" strike="noStrike" cap="none" normalizeH="0" baseline="0" dirty="0" smtClean="0">
                 <a:ln>
                   <a:noFill/>
                 </a:ln>
@@ -15607,7 +15915,7 @@
               </a:rPr>
               <a:t> {</a:t>
             </a:r>
-            <a:endParaRPr kumimoji="0" lang="en-US" altLang="en-US" sz="2000" b="0" i="0" u="none" strike="noStrike" cap="none" normalizeH="0" baseline="0" dirty="0">
+            <a:endParaRPr kumimoji="0" lang="en-US" altLang="en-US" sz="2000" b="0" i="0" u="none" strike="noStrike" cap="none" normalizeH="0" baseline="0" dirty="0" smtClean="0">
               <a:ln>
                 <a:noFill/>
               </a:ln>
@@ -15637,7 +15945,7 @@
               <a:tabLst/>
             </a:pPr>
             <a:r>
-              <a:rPr kumimoji="0" lang="en-US" altLang="en-US" sz="2000" b="0" i="0" u="none" strike="noStrike" cap="none" normalizeH="0" baseline="0" dirty="0">
+              <a:rPr kumimoji="0" lang="en-US" altLang="en-US" sz="2000" b="0" i="0" u="none" strike="noStrike" cap="none" normalizeH="0" baseline="0" dirty="0" smtClean="0">
                 <a:ln>
                   <a:noFill/>
                 </a:ln>
@@ -15651,7 +15959,7 @@
               <a:t>public static void main(String </a:t>
             </a:r>
             <a:r>
-              <a:rPr kumimoji="0" lang="en-US" altLang="en-US" sz="2000" b="0" i="0" u="none" strike="noStrike" cap="none" normalizeH="0" baseline="0" dirty="0" err="1">
+              <a:rPr kumimoji="0" lang="en-US" altLang="en-US" sz="2000" b="0" i="0" u="none" strike="noStrike" cap="none" normalizeH="0" baseline="0" dirty="0" err="1" smtClean="0">
                 <a:ln>
                   <a:noFill/>
                 </a:ln>
@@ -15665,7 +15973,7 @@
               <a:t>args</a:t>
             </a:r>
             <a:r>
-              <a:rPr kumimoji="0" lang="en-US" altLang="en-US" sz="2000" b="0" i="0" u="none" strike="noStrike" cap="none" normalizeH="0" baseline="0" dirty="0">
+              <a:rPr kumimoji="0" lang="en-US" altLang="en-US" sz="2000" b="0" i="0" u="none" strike="noStrike" cap="none" normalizeH="0" baseline="0" dirty="0" smtClean="0">
                 <a:ln>
                   <a:noFill/>
                 </a:ln>
@@ -15678,7 +15986,7 @@
               </a:rPr>
               <a:t>[]) {</a:t>
             </a:r>
-            <a:endParaRPr kumimoji="0" lang="en-US" altLang="en-US" sz="2000" b="0" i="0" u="none" strike="noStrike" cap="none" normalizeH="0" baseline="0" dirty="0">
+            <a:endParaRPr kumimoji="0" lang="en-US" altLang="en-US" sz="2000" b="0" i="0" u="none" strike="noStrike" cap="none" normalizeH="0" baseline="0" dirty="0" smtClean="0">
               <a:ln>
                 <a:noFill/>
               </a:ln>
@@ -15708,7 +16016,7 @@
               <a:tabLst/>
             </a:pPr>
             <a:r>
-              <a:rPr kumimoji="0" lang="en-US" altLang="en-US" sz="2000" b="0" i="0" u="none" strike="noStrike" cap="none" normalizeH="0" baseline="0" dirty="0">
+              <a:rPr kumimoji="0" lang="en-US" altLang="en-US" sz="2000" b="0" i="0" u="none" strike="noStrike" cap="none" normalizeH="0" baseline="0" dirty="0" smtClean="0">
                 <a:ln>
                   <a:noFill/>
                 </a:ln>
@@ -15722,7 +16030,7 @@
               <a:t>     new </a:t>
             </a:r>
             <a:r>
-              <a:rPr kumimoji="0" lang="en-US" altLang="en-US" sz="2000" b="0" i="0" u="none" strike="noStrike" cap="none" normalizeH="0" baseline="0" dirty="0" err="1">
+              <a:rPr kumimoji="0" lang="en-US" altLang="en-US" sz="2000" b="0" i="0" u="none" strike="noStrike" cap="none" normalizeH="0" baseline="0" dirty="0" err="1" smtClean="0">
                 <a:ln>
                   <a:noFill/>
                 </a:ln>
@@ -15736,7 +16044,7 @@
               <a:t>MyThread</a:t>
             </a:r>
             <a:r>
-              <a:rPr kumimoji="0" lang="en-US" altLang="en-US" sz="2000" b="0" i="0" u="none" strike="noStrike" cap="none" normalizeH="0" baseline="0" dirty="0">
+              <a:rPr kumimoji="0" lang="en-US" altLang="en-US" sz="2000" b="0" i="0" u="none" strike="noStrike" cap="none" normalizeH="0" baseline="0" dirty="0" smtClean="0">
                 <a:ln>
                   <a:noFill/>
                 </a:ln>
@@ -15749,7 +16057,7 @@
               </a:rPr>
               <a:t>("One");</a:t>
             </a:r>
-            <a:endParaRPr kumimoji="0" lang="en-US" altLang="en-US" sz="2000" b="0" i="0" u="none" strike="noStrike" cap="none" normalizeH="0" baseline="0" dirty="0">
+            <a:endParaRPr kumimoji="0" lang="en-US" altLang="en-US" sz="2000" b="0" i="0" u="none" strike="noStrike" cap="none" normalizeH="0" baseline="0" dirty="0" smtClean="0">
               <a:ln>
                 <a:noFill/>
               </a:ln>
@@ -15779,7 +16087,7 @@
               <a:tabLst/>
             </a:pPr>
             <a:r>
-              <a:rPr kumimoji="0" lang="en-US" altLang="en-US" sz="2000" b="0" i="0" u="none" strike="noStrike" cap="none" normalizeH="0" baseline="0" dirty="0">
+              <a:rPr kumimoji="0" lang="en-US" altLang="en-US" sz="2000" b="0" i="0" u="none" strike="noStrike" cap="none" normalizeH="0" baseline="0" dirty="0" smtClean="0">
                 <a:ln>
                   <a:noFill/>
                 </a:ln>
@@ -15793,7 +16101,7 @@
               <a:t>     new </a:t>
             </a:r>
             <a:r>
-              <a:rPr kumimoji="0" lang="en-US" altLang="en-US" sz="2000" b="0" i="0" u="none" strike="noStrike" cap="none" normalizeH="0" baseline="0" dirty="0" err="1">
+              <a:rPr kumimoji="0" lang="en-US" altLang="en-US" sz="2000" b="0" i="0" u="none" strike="noStrike" cap="none" normalizeH="0" baseline="0" dirty="0" err="1" smtClean="0">
                 <a:ln>
                   <a:noFill/>
                 </a:ln>
@@ -15807,7 +16115,7 @@
               <a:t>MyThread</a:t>
             </a:r>
             <a:r>
-              <a:rPr kumimoji="0" lang="en-US" altLang="en-US" sz="2000" b="0" i="0" u="none" strike="noStrike" cap="none" normalizeH="0" baseline="0" dirty="0">
+              <a:rPr kumimoji="0" lang="en-US" altLang="en-US" sz="2000" b="0" i="0" u="none" strike="noStrike" cap="none" normalizeH="0" baseline="0" dirty="0" smtClean="0">
                 <a:ln>
                   <a:noFill/>
                 </a:ln>
@@ -15820,7 +16128,7 @@
               </a:rPr>
               <a:t>("Two");</a:t>
             </a:r>
-            <a:endParaRPr kumimoji="0" lang="en-US" altLang="en-US" sz="2000" b="0" i="0" u="none" strike="noStrike" cap="none" normalizeH="0" baseline="0" dirty="0">
+            <a:endParaRPr kumimoji="0" lang="en-US" altLang="en-US" sz="2000" b="0" i="0" u="none" strike="noStrike" cap="none" normalizeH="0" baseline="0" dirty="0" smtClean="0">
               <a:ln>
                 <a:noFill/>
               </a:ln>
@@ -15850,7 +16158,7 @@
               <a:tabLst/>
             </a:pPr>
             <a:r>
-              <a:rPr kumimoji="0" lang="en-US" altLang="en-US" sz="2000" b="0" i="0" u="none" strike="noStrike" cap="none" normalizeH="0" baseline="0" dirty="0">
+              <a:rPr kumimoji="0" lang="en-US" altLang="en-US" sz="2000" b="0" i="0" u="none" strike="noStrike" cap="none" normalizeH="0" baseline="0" dirty="0" smtClean="0">
                 <a:ln>
                   <a:noFill/>
                 </a:ln>
@@ -15864,17 +16172,7 @@
               <a:t>     new </a:t>
             </a:r>
             <a:r>
-              <a:rPr lang="en-US" altLang="en-US" sz="2000" dirty="0" err="1">
-                <a:solidFill>
-                  <a:srgbClr val="000000"/>
-                </a:solidFill>
-                <a:latin typeface="Times New Roman" panose="02020603050405020304" pitchFamily="18" charset="0"/>
-                <a:cs typeface="Times New Roman" panose="02020603050405020304" pitchFamily="18" charset="0"/>
-              </a:rPr>
-              <a:t>My</a:t>
-            </a:r>
-            <a:r>
-              <a:rPr kumimoji="0" lang="en-US" altLang="en-US" sz="2000" b="0" i="0" u="none" strike="noStrike" cap="none" normalizeH="0" baseline="0" dirty="0" err="1">
+              <a:rPr kumimoji="0" lang="en-US" altLang="en-US" sz="2000" b="0" i="0" u="none" strike="noStrike" cap="none" normalizeH="0" baseline="0" dirty="0" err="1" smtClean="0">
                 <a:ln>
                   <a:noFill/>
                 </a:ln>
@@ -15885,10 +16183,10 @@
                 <a:latin typeface="Times New Roman" panose="02020603050405020304" pitchFamily="18" charset="0"/>
                 <a:cs typeface="Times New Roman" panose="02020603050405020304" pitchFamily="18" charset="0"/>
               </a:rPr>
-              <a:t>Thread</a:t>
-            </a:r>
-            <a:r>
-              <a:rPr kumimoji="0" lang="en-US" altLang="en-US" sz="2000" b="0" i="0" u="none" strike="noStrike" cap="none" normalizeH="0" baseline="0" dirty="0">
+              <a:t>NewThread</a:t>
+            </a:r>
+            <a:r>
+              <a:rPr kumimoji="0" lang="en-US" altLang="en-US" sz="2000" b="0" i="0" u="none" strike="noStrike" cap="none" normalizeH="0" baseline="0" dirty="0" smtClean="0">
                 <a:ln>
                   <a:noFill/>
                 </a:ln>
@@ -15901,7 +16199,7 @@
               </a:rPr>
               <a:t>("Three");</a:t>
             </a:r>
-            <a:endParaRPr kumimoji="0" lang="en-US" altLang="en-US" sz="2000" b="0" i="0" u="none" strike="noStrike" cap="none" normalizeH="0" baseline="0" dirty="0">
+            <a:endParaRPr kumimoji="0" lang="en-US" altLang="en-US" sz="2000" b="0" i="0" u="none" strike="noStrike" cap="none" normalizeH="0" baseline="0" dirty="0" smtClean="0">
               <a:ln>
                 <a:noFill/>
               </a:ln>
@@ -15931,7 +16229,7 @@
               <a:tabLst/>
             </a:pPr>
             <a:r>
-              <a:rPr kumimoji="0" lang="en-US" altLang="en-US" sz="2000" b="0" i="0" u="none" strike="noStrike" cap="none" normalizeH="0" baseline="0" dirty="0">
+              <a:rPr kumimoji="0" lang="en-US" altLang="en-US" sz="2000" b="0" i="0" u="none" strike="noStrike" cap="none" normalizeH="0" baseline="0" dirty="0" smtClean="0">
                 <a:ln>
                   <a:noFill/>
                 </a:ln>
@@ -15944,7 +16242,7 @@
               </a:rPr>
               <a:t>try {</a:t>
             </a:r>
-            <a:endParaRPr kumimoji="0" lang="en-US" altLang="en-US" sz="2000" b="0" i="0" u="none" strike="noStrike" cap="none" normalizeH="0" baseline="0" dirty="0">
+            <a:endParaRPr kumimoji="0" lang="en-US" altLang="en-US" sz="2000" b="0" i="0" u="none" strike="noStrike" cap="none" normalizeH="0" baseline="0" dirty="0" smtClean="0">
               <a:ln>
                 <a:noFill/>
               </a:ln>
@@ -15974,7 +16272,7 @@
               <a:tabLst/>
             </a:pPr>
             <a:r>
-              <a:rPr kumimoji="0" lang="en-US" altLang="en-US" sz="2000" b="0" i="0" u="none" strike="noStrike" cap="none" normalizeH="0" baseline="0" dirty="0">
+              <a:rPr kumimoji="0" lang="en-US" altLang="en-US" sz="2000" b="0" i="0" u="none" strike="noStrike" cap="none" normalizeH="0" baseline="0" dirty="0" smtClean="0">
                 <a:ln>
                   <a:noFill/>
                 </a:ln>
@@ -15988,7 +16286,7 @@
               <a:t>     </a:t>
             </a:r>
             <a:r>
-              <a:rPr kumimoji="0" lang="en-US" altLang="en-US" sz="2000" b="0" i="0" u="none" strike="noStrike" cap="none" normalizeH="0" baseline="0" dirty="0" err="1">
+              <a:rPr kumimoji="0" lang="en-US" altLang="en-US" sz="2000" b="0" i="0" u="none" strike="noStrike" cap="none" normalizeH="0" baseline="0" dirty="0" err="1" smtClean="0">
                 <a:ln>
                   <a:noFill/>
                 </a:ln>
@@ -16002,7 +16300,7 @@
               <a:t>Thread.sleep</a:t>
             </a:r>
             <a:r>
-              <a:rPr kumimoji="0" lang="en-US" altLang="en-US" sz="2000" b="0" i="0" u="none" strike="noStrike" cap="none" normalizeH="0" baseline="0" dirty="0">
+              <a:rPr kumimoji="0" lang="en-US" altLang="en-US" sz="2000" b="0" i="0" u="none" strike="noStrike" cap="none" normalizeH="0" baseline="0" dirty="0" smtClean="0">
                 <a:ln>
                   <a:noFill/>
                 </a:ln>
@@ -16015,7 +16313,7 @@
               </a:rPr>
               <a:t>(10000);</a:t>
             </a:r>
-            <a:endParaRPr kumimoji="0" lang="en-US" altLang="en-US" sz="2000" b="0" i="0" u="none" strike="noStrike" cap="none" normalizeH="0" baseline="0" dirty="0">
+            <a:endParaRPr kumimoji="0" lang="en-US" altLang="en-US" sz="2000" b="0" i="0" u="none" strike="noStrike" cap="none" normalizeH="0" baseline="0" dirty="0" smtClean="0">
               <a:ln>
                 <a:noFill/>
               </a:ln>
@@ -16045,7 +16343,7 @@
               <a:tabLst/>
             </a:pPr>
             <a:r>
-              <a:rPr kumimoji="0" lang="en-US" altLang="en-US" sz="2000" b="0" i="0" u="none" strike="noStrike" cap="none" normalizeH="0" baseline="0" dirty="0">
+              <a:rPr kumimoji="0" lang="en-US" altLang="en-US" sz="2000" b="0" i="0" u="none" strike="noStrike" cap="none" normalizeH="0" baseline="0" dirty="0" smtClean="0">
                 <a:ln>
                   <a:noFill/>
                 </a:ln>
@@ -16059,7 +16357,7 @@
               <a:t>} catch (</a:t>
             </a:r>
             <a:r>
-              <a:rPr kumimoji="0" lang="en-US" altLang="en-US" sz="2000" b="0" i="0" u="none" strike="noStrike" cap="none" normalizeH="0" baseline="0" dirty="0" err="1">
+              <a:rPr kumimoji="0" lang="en-US" altLang="en-US" sz="2000" b="0" i="0" u="none" strike="noStrike" cap="none" normalizeH="0" baseline="0" dirty="0" err="1" smtClean="0">
                 <a:ln>
                   <a:noFill/>
                 </a:ln>
@@ -16073,7 +16371,7 @@
               <a:t>InterruptedException</a:t>
             </a:r>
             <a:r>
-              <a:rPr kumimoji="0" lang="en-US" altLang="en-US" sz="2000" b="0" i="0" u="none" strike="noStrike" cap="none" normalizeH="0" baseline="0" dirty="0">
+              <a:rPr kumimoji="0" lang="en-US" altLang="en-US" sz="2000" b="0" i="0" u="none" strike="noStrike" cap="none" normalizeH="0" baseline="0" dirty="0" smtClean="0">
                 <a:ln>
                   <a:noFill/>
                 </a:ln>
@@ -16086,7 +16384,7 @@
               </a:rPr>
               <a:t> e) {</a:t>
             </a:r>
-            <a:endParaRPr kumimoji="0" lang="en-US" altLang="en-US" sz="2000" b="0" i="0" u="none" strike="noStrike" cap="none" normalizeH="0" baseline="0" dirty="0">
+            <a:endParaRPr kumimoji="0" lang="en-US" altLang="en-US" sz="2000" b="0" i="0" u="none" strike="noStrike" cap="none" normalizeH="0" baseline="0" dirty="0" smtClean="0">
               <a:ln>
                 <a:noFill/>
               </a:ln>
@@ -16116,7 +16414,7 @@
               <a:tabLst/>
             </a:pPr>
             <a:r>
-              <a:rPr kumimoji="0" lang="en-US" altLang="en-US" sz="2000" b="0" i="0" u="none" strike="noStrike" cap="none" normalizeH="0" baseline="0" dirty="0">
+              <a:rPr kumimoji="0" lang="en-US" altLang="en-US" sz="2000" b="0" i="0" u="none" strike="noStrike" cap="none" normalizeH="0" baseline="0" dirty="0" smtClean="0">
                 <a:ln>
                   <a:noFill/>
                 </a:ln>
@@ -16130,7 +16428,7 @@
               <a:t>      </a:t>
             </a:r>
             <a:r>
-              <a:rPr kumimoji="0" lang="en-US" altLang="en-US" sz="2000" b="0" i="0" u="none" strike="noStrike" cap="none" normalizeH="0" baseline="0" dirty="0" err="1">
+              <a:rPr kumimoji="0" lang="en-US" altLang="en-US" sz="2000" b="0" i="0" u="none" strike="noStrike" cap="none" normalizeH="0" baseline="0" dirty="0" err="1" smtClean="0">
                 <a:ln>
                   <a:noFill/>
                 </a:ln>
@@ -16144,7 +16442,7 @@
               <a:t>System.out.println</a:t>
             </a:r>
             <a:r>
-              <a:rPr kumimoji="0" lang="en-US" altLang="en-US" sz="2000" b="0" i="0" u="none" strike="noStrike" cap="none" normalizeH="0" baseline="0" dirty="0">
+              <a:rPr kumimoji="0" lang="en-US" altLang="en-US" sz="2000" b="0" i="0" u="none" strike="noStrike" cap="none" normalizeH="0" baseline="0" dirty="0" smtClean="0">
                 <a:ln>
                   <a:noFill/>
                 </a:ln>
@@ -16157,7 +16455,7 @@
               </a:rPr>
               <a:t>("Main thread Interrupted");</a:t>
             </a:r>
-            <a:endParaRPr kumimoji="0" lang="en-US" altLang="en-US" sz="2000" b="0" i="0" u="none" strike="noStrike" cap="none" normalizeH="0" baseline="0" dirty="0">
+            <a:endParaRPr kumimoji="0" lang="en-US" altLang="en-US" sz="2000" b="0" i="0" u="none" strike="noStrike" cap="none" normalizeH="0" baseline="0" dirty="0" smtClean="0">
               <a:ln>
                 <a:noFill/>
               </a:ln>
@@ -16187,7 +16485,7 @@
               <a:tabLst/>
             </a:pPr>
             <a:r>
-              <a:rPr kumimoji="0" lang="en-US" altLang="en-US" sz="2000" b="0" i="0" u="none" strike="noStrike" cap="none" normalizeH="0" baseline="0" dirty="0">
+              <a:rPr kumimoji="0" lang="en-US" altLang="en-US" sz="2000" b="0" i="0" u="none" strike="noStrike" cap="none" normalizeH="0" baseline="0" dirty="0" smtClean="0">
                 <a:ln>
                   <a:noFill/>
                 </a:ln>
@@ -16200,7 +16498,7 @@
               </a:rPr>
               <a:t>}</a:t>
             </a:r>
-            <a:endParaRPr kumimoji="0" lang="en-US" altLang="en-US" sz="2000" b="0" i="0" u="none" strike="noStrike" cap="none" normalizeH="0" baseline="0" dirty="0">
+            <a:endParaRPr kumimoji="0" lang="en-US" altLang="en-US" sz="2000" b="0" i="0" u="none" strike="noStrike" cap="none" normalizeH="0" baseline="0" dirty="0" smtClean="0">
               <a:ln>
                 <a:noFill/>
               </a:ln>
@@ -16230,7 +16528,7 @@
               <a:tabLst/>
             </a:pPr>
             <a:r>
-              <a:rPr kumimoji="0" lang="en-US" altLang="en-US" sz="2000" b="0" i="0" u="none" strike="noStrike" cap="none" normalizeH="0" baseline="0" dirty="0">
+              <a:rPr kumimoji="0" lang="en-US" altLang="en-US" sz="2000" b="0" i="0" u="none" strike="noStrike" cap="none" normalizeH="0" baseline="0" dirty="0" smtClean="0">
                 <a:ln>
                   <a:noFill/>
                 </a:ln>
@@ -16244,7 +16542,7 @@
               <a:t>      </a:t>
             </a:r>
             <a:r>
-              <a:rPr kumimoji="0" lang="en-US" altLang="en-US" sz="2000" b="0" i="0" u="none" strike="noStrike" cap="none" normalizeH="0" baseline="0" dirty="0" err="1">
+              <a:rPr kumimoji="0" lang="en-US" altLang="en-US" sz="2000" b="0" i="0" u="none" strike="noStrike" cap="none" normalizeH="0" baseline="0" dirty="0" err="1" smtClean="0">
                 <a:ln>
                   <a:noFill/>
                 </a:ln>
@@ -16258,7 +16556,7 @@
               <a:t>System.out.println</a:t>
             </a:r>
             <a:r>
-              <a:rPr kumimoji="0" lang="en-US" altLang="en-US" sz="2000" b="0" i="0" u="none" strike="noStrike" cap="none" normalizeH="0" baseline="0" dirty="0">
+              <a:rPr kumimoji="0" lang="en-US" altLang="en-US" sz="2000" b="0" i="0" u="none" strike="noStrike" cap="none" normalizeH="0" baseline="0" dirty="0" smtClean="0">
                 <a:ln>
                   <a:noFill/>
                 </a:ln>
@@ -16271,7 +16569,7 @@
               </a:rPr>
               <a:t>("Main thread exiting.");</a:t>
             </a:r>
-            <a:endParaRPr kumimoji="0" lang="en-US" altLang="en-US" sz="2000" b="0" i="0" u="none" strike="noStrike" cap="none" normalizeH="0" baseline="0" dirty="0">
+            <a:endParaRPr kumimoji="0" lang="en-US" altLang="en-US" sz="2000" b="0" i="0" u="none" strike="noStrike" cap="none" normalizeH="0" baseline="0" dirty="0" smtClean="0">
               <a:ln>
                 <a:noFill/>
               </a:ln>
@@ -16301,7 +16599,7 @@
               <a:tabLst/>
             </a:pPr>
             <a:r>
-              <a:rPr kumimoji="0" lang="en-US" altLang="en-US" sz="2000" b="0" i="0" u="none" strike="noStrike" cap="none" normalizeH="0" baseline="0" dirty="0">
+              <a:rPr kumimoji="0" lang="en-US" altLang="en-US" sz="2000" b="0" i="0" u="none" strike="noStrike" cap="none" normalizeH="0" baseline="0" dirty="0" smtClean="0">
                 <a:ln>
                   <a:noFill/>
                 </a:ln>
@@ -16314,7 +16612,7 @@
               </a:rPr>
               <a:t>      }</a:t>
             </a:r>
-            <a:endParaRPr kumimoji="0" lang="en-US" altLang="en-US" sz="2000" b="0" i="0" u="none" strike="noStrike" cap="none" normalizeH="0" baseline="0" dirty="0">
+            <a:endParaRPr kumimoji="0" lang="en-US" altLang="en-US" sz="2000" b="0" i="0" u="none" strike="noStrike" cap="none" normalizeH="0" baseline="0" dirty="0" smtClean="0">
               <a:ln>
                 <a:noFill/>
               </a:ln>
@@ -16344,7 +16642,7 @@
               <a:tabLst/>
             </a:pPr>
             <a:r>
-              <a:rPr kumimoji="0" lang="en-US" altLang="en-US" sz="2000" b="0" i="0" u="none" strike="noStrike" cap="none" normalizeH="0" baseline="0" dirty="0">
+              <a:rPr kumimoji="0" lang="en-US" altLang="en-US" sz="2000" b="0" i="0" u="none" strike="noStrike" cap="none" normalizeH="0" baseline="0" dirty="0" smtClean="0">
                 <a:ln>
                   <a:noFill/>
                 </a:ln>
@@ -16357,7 +16655,7 @@
               </a:rPr>
               <a:t>}</a:t>
             </a:r>
-            <a:endParaRPr kumimoji="0" lang="en-US" altLang="en-US" sz="2000" b="0" i="0" u="none" strike="noStrike" cap="none" normalizeH="0" baseline="0" dirty="0">
+            <a:endParaRPr kumimoji="0" lang="en-US" altLang="en-US" sz="2000" b="0" i="0" u="none" strike="noStrike" cap="none" normalizeH="0" baseline="0" dirty="0" smtClean="0">
               <a:ln>
                 <a:noFill/>
               </a:ln>
@@ -16381,6 +16679,13 @@
   <p:clrMapOvr>
     <a:masterClrMapping/>
   </p:clrMapOvr>
+  <p:timing>
+    <p:tnLst>
+      <p:par>
+        <p:cTn id="1" dur="indefinite" restart="never" nodeType="tmRoot"/>
+      </p:par>
+    </p:tnLst>
+  </p:timing>
 </p:sld>
 </file>
 
@@ -17018,40 +17323,6 @@
 <file path=ppt/slides/slide28.xml><?xml version="1.0" encoding="utf-8"?>
 <p:sld xmlns:a="http://schemas.openxmlformats.org/drawingml/2006/main" xmlns:r="http://schemas.openxmlformats.org/officeDocument/2006/relationships" xmlns:p="http://schemas.openxmlformats.org/presentationml/2006/main">
   <p:cSld>
-    <p:bg>
-      <p:bgPr>
-        <a:gradFill>
-          <a:gsLst>
-            <a:gs pos="0">
-              <a:schemeClr val="accent1">
-                <a:lumMod val="5000"/>
-                <a:lumOff val="95000"/>
-              </a:schemeClr>
-            </a:gs>
-            <a:gs pos="74000">
-              <a:schemeClr val="accent1">
-                <a:lumMod val="45000"/>
-                <a:lumOff val="55000"/>
-              </a:schemeClr>
-            </a:gs>
-            <a:gs pos="83000">
-              <a:schemeClr val="accent1">
-                <a:lumMod val="45000"/>
-                <a:lumOff val="55000"/>
-              </a:schemeClr>
-            </a:gs>
-            <a:gs pos="100000">
-              <a:schemeClr val="accent1">
-                <a:lumMod val="30000"/>
-                <a:lumOff val="70000"/>
-              </a:schemeClr>
-            </a:gs>
-          </a:gsLst>
-          <a:lin ang="5400000" scaled="1"/>
-        </a:gradFill>
-        <a:effectLst/>
-      </p:bgPr>
-    </p:bg>
     <p:spTree>
       <p:nvGrpSpPr>
         <p:cNvPr id="1" name=""/>
@@ -17135,8 +17406,12 @@
               <a:buNone/>
             </a:pPr>
             <a:r>
+              <a:rPr lang="en-US" sz="2000" dirty="0" smtClean="0"/>
+              <a:t>   </a:t>
+            </a:r>
+            <a:r>
               <a:rPr lang="en-US" sz="2000" dirty="0"/>
-              <a:t>   public static void main(String[] </a:t>
+              <a:t>public static void main(String[] </a:t>
             </a:r>
             <a:r>
               <a:rPr lang="en-US" sz="2000" dirty="0" err="1"/>
@@ -17152,8 +17427,12 @@
               <a:buNone/>
             </a:pPr>
             <a:r>
+              <a:rPr lang="en-US" sz="2000" dirty="0" smtClean="0"/>
+              <a:t>   </a:t>
+            </a:r>
+            <a:r>
               <a:rPr lang="en-US" sz="2000" dirty="0"/>
-              <a:t>   Thread t = </a:t>
+              <a:t>Thread t = </a:t>
             </a:r>
             <a:r>
               <a:rPr lang="en-US" sz="2000" dirty="0" err="1"/>
@@ -17213,7 +17492,15 @@
             </a:pPr>
             <a:r>
               <a:rPr lang="en-US" sz="2000" dirty="0"/>
-              <a:t>        // prints the current thread</a:t>
+              <a:t>     </a:t>
+            </a:r>
+            <a:r>
+              <a:rPr lang="en-US" sz="2000" dirty="0" smtClean="0"/>
+              <a:t>   </a:t>
+            </a:r>
+            <a:r>
+              <a:rPr lang="en-US" sz="2000" dirty="0"/>
+              <a:t>// prints the current thread</a:t>
             </a:r>
           </a:p>
           <a:p>
@@ -17281,7 +17568,11 @@
             </a:pPr>
             <a:r>
               <a:rPr lang="en-US" sz="2000" dirty="0"/>
-              <a:t>      </a:t>
+              <a:t>   </a:t>
+            </a:r>
+            <a:r>
+              <a:rPr lang="en-US" sz="2000" dirty="0" smtClean="0"/>
+              <a:t>   </a:t>
             </a:r>
             <a:r>
               <a:rPr lang="en-US" sz="2000" dirty="0" err="1"/>
@@ -17323,7 +17614,11 @@
             </a:pPr>
             <a:r>
               <a:rPr lang="en-US" sz="2000" dirty="0"/>
-              <a:t>   }</a:t>
+              <a:t>   </a:t>
+            </a:r>
+            <a:r>
+              <a:rPr lang="en-US" sz="2000" dirty="0" smtClean="0"/>
+              <a:t>}</a:t>
             </a:r>
           </a:p>
           <a:p>
@@ -17331,7 +17626,7 @@
               <a:buNone/>
             </a:pPr>
             <a:r>
-              <a:rPr lang="en-US" sz="2000" dirty="0"/>
+              <a:rPr lang="en-US" sz="2000" dirty="0" smtClean="0"/>
               <a:t>}</a:t>
             </a:r>
           </a:p>
@@ -17345,7 +17640,7 @@
             <a:pPr marL="0" indent="0">
               <a:buNone/>
             </a:pPr>
-            <a:endParaRPr lang="en-US" sz="2000" dirty="0"/>
+            <a:endParaRPr lang="en-US" sz="2000" dirty="0" smtClean="0"/>
           </a:p>
           <a:p>
             <a:pPr marL="0" indent="0">
@@ -17407,6 +17702,13 @@
   <p:clrMapOvr>
     <a:masterClrMapping/>
   </p:clrMapOvr>
+  <p:timing>
+    <p:tnLst>
+      <p:par>
+        <p:cTn id="1" dur="indefinite" restart="never" nodeType="tmRoot"/>
+      </p:par>
+    </p:tnLst>
+  </p:timing>
 </p:sld>
 </file>
 
@@ -17503,30 +17805,30 @@
                 <a:latin typeface="Times New Roman" panose="02020603050405020304" pitchFamily="18" charset="0"/>
                 <a:cs typeface="Times New Roman" panose="02020603050405020304" pitchFamily="18" charset="0"/>
               </a:rPr>
-              <a:t> is a service provider thread that provides services to the user thread. JVM terminates this thread automatically.</a:t>
-            </a:r>
-          </a:p>
-          <a:p>
-            <a:r>
-              <a:rPr lang="en-US" dirty="0">
+              <a:t> is a service provider thread that provides services to the user thread. </a:t>
+            </a:r>
+            <a:r>
+              <a:rPr lang="en-US" dirty="0" smtClean="0">
                 <a:solidFill>
                   <a:srgbClr val="000000"/>
                 </a:solidFill>
                 <a:latin typeface="Times New Roman" panose="02020603050405020304" pitchFamily="18" charset="0"/>
                 <a:cs typeface="Times New Roman" panose="02020603050405020304" pitchFamily="18" charset="0"/>
               </a:rPr>
-              <a:t>There are many java daemon threads running automatically e.g. </a:t>
-            </a:r>
-            <a:r>
-              <a:rPr lang="en-US" dirty="0" err="1">
+              <a:t>JVM </a:t>
+            </a:r>
+            <a:r>
+              <a:rPr lang="en-US" dirty="0">
                 <a:solidFill>
                   <a:srgbClr val="000000"/>
                 </a:solidFill>
                 <a:latin typeface="Times New Roman" panose="02020603050405020304" pitchFamily="18" charset="0"/>
                 <a:cs typeface="Times New Roman" panose="02020603050405020304" pitchFamily="18" charset="0"/>
               </a:rPr>
-              <a:t>gc</a:t>
-            </a:r>
+              <a:t>terminates this thread automatically.</a:t>
+            </a:r>
+          </a:p>
+          <a:p>
             <a:r>
               <a:rPr lang="en-US" dirty="0">
                 <a:solidFill>
@@ -17535,7 +17837,37 @@
                 <a:latin typeface="Times New Roman" panose="02020603050405020304" pitchFamily="18" charset="0"/>
                 <a:cs typeface="Times New Roman" panose="02020603050405020304" pitchFamily="18" charset="0"/>
               </a:rPr>
-              <a:t>, finalizer etc.</a:t>
+              <a:t>There are many java daemon threads running automatically e.g. </a:t>
+            </a:r>
+            <a:r>
+              <a:rPr lang="en-US" dirty="0" err="1">
+                <a:solidFill>
+                  <a:srgbClr val="000000"/>
+                </a:solidFill>
+                <a:latin typeface="Times New Roman" panose="02020603050405020304" pitchFamily="18" charset="0"/>
+                <a:cs typeface="Times New Roman" panose="02020603050405020304" pitchFamily="18" charset="0"/>
+              </a:rPr>
+              <a:t>gc</a:t>
+            </a:r>
+            <a:r>
+              <a:rPr lang="en-US" dirty="0">
+                <a:solidFill>
+                  <a:srgbClr val="000000"/>
+                </a:solidFill>
+                <a:latin typeface="Times New Roman" panose="02020603050405020304" pitchFamily="18" charset="0"/>
+                <a:cs typeface="Times New Roman" panose="02020603050405020304" pitchFamily="18" charset="0"/>
+              </a:rPr>
+              <a:t>, finalizer etc</a:t>
+            </a:r>
+            <a:r>
+              <a:rPr lang="en-US" dirty="0" smtClean="0">
+                <a:solidFill>
+                  <a:srgbClr val="000000"/>
+                </a:solidFill>
+                <a:latin typeface="Times New Roman" panose="02020603050405020304" pitchFamily="18" charset="0"/>
+                <a:cs typeface="Times New Roman" panose="02020603050405020304" pitchFamily="18" charset="0"/>
+              </a:rPr>
+              <a:t>.</a:t>
             </a:r>
           </a:p>
           <a:p>
@@ -17588,6 +17920,13 @@
   <p:clrMapOvr>
     <a:masterClrMapping/>
   </p:clrMapOvr>
+  <p:timing>
+    <p:tnLst>
+      <p:par>
+        <p:cTn id="1" dur="indefinite" restart="never" nodeType="tmRoot"/>
+      </p:par>
+    </p:tnLst>
+  </p:timing>
 </p:sld>
 </file>
 
@@ -17664,23 +18003,41 @@
               <a:buNone/>
             </a:pPr>
             <a:r>
+              <a:rPr lang="en-US" sz="2400" dirty="0" smtClean="0">
+                <a:latin typeface="Times New Roman" panose="02020603050405020304" pitchFamily="18" charset="0"/>
+                <a:cs typeface="Times New Roman" panose="02020603050405020304" pitchFamily="18" charset="0"/>
+              </a:rPr>
+              <a:t>Multitasking </a:t>
+            </a:r>
+            <a:r>
               <a:rPr lang="en-US" sz="2400" dirty="0">
                 <a:latin typeface="Times New Roman" panose="02020603050405020304" pitchFamily="18" charset="0"/>
                 <a:cs typeface="Times New Roman" panose="02020603050405020304" pitchFamily="18" charset="0"/>
               </a:rPr>
-              <a:t>Multitasking is a process of executing multiple tasks simultaneously. We use multitasking to utilize the CPU. </a:t>
-            </a:r>
+              <a:t>is a process of executing multiple tasks simultaneously. We use multitasking to utilize the CPU. </a:t>
+            </a:r>
+            <a:endParaRPr lang="en-US" sz="2400" dirty="0" smtClean="0">
+              <a:latin typeface="Times New Roman" panose="02020603050405020304" pitchFamily="18" charset="0"/>
+              <a:cs typeface="Times New Roman" panose="02020603050405020304" pitchFamily="18" charset="0"/>
+            </a:endParaRPr>
           </a:p>
           <a:p>
             <a:pPr marL="0" indent="0">
               <a:buNone/>
             </a:pPr>
+            <a:r>
+              <a:rPr lang="en-US" sz="2400" dirty="0" smtClean="0">
+                <a:latin typeface="Times New Roman" panose="02020603050405020304" pitchFamily="18" charset="0"/>
+                <a:cs typeface="Times New Roman" panose="02020603050405020304" pitchFamily="18" charset="0"/>
+              </a:rPr>
+              <a:t>Multitasking </a:t>
+            </a:r>
             <a:r>
               <a:rPr lang="en-US" sz="2400" dirty="0">
                 <a:latin typeface="Times New Roman" panose="02020603050405020304" pitchFamily="18" charset="0"/>
                 <a:cs typeface="Times New Roman" panose="02020603050405020304" pitchFamily="18" charset="0"/>
               </a:rPr>
-              <a:t>Multitasking can be achieved in two ways:</a:t>
+              <a:t>can be achieved in two ways:</a:t>
             </a:r>
           </a:p>
           <a:p>
@@ -17823,6 +18180,21 @@
   <p:clrMapOvr>
     <a:masterClrMapping/>
   </p:clrMapOvr>
+  <mc:AlternateContent xmlns:mc="http://schemas.openxmlformats.org/markup-compatibility/2006" xmlns:p14="http://schemas.microsoft.com/office/powerpoint/2010/main">
+    <mc:Choice Requires="p14">
+      <p:transition spd="slow" p14:dur="2000"/>
+    </mc:Choice>
+    <mc:Fallback xmlns="">
+      <p:transition spd="slow"/>
+    </mc:Fallback>
+  </mc:AlternateContent>
+  <p:timing>
+    <p:tnLst>
+      <p:par>
+        <p:cTn id="1" dur="indefinite" restart="never" nodeType="tmRoot"/>
+      </p:par>
+    </p:tnLst>
+  </p:timing>
 </p:sld>
 </file>
 
@@ -18480,6 +18852,13 @@
   <p:clrMapOvr>
     <a:masterClrMapping/>
   </p:clrMapOvr>
+  <p:timing>
+    <p:tnLst>
+      <p:par>
+        <p:cTn id="1" dur="indefinite" restart="never" nodeType="tmRoot"/>
+      </p:par>
+    </p:tnLst>
+  </p:timing>
 </p:sld>
 </file>
 
@@ -20044,40 +20423,6 @@
 <file path=ppt/slides/slide34.xml><?xml version="1.0" encoding="utf-8"?>
 <p:sld xmlns:a="http://schemas.openxmlformats.org/drawingml/2006/main" xmlns:r="http://schemas.openxmlformats.org/officeDocument/2006/relationships" xmlns:p="http://schemas.openxmlformats.org/presentationml/2006/main">
   <p:cSld>
-    <p:bg>
-      <p:bgPr>
-        <a:gradFill>
-          <a:gsLst>
-            <a:gs pos="0">
-              <a:schemeClr val="accent1">
-                <a:lumMod val="5000"/>
-                <a:lumOff val="95000"/>
-              </a:schemeClr>
-            </a:gs>
-            <a:gs pos="74000">
-              <a:schemeClr val="accent1">
-                <a:lumMod val="45000"/>
-                <a:lumOff val="55000"/>
-              </a:schemeClr>
-            </a:gs>
-            <a:gs pos="83000">
-              <a:schemeClr val="accent1">
-                <a:lumMod val="45000"/>
-                <a:lumOff val="55000"/>
-              </a:schemeClr>
-            </a:gs>
-            <a:gs pos="100000">
-              <a:schemeClr val="accent1">
-                <a:lumMod val="30000"/>
-                <a:lumOff val="70000"/>
-              </a:schemeClr>
-            </a:gs>
-          </a:gsLst>
-          <a:lin ang="5400000" scaled="1"/>
-        </a:gradFill>
-        <a:effectLst/>
-      </p:bgPr>
-    </p:bg>
     <p:spTree>
       <p:nvGrpSpPr>
         <p:cNvPr id="1" name=""/>
@@ -20148,8 +20493,12 @@
               <a:buNone/>
             </a:pPr>
             <a:r>
+              <a:rPr lang="en-US" dirty="0" smtClean="0"/>
+              <a:t>Employee</a:t>
+            </a:r>
+            <a:r>
               <a:rPr lang="en-US" dirty="0"/>
-              <a:t>Employee e=</a:t>
+              <a:t> e=</a:t>
             </a:r>
             <a:r>
               <a:rPr lang="en-US" b="1" dirty="0"/>
@@ -20176,12 +20525,13 @@
               <a:rPr lang="en-US" dirty="0"/>
               <a:t>;  </a:t>
             </a:r>
+            <a:endParaRPr lang="en-US" dirty="0" smtClean="0"/>
           </a:p>
           <a:p>
             <a:pPr marL="457200" lvl="1" indent="0">
               <a:buNone/>
             </a:pPr>
-            <a:endParaRPr lang="en-US" dirty="0"/>
+            <a:endParaRPr lang="en-US" dirty="0" smtClean="0"/>
           </a:p>
           <a:p>
             <a:r>
@@ -20194,8 +20544,12 @@
               <a:buNone/>
             </a:pPr>
             <a:r>
+              <a:rPr lang="en-US" dirty="0" smtClean="0"/>
+              <a:t>Employee</a:t>
+            </a:r>
+            <a:r>
               <a:rPr lang="en-US" dirty="0"/>
-              <a:t>Employee e1=</a:t>
+              <a:t> e1=</a:t>
             </a:r>
             <a:r>
               <a:rPr lang="en-US" b="1" dirty="0"/>
@@ -20233,12 +20587,16 @@
             </a:r>
           </a:p>
           <a:p>
-            <a:endParaRPr lang="en-US" dirty="0"/>
-          </a:p>
-          <a:p>
+            <a:endParaRPr lang="en-US" dirty="0" smtClean="0"/>
+          </a:p>
+          <a:p>
+            <a:r>
+              <a:rPr lang="en-US" dirty="0" smtClean="0"/>
+              <a:t>3</a:t>
+            </a:r>
             <a:r>
               <a:rPr lang="en-US" dirty="0"/>
-              <a:t>3) By anonymous object:</a:t>
+              <a:t>) By anonymous object:</a:t>
             </a:r>
           </a:p>
           <a:p>
@@ -20246,7 +20604,7 @@
               <a:buNone/>
             </a:pPr>
             <a:r>
-              <a:rPr lang="en-US" b="1" dirty="0"/>
+              <a:rPr lang="en-US" b="1" dirty="0" smtClean="0"/>
               <a:t>new</a:t>
             </a:r>
             <a:r>
@@ -20307,7 +20665,13 @@
               <a:rPr lang="en-US" sz="3200" b="1" u="sng" dirty="0">
                 <a:latin typeface="verdana" panose="020B0604030504040204" pitchFamily="34" charset="0"/>
               </a:rPr>
-              <a:t>garbage collection</a:t>
+              <a:t>garbage </a:t>
+            </a:r>
+            <a:r>
+              <a:rPr lang="en-US" sz="3200" b="1" u="sng" dirty="0" smtClean="0">
+                <a:latin typeface="verdana" panose="020B0604030504040204" pitchFamily="34" charset="0"/>
+              </a:rPr>
+              <a:t>collection</a:t>
             </a:r>
             <a:endParaRPr lang="en-US" sz="3200" b="1" u="sng" dirty="0"/>
           </a:p>
@@ -20744,6 +21108,142 @@
     <p:extLst>
       <p:ext uri="{BB962C8B-B14F-4D97-AF65-F5344CB8AC3E}">
         <p14:creationId xmlns:p14="http://schemas.microsoft.com/office/powerpoint/2010/main" val="527510118"/>
+      </p:ext>
+    </p:extLst>
+  </p:cSld>
+  <p:clrMapOvr>
+    <a:masterClrMapping/>
+  </p:clrMapOvr>
+</p:sld>
+</file>
+
+<file path=ppt/slides/slide36.xml><?xml version="1.0" encoding="utf-8"?>
+<p:sld xmlns:a="http://schemas.openxmlformats.org/drawingml/2006/main" xmlns:r="http://schemas.openxmlformats.org/officeDocument/2006/relationships" xmlns:p="http://schemas.openxmlformats.org/presentationml/2006/main">
+  <p:cSld>
+    <p:spTree>
+      <p:nvGrpSpPr>
+        <p:cNvPr id="1" name=""/>
+        <p:cNvGrpSpPr/>
+        <p:nvPr/>
+      </p:nvGrpSpPr>
+      <p:grpSpPr>
+        <a:xfrm>
+          <a:off x="0" y="0"/>
+          <a:ext cx="0" cy="0"/>
+          <a:chOff x="0" y="0"/>
+          <a:chExt cx="0" cy="0"/>
+        </a:xfrm>
+      </p:grpSpPr>
+      <p:sp>
+        <p:nvSpPr>
+          <p:cNvPr id="2" name="Title 1"/>
+          <p:cNvSpPr>
+            <a:spLocks noGrp="1"/>
+          </p:cNvSpPr>
+          <p:nvPr>
+            <p:ph type="title"/>
+          </p:nvPr>
+        </p:nvSpPr>
+        <p:spPr/>
+        <p:txBody>
+          <a:bodyPr/>
+          <a:lstStyle/>
+          <a:p>
+            <a:endParaRPr lang="en-US"/>
+          </a:p>
+        </p:txBody>
+      </p:sp>
+      <p:sp>
+        <p:nvSpPr>
+          <p:cNvPr id="3" name="Content Placeholder 2"/>
+          <p:cNvSpPr>
+            <a:spLocks noGrp="1"/>
+          </p:cNvSpPr>
+          <p:nvPr>
+            <p:ph idx="1"/>
+          </p:nvPr>
+        </p:nvSpPr>
+        <p:spPr/>
+        <p:txBody>
+          <a:bodyPr/>
+          <a:lstStyle/>
+          <a:p>
+            <a:endParaRPr lang="en-US"/>
+          </a:p>
+        </p:txBody>
+      </p:sp>
+    </p:spTree>
+    <p:extLst>
+      <p:ext uri="{BB962C8B-B14F-4D97-AF65-F5344CB8AC3E}">
+        <p14:creationId xmlns:p14="http://schemas.microsoft.com/office/powerpoint/2010/main" val="3557350727"/>
+      </p:ext>
+    </p:extLst>
+  </p:cSld>
+  <p:clrMapOvr>
+    <a:masterClrMapping/>
+  </p:clrMapOvr>
+</p:sld>
+</file>
+
+<file path=ppt/slides/slide37.xml><?xml version="1.0" encoding="utf-8"?>
+<p:sld xmlns:a="http://schemas.openxmlformats.org/drawingml/2006/main" xmlns:r="http://schemas.openxmlformats.org/officeDocument/2006/relationships" xmlns:p="http://schemas.openxmlformats.org/presentationml/2006/main">
+  <p:cSld>
+    <p:spTree>
+      <p:nvGrpSpPr>
+        <p:cNvPr id="1" name=""/>
+        <p:cNvGrpSpPr/>
+        <p:nvPr/>
+      </p:nvGrpSpPr>
+      <p:grpSpPr>
+        <a:xfrm>
+          <a:off x="0" y="0"/>
+          <a:ext cx="0" cy="0"/>
+          <a:chOff x="0" y="0"/>
+          <a:chExt cx="0" cy="0"/>
+        </a:xfrm>
+      </p:grpSpPr>
+      <p:sp>
+        <p:nvSpPr>
+          <p:cNvPr id="2" name="Title 1"/>
+          <p:cNvSpPr>
+            <a:spLocks noGrp="1"/>
+          </p:cNvSpPr>
+          <p:nvPr>
+            <p:ph type="title"/>
+          </p:nvPr>
+        </p:nvSpPr>
+        <p:spPr/>
+        <p:txBody>
+          <a:bodyPr/>
+          <a:lstStyle/>
+          <a:p>
+            <a:endParaRPr lang="en-US"/>
+          </a:p>
+        </p:txBody>
+      </p:sp>
+      <p:sp>
+        <p:nvSpPr>
+          <p:cNvPr id="3" name="Content Placeholder 2"/>
+          <p:cNvSpPr>
+            <a:spLocks noGrp="1"/>
+          </p:cNvSpPr>
+          <p:nvPr>
+            <p:ph idx="1"/>
+          </p:nvPr>
+        </p:nvSpPr>
+        <p:spPr/>
+        <p:txBody>
+          <a:bodyPr/>
+          <a:lstStyle/>
+          <a:p>
+            <a:endParaRPr lang="en-US"/>
+          </a:p>
+        </p:txBody>
+      </p:sp>
+    </p:spTree>
+    <p:extLst>
+      <p:ext uri="{BB962C8B-B14F-4D97-AF65-F5344CB8AC3E}">
+        <p14:creationId xmlns:p14="http://schemas.microsoft.com/office/powerpoint/2010/main" val="1860443673"/>
       </p:ext>
     </p:extLst>
   </p:cSld>
@@ -20801,7 +21301,7 @@
               </a:spcAft>
             </a:pPr>
             <a:r>
-              <a:rPr lang="en-US" altLang="en-US" dirty="0">
+              <a:rPr lang="en-US" altLang="en-US" dirty="0" smtClean="0">
                 <a:solidFill>
                   <a:srgbClr val="610B38"/>
                 </a:solidFill>
@@ -20809,6 +21309,12 @@
               </a:rPr>
               <a:t>What is Thread in java</a:t>
             </a:r>
+            <a:endParaRPr lang="en-US" altLang="en-US" dirty="0">
+              <a:solidFill>
+                <a:srgbClr val="610B38"/>
+              </a:solidFill>
+              <a:latin typeface="erdana"/>
+            </a:endParaRPr>
           </a:p>
         </p:txBody>
       </p:sp>
@@ -21010,7 +21516,7 @@
               <a:tabLst/>
             </a:pPr>
             <a:r>
-              <a:rPr kumimoji="0" lang="en-US" altLang="en-US" b="0" i="0" u="none" strike="noStrike" cap="none" normalizeH="0" baseline="0" dirty="0">
+              <a:rPr kumimoji="0" lang="en-US" altLang="en-US" b="0" i="0" u="none" strike="noStrike" cap="none" normalizeH="0" baseline="0" dirty="0" smtClean="0">
                 <a:ln>
                   <a:noFill/>
                 </a:ln>
@@ -21023,7 +21529,7 @@
               <a:t>A thread is a lightweight </a:t>
             </a:r>
             <a:r>
-              <a:rPr kumimoji="0" lang="en-US" altLang="en-US" b="0" i="0" u="none" strike="noStrike" cap="none" normalizeH="0" baseline="0" dirty="0" err="1">
+              <a:rPr kumimoji="0" lang="en-US" altLang="en-US" b="0" i="0" u="none" strike="noStrike" cap="none" normalizeH="0" baseline="0" dirty="0" err="1" smtClean="0">
                 <a:ln>
                   <a:noFill/>
                 </a:ln>
@@ -21036,7 +21542,7 @@
               <a:t>subprocess</a:t>
             </a:r>
             <a:r>
-              <a:rPr kumimoji="0" lang="en-US" altLang="en-US" b="0" i="0" u="none" strike="noStrike" cap="none" normalizeH="0" baseline="0" dirty="0">
+              <a:rPr kumimoji="0" lang="en-US" altLang="en-US" b="0" i="0" u="none" strike="noStrike" cap="none" normalizeH="0" baseline="0" dirty="0" smtClean="0">
                 <a:ln>
                   <a:noFill/>
                 </a:ln>
@@ -21067,7 +21573,7 @@
               <a:tabLst/>
             </a:pPr>
             <a:r>
-              <a:rPr kumimoji="0" lang="en-US" altLang="en-US" b="0" i="0" u="none" strike="noStrike" cap="none" normalizeH="0" baseline="0" dirty="0">
+              <a:rPr kumimoji="0" lang="en-US" altLang="en-US" b="0" i="0" u="none" strike="noStrike" cap="none" normalizeH="0" baseline="0" dirty="0" smtClean="0">
                 <a:ln>
                   <a:noFill/>
                 </a:ln>
@@ -21079,7 +21585,7 @@
               </a:rPr>
               <a:t> </a:t>
             </a:r>
-            <a:endParaRPr kumimoji="0" lang="en-US" altLang="en-US" sz="4400" b="0" i="0" u="none" strike="noStrike" cap="none" normalizeH="0" baseline="0" dirty="0">
+            <a:endParaRPr kumimoji="0" lang="en-US" altLang="en-US" sz="4400" b="0" i="0" u="none" strike="noStrike" cap="none" normalizeH="0" baseline="0" dirty="0" smtClean="0">
               <a:ln>
                 <a:noFill/>
               </a:ln>
@@ -21162,7 +21668,16 @@
                 </a:solidFill>
                 <a:latin typeface="erdana"/>
               </a:rPr>
-              <a:t>Java Thread class</a:t>
+              <a:t>Java Thread </a:t>
+            </a:r>
+            <a:r>
+              <a:rPr lang="en-US" sz="2000" b="1" u="sng" dirty="0" smtClean="0">
+                <a:solidFill>
+                  <a:srgbClr val="FF0000"/>
+                </a:solidFill>
+                <a:latin typeface="erdana"/>
+              </a:rPr>
+              <a:t>class</a:t>
             </a:r>
           </a:p>
           <a:p>
@@ -21206,6 +21721,12 @@
               </a:rPr>
               <a:t> to achieve thread programming. Thread class provides constructors and methods to create and perform operations on a thread. </a:t>
             </a:r>
+            <a:endParaRPr lang="en-US" sz="2000" dirty="0" smtClean="0">
+              <a:solidFill>
+                <a:srgbClr val="000000"/>
+              </a:solidFill>
+              <a:latin typeface="verdana" panose="020B0604030504040204" pitchFamily="34" charset="0"/>
+            </a:endParaRPr>
           </a:p>
           <a:p>
             <a:pPr marL="342900" indent="-342900" algn="just">
@@ -21213,13 +21734,22 @@
               <a:buChar char="•"/>
             </a:pPr>
             <a:r>
+              <a:rPr lang="en-US" sz="2000" dirty="0" smtClean="0">
+                <a:solidFill>
+                  <a:srgbClr val="000000"/>
+                </a:solidFill>
+                <a:latin typeface="verdana" panose="020B0604030504040204" pitchFamily="34" charset="0"/>
+              </a:rPr>
+              <a:t>Thread </a:t>
+            </a:r>
+            <a:r>
               <a:rPr lang="en-US" sz="2000" dirty="0">
                 <a:solidFill>
                   <a:srgbClr val="000000"/>
                 </a:solidFill>
                 <a:latin typeface="verdana" panose="020B0604030504040204" pitchFamily="34" charset="0"/>
               </a:rPr>
-              <a:t>Thread class extends Object class and implements Runnable interface.</a:t>
+              <a:t>class extends Object class and implements Runnable interface.</a:t>
             </a:r>
             <a:endParaRPr lang="en-US" sz="2000" b="0" i="0" dirty="0">
               <a:solidFill>
@@ -21241,6 +21771,21 @@
   <p:clrMapOvr>
     <a:masterClrMapping/>
   </p:clrMapOvr>
+  <mc:AlternateContent xmlns:mc="http://schemas.openxmlformats.org/markup-compatibility/2006" xmlns:p14="http://schemas.microsoft.com/office/powerpoint/2010/main">
+    <mc:Choice Requires="p14">
+      <p:transition spd="slow" p14:dur="2000"/>
+    </mc:Choice>
+    <mc:Fallback xmlns="">
+      <p:transition spd="slow"/>
+    </mc:Fallback>
+  </mc:AlternateContent>
+  <p:timing>
+    <p:tnLst>
+      <p:par>
+        <p:cTn id="1" dur="indefinite" restart="never" nodeType="tmRoot"/>
+      </p:par>
+    </p:tnLst>
+  </p:timing>
 </p:sld>
 </file>
 
@@ -21288,7 +21833,7 @@
               <a:rPr lang="en-US" dirty="0"/>
               <a:t>JDBC</a:t>
             </a:r>
-            <a:endParaRPr lang="en-US" altLang="en-US" dirty="0"/>
+            <a:endParaRPr lang="en-US" altLang="en-US" dirty="0" smtClean="0"/>
           </a:p>
         </p:txBody>
       </p:sp>
@@ -24155,6 +24700,21 @@
   <p:clrMapOvr>
     <a:masterClrMapping/>
   </p:clrMapOvr>
+  <mc:AlternateContent xmlns:mc="http://schemas.openxmlformats.org/markup-compatibility/2006" xmlns:p14="http://schemas.microsoft.com/office/powerpoint/2010/main">
+    <mc:Choice Requires="p14">
+      <p:transition spd="slow" p14:dur="2000"/>
+    </mc:Choice>
+    <mc:Fallback xmlns="">
+      <p:transition spd="slow"/>
+    </mc:Fallback>
+  </mc:AlternateContent>
+  <p:timing>
+    <p:tnLst>
+      <p:par>
+        <p:cTn id="1" dur="indefinite" restart="never" nodeType="tmRoot"/>
+      </p:par>
+    </p:tnLst>
+  </p:timing>
 </p:sld>
 </file>
 
@@ -24202,7 +24762,7 @@
               <a:rPr lang="en-US" dirty="0"/>
               <a:t>JDBC</a:t>
             </a:r>
-            <a:endParaRPr lang="en-US" altLang="en-US" dirty="0"/>
+            <a:endParaRPr lang="en-US" altLang="en-US" dirty="0" smtClean="0"/>
           </a:p>
         </p:txBody>
       </p:sp>
@@ -26822,6 +27382,21 @@
   <p:clrMapOvr>
     <a:masterClrMapping/>
   </p:clrMapOvr>
+  <mc:AlternateContent xmlns:mc="http://schemas.openxmlformats.org/markup-compatibility/2006" xmlns:p14="http://schemas.microsoft.com/office/powerpoint/2010/main">
+    <mc:Choice Requires="p14">
+      <p:transition spd="slow" p14:dur="2000"/>
+    </mc:Choice>
+    <mc:Fallback xmlns="">
+      <p:transition spd="slow"/>
+    </mc:Fallback>
+  </mc:AlternateContent>
+  <p:timing>
+    <p:tnLst>
+      <p:par>
+        <p:cTn id="1" dur="indefinite" restart="never" nodeType="tmRoot"/>
+      </p:par>
+    </p:tnLst>
+  </p:timing>
 </p:sld>
 </file>
 
@@ -31368,7 +31943,7 @@
               <a:tabLst/>
             </a:pPr>
             <a:r>
-              <a:rPr kumimoji="0" lang="en-US" altLang="en-US" sz="1600" b="0" i="0" u="none" strike="noStrike" cap="none" normalizeH="0" baseline="0" dirty="0">
+              <a:rPr kumimoji="0" lang="en-US" altLang="en-US" sz="1600" b="0" i="0" u="none" strike="noStrike" cap="none" normalizeH="0" baseline="0" dirty="0" smtClean="0">
                 <a:ln>
                   <a:noFill/>
                 </a:ln>
@@ -31423,7 +31998,7 @@
               <a:tabLst/>
             </a:pPr>
             <a:r>
-              <a:rPr kumimoji="0" lang="en-US" altLang="en-US" sz="1600" b="0" i="0" u="none" strike="noStrike" cap="none" normalizeH="0" baseline="0" dirty="0">
+              <a:rPr kumimoji="0" lang="en-US" altLang="en-US" sz="1600" b="0" i="0" u="none" strike="noStrike" cap="none" normalizeH="0" baseline="0" dirty="0" smtClean="0">
                 <a:ln>
                   <a:noFill/>
                 </a:ln>
@@ -31478,7 +32053,7 @@
               <a:tabLst/>
             </a:pPr>
             <a:r>
-              <a:rPr kumimoji="0" lang="en-US" altLang="en-US" sz="1600" b="0" i="0" u="none" strike="noStrike" cap="none" normalizeH="0" baseline="0" dirty="0">
+              <a:rPr kumimoji="0" lang="en-US" altLang="en-US" sz="1600" b="0" i="0" u="none" strike="noStrike" cap="none" normalizeH="0" baseline="0" dirty="0" smtClean="0">
                 <a:ln>
                   <a:noFill/>
                 </a:ln>
@@ -31532,7 +32107,7 @@
               <a:buNone/>
               <a:tabLst/>
             </a:pPr>
-            <a:endParaRPr kumimoji="0" lang="en-US" altLang="en-US" sz="2400" b="0" i="0" u="none" strike="noStrike" cap="none" normalizeH="0" baseline="0" dirty="0">
+            <a:endParaRPr kumimoji="0" lang="en-US" altLang="en-US" sz="2400" b="0" i="0" u="none" strike="noStrike" cap="none" normalizeH="0" baseline="0" dirty="0" smtClean="0">
               <a:ln>
                 <a:noFill/>
               </a:ln>
@@ -31560,7 +32135,7 @@
               <a:tabLst/>
             </a:pPr>
             <a:r>
-              <a:rPr kumimoji="0" lang="en-US" altLang="en-US" sz="1600" b="0" i="0" u="none" strike="noStrike" cap="none" normalizeH="0" baseline="0" dirty="0">
+              <a:rPr kumimoji="0" lang="en-US" altLang="en-US" sz="1600" b="0" i="0" u="none" strike="noStrike" cap="none" normalizeH="0" baseline="0" dirty="0" smtClean="0">
                 <a:ln>
                   <a:noFill/>
                 </a:ln>
@@ -31591,7 +32166,7 @@
               <a:tabLst/>
             </a:pPr>
             <a:r>
-              <a:rPr kumimoji="0" lang="en-US" altLang="en-US" sz="1600" b="0" i="0" u="none" strike="noStrike" cap="none" normalizeH="0" baseline="0" dirty="0">
+              <a:rPr kumimoji="0" lang="en-US" altLang="en-US" sz="1600" b="0" i="0" u="none" strike="noStrike" cap="none" normalizeH="0" baseline="0" dirty="0" smtClean="0">
                 <a:ln>
                   <a:noFill/>
                 </a:ln>
@@ -31622,7 +32197,7 @@
               <a:tabLst/>
             </a:pPr>
             <a:r>
-              <a:rPr kumimoji="0" lang="en-US" altLang="en-US" sz="1600" b="0" i="0" u="none" strike="noStrike" cap="none" normalizeH="0" baseline="0" dirty="0">
+              <a:rPr kumimoji="0" lang="en-US" altLang="en-US" sz="1600" b="0" i="0" u="none" strike="noStrike" cap="none" normalizeH="0" baseline="0" dirty="0" smtClean="0">
                 <a:ln>
                   <a:noFill/>
                 </a:ln>
@@ -31653,7 +32228,7 @@
               <a:tabLst/>
             </a:pPr>
             <a:r>
-              <a:rPr kumimoji="0" lang="en-US" altLang="en-US" sz="1600" b="0" i="0" u="none" strike="noStrike" cap="none" normalizeH="0" baseline="0" dirty="0">
+              <a:rPr kumimoji="0" lang="en-US" altLang="en-US" sz="1600" b="0" i="0" u="none" strike="noStrike" cap="none" normalizeH="0" baseline="0" dirty="0" smtClean="0">
                 <a:ln>
                   <a:noFill/>
                 </a:ln>
@@ -31684,7 +32259,7 @@
               <a:tabLst/>
             </a:pPr>
             <a:r>
-              <a:rPr kumimoji="0" lang="en-US" altLang="en-US" sz="1600" b="0" i="0" u="none" strike="noStrike" cap="none" normalizeH="0" baseline="0" dirty="0">
+              <a:rPr kumimoji="0" lang="en-US" altLang="en-US" sz="1600" b="0" i="0" u="none" strike="noStrike" cap="none" normalizeH="0" baseline="0" dirty="0" smtClean="0">
                 <a:ln>
                   <a:noFill/>
                 </a:ln>
@@ -31714,7 +32289,7 @@
               <a:buNone/>
               <a:tabLst/>
             </a:pPr>
-            <a:endParaRPr kumimoji="0" lang="en-US" altLang="en-US" sz="1800" b="0" i="0" u="none" strike="noStrike" cap="none" normalizeH="0" baseline="0" dirty="0">
+            <a:endParaRPr kumimoji="0" lang="en-US" altLang="en-US" sz="1800" b="0" i="0" u="none" strike="noStrike" cap="none" normalizeH="0" baseline="0" dirty="0" smtClean="0">
               <a:ln>
                 <a:noFill/>
               </a:ln>
@@ -31778,6 +32353,13 @@
   <p:clrMapOvr>
     <a:masterClrMapping/>
   </p:clrMapOvr>
+  <p:timing>
+    <p:tnLst>
+      <p:par>
+        <p:cTn id="1" dur="indefinite" restart="never" nodeType="tmRoot"/>
+      </p:par>
+    </p:tnLst>
+  </p:timing>
 </p:sld>
 </file>
 
